--- a/microPython-2.pptx
+++ b/microPython-2.pptx
@@ -17,6 +17,8 @@
     <p:sldId id="265" r:id="rId12"/>
     <p:sldId id="266" r:id="rId13"/>
     <p:sldId id="267" r:id="rId14"/>
+    <p:sldId id="268" r:id="rId15"/>
+    <p:sldId id="269" r:id="rId16"/>
   </p:sldIdLst>
   <p:sldSz cx="12192000" cy="6858000"/>
   <p:notesSz cx="12192000" cy="6858000"/>
@@ -3362,11 +3364,7 @@
             </a:pPr>
             <a:r>
               <a:rPr lang="fr-FR"/>
-              <a:t>Allumer des diodes colorées </a:t>
-            </a:r>
-            <a:r>
-              <a:rPr lang="fr-FR"/>
-              <a:t>Neopixel</a:t>
+              <a:t>Un programme typique</a:t>
             </a:r>
             <a:endParaRPr lang="fr-FR"/>
           </a:p>
@@ -3381,7 +3379,7 @@
         <p:spPr bwMode="auto">
           <a:xfrm>
             <a:off x="606176" y="1464656"/>
-            <a:ext cx="3986372" cy="5001369"/>
+            <a:ext cx="6287784" cy="5324535"/>
           </a:xfrm>
           <a:prstGeom prst="rect">
             <a:avLst/>
@@ -3407,20 +3405,39 @@
               <a:defRPr/>
             </a:pPr>
             <a:r>
-              <a:rPr lang="fr-FR" sz="1100">
-                <a:latin typeface="Courier New"/>
-                <a:cs typeface="Courier New"/>
-              </a:rPr>
-              <a:t>import machine, </a:t>
-            </a:r>
-            <a:r>
-              <a:rPr lang="fr-FR" sz="1100">
-                <a:latin typeface="Courier New"/>
-                <a:cs typeface="Courier New"/>
-              </a:rPr>
-              <a:t>neopixel</a:t>
-            </a:r>
-            <a:endParaRPr lang="fr-FR" sz="1100">
+              <a:rPr lang="fr-FR" sz="1000">
+                <a:latin typeface="Courier New"/>
+                <a:cs typeface="Courier New"/>
+              </a:rPr>
+              <a:t>from</a:t>
+            </a:r>
+            <a:r>
+              <a:rPr lang="fr-FR" sz="1000">
+                <a:latin typeface="Courier New"/>
+                <a:cs typeface="Courier New"/>
+              </a:rPr>
+              <a:t> machine import Pin, PWM</a:t>
+            </a:r>
+            <a:endParaRPr/>
+          </a:p>
+          <a:p>
+            <a:pPr>
+              <a:defRPr/>
+            </a:pPr>
+            <a:r>
+              <a:rPr lang="fr-FR" sz="1000">
+                <a:latin typeface="Courier New"/>
+                <a:cs typeface="Courier New"/>
+              </a:rPr>
+              <a:t>import machine, time</a:t>
+            </a:r>
+            <a:endParaRPr/>
+          </a:p>
+          <a:p>
+            <a:pPr>
+              <a:defRPr/>
+            </a:pPr>
+            <a:endParaRPr lang="fr-FR" sz="1000">
               <a:latin typeface="Courier New"/>
               <a:cs typeface="Courier New"/>
             </a:endParaRPr>
@@ -3430,33 +3447,116 @@
               <a:defRPr/>
             </a:pPr>
             <a:r>
-              <a:rPr lang="fr-FR" sz="1100">
-                <a:latin typeface="Courier New"/>
-                <a:cs typeface="Courier New"/>
-              </a:rPr>
-              <a:t>import time</a:t>
-            </a:r>
-            <a:endParaRPr/>
-          </a:p>
-          <a:p>
-            <a:pPr>
-              <a:defRPr/>
-            </a:pPr>
-            <a:r>
-              <a:rPr lang="fr-FR" sz="1100">
-                <a:latin typeface="Courier New"/>
-                <a:cs typeface="Courier New"/>
-              </a:rPr>
-              <a:t>import </a:t>
-            </a:r>
-            <a:r>
-              <a:rPr lang="fr-FR" sz="1100">
-                <a:latin typeface="Courier New"/>
-                <a:cs typeface="Courier New"/>
-              </a:rPr>
-              <a:t>random</a:t>
-            </a:r>
-            <a:endParaRPr lang="fr-FR" sz="1100">
+              <a:rPr lang="fr-FR" sz="1000">
+                <a:latin typeface="Courier New"/>
+                <a:cs typeface="Courier New"/>
+              </a:rPr>
+              <a:t>class HCSR04():</a:t>
+            </a:r>
+            <a:endParaRPr/>
+          </a:p>
+          <a:p>
+            <a:pPr>
+              <a:defRPr/>
+            </a:pPr>
+            <a:r>
+              <a:rPr lang="fr-FR" sz="1000">
+                <a:latin typeface="Courier New"/>
+                <a:cs typeface="Courier New"/>
+              </a:rPr>
+              <a:t>    </a:t>
+            </a:r>
+            <a:r>
+              <a:rPr lang="fr-FR" sz="1000">
+                <a:latin typeface="Courier New"/>
+                <a:cs typeface="Courier New"/>
+              </a:rPr>
+              <a:t>def</a:t>
+            </a:r>
+            <a:r>
+              <a:rPr lang="fr-FR" sz="1000">
+                <a:latin typeface="Courier New"/>
+                <a:cs typeface="Courier New"/>
+              </a:rPr>
+              <a:t> __</a:t>
+            </a:r>
+            <a:r>
+              <a:rPr lang="fr-FR" sz="1000">
+                <a:latin typeface="Courier New"/>
+                <a:cs typeface="Courier New"/>
+              </a:rPr>
+              <a:t>init</a:t>
+            </a:r>
+            <a:r>
+              <a:rPr lang="fr-FR" sz="1000">
+                <a:latin typeface="Courier New"/>
+                <a:cs typeface="Courier New"/>
+              </a:rPr>
+              <a:t>__(self, </a:t>
+            </a:r>
+            <a:r>
+              <a:rPr lang="fr-FR" sz="1000">
+                <a:latin typeface="Courier New"/>
+                <a:cs typeface="Courier New"/>
+              </a:rPr>
+              <a:t>pin_echo</a:t>
+            </a:r>
+            <a:r>
+              <a:rPr lang="fr-FR" sz="1000">
+                <a:latin typeface="Courier New"/>
+                <a:cs typeface="Courier New"/>
+              </a:rPr>
+              <a:t>, </a:t>
+            </a:r>
+            <a:r>
+              <a:rPr lang="fr-FR" sz="1000">
+                <a:latin typeface="Courier New"/>
+                <a:cs typeface="Courier New"/>
+              </a:rPr>
+              <a:t>pin_trig</a:t>
+            </a:r>
+            <a:r>
+              <a:rPr lang="fr-FR" sz="1000">
+                <a:latin typeface="Courier New"/>
+                <a:cs typeface="Courier New"/>
+              </a:rPr>
+              <a:t>):</a:t>
+            </a:r>
+            <a:endParaRPr/>
+          </a:p>
+          <a:p>
+            <a:pPr>
+              <a:defRPr/>
+            </a:pPr>
+            <a:r>
+              <a:rPr lang="fr-FR" sz="1000">
+                <a:latin typeface="Courier New"/>
+                <a:cs typeface="Courier New"/>
+              </a:rPr>
+              <a:t>        </a:t>
+            </a:r>
+            <a:r>
+              <a:rPr lang="fr-FR" sz="1000">
+                <a:latin typeface="Courier New"/>
+                <a:cs typeface="Courier New"/>
+              </a:rPr>
+              <a:t>self.pin_echo</a:t>
+            </a:r>
+            <a:r>
+              <a:rPr lang="fr-FR" sz="1000">
+                <a:latin typeface="Courier New"/>
+                <a:cs typeface="Courier New"/>
+              </a:rPr>
+              <a:t> = </a:t>
+            </a:r>
+            <a:r>
+              <a:rPr lang="fr-FR" sz="1000">
+                <a:latin typeface="Courier New"/>
+                <a:cs typeface="Courier New"/>
+              </a:rPr>
+              <a:t>pin_echo</a:t>
+            </a:r>
+            <a:endParaRPr lang="fr-FR" sz="1000">
               <a:latin typeface="Courier New"/>
               <a:cs typeface="Courier New"/>
             </a:endParaRPr>
@@ -3465,7 +3565,132 @@
             <a:pPr>
               <a:defRPr/>
             </a:pPr>
-            <a:endParaRPr lang="fr-FR" sz="1100">
+            <a:r>
+              <a:rPr lang="fr-FR" sz="1000">
+                <a:latin typeface="Courier New"/>
+                <a:cs typeface="Courier New"/>
+              </a:rPr>
+              <a:t>        </a:t>
+            </a:r>
+            <a:r>
+              <a:rPr lang="fr-FR" sz="1000">
+                <a:latin typeface="Courier New"/>
+                <a:cs typeface="Courier New"/>
+              </a:rPr>
+              <a:t>self.pin_trig</a:t>
+            </a:r>
+            <a:r>
+              <a:rPr lang="fr-FR" sz="1000">
+                <a:latin typeface="Courier New"/>
+                <a:cs typeface="Courier New"/>
+              </a:rPr>
+              <a:t> = Pin(</a:t>
+            </a:r>
+            <a:r>
+              <a:rPr lang="fr-FR" sz="1000">
+                <a:latin typeface="Courier New"/>
+                <a:cs typeface="Courier New"/>
+              </a:rPr>
+              <a:t>pin_trig</a:t>
+            </a:r>
+            <a:r>
+              <a:rPr lang="fr-FR" sz="1000">
+                <a:latin typeface="Courier New"/>
+                <a:cs typeface="Courier New"/>
+              </a:rPr>
+              <a:t>, </a:t>
+            </a:r>
+            <a:r>
+              <a:rPr lang="fr-FR" sz="1000">
+                <a:latin typeface="Courier New"/>
+                <a:cs typeface="Courier New"/>
+              </a:rPr>
+              <a:t>Pin.OUT</a:t>
+            </a:r>
+            <a:r>
+              <a:rPr lang="fr-FR" sz="1000">
+                <a:latin typeface="Courier New"/>
+                <a:cs typeface="Courier New"/>
+              </a:rPr>
+              <a:t>)  # </a:t>
+            </a:r>
+            <a:r>
+              <a:rPr lang="fr-FR" sz="1000">
+                <a:latin typeface="Courier New"/>
+                <a:cs typeface="Courier New"/>
+              </a:rPr>
+              <a:t>definit</a:t>
+            </a:r>
+            <a:r>
+              <a:rPr lang="fr-FR" sz="1000">
+                <a:latin typeface="Courier New"/>
+                <a:cs typeface="Courier New"/>
+              </a:rPr>
+              <a:t> la broche TRIGGER en sortie</a:t>
+            </a:r>
+            <a:endParaRPr/>
+          </a:p>
+          <a:p>
+            <a:pPr>
+              <a:defRPr/>
+            </a:pPr>
+            <a:r>
+              <a:rPr lang="fr-FR" sz="1000">
+                <a:latin typeface="Courier New"/>
+                <a:cs typeface="Courier New"/>
+              </a:rPr>
+              <a:t>        </a:t>
+            </a:r>
+            <a:r>
+              <a:rPr lang="fr-FR" sz="1000">
+                <a:latin typeface="Courier New"/>
+                <a:cs typeface="Courier New"/>
+              </a:rPr>
+              <a:t>self.pin_echo</a:t>
+            </a:r>
+            <a:r>
+              <a:rPr lang="fr-FR" sz="1000">
+                <a:latin typeface="Courier New"/>
+                <a:cs typeface="Courier New"/>
+              </a:rPr>
+              <a:t> = Pin(</a:t>
+            </a:r>
+            <a:r>
+              <a:rPr lang="fr-FR" sz="1000">
+                <a:latin typeface="Courier New"/>
+                <a:cs typeface="Courier New"/>
+              </a:rPr>
+              <a:t>pin_echo</a:t>
+            </a:r>
+            <a:r>
+              <a:rPr lang="fr-FR" sz="1000">
+                <a:latin typeface="Courier New"/>
+                <a:cs typeface="Courier New"/>
+              </a:rPr>
+              <a:t>, Pin.IN)  # </a:t>
+            </a:r>
+            <a:r>
+              <a:rPr lang="fr-FR" sz="1000">
+                <a:latin typeface="Courier New"/>
+                <a:cs typeface="Courier New"/>
+              </a:rPr>
+              <a:t>definit</a:t>
+            </a:r>
+            <a:r>
+              <a:rPr lang="fr-FR" sz="1000">
+                <a:latin typeface="Courier New"/>
+                <a:cs typeface="Courier New"/>
+              </a:rPr>
+              <a:t> la broche ECHO en </a:t>
+            </a:r>
+            <a:r>
+              <a:rPr lang="fr-FR" sz="1000">
+                <a:latin typeface="Courier New"/>
+                <a:cs typeface="Courier New"/>
+              </a:rPr>
+              <a:t>entree</a:t>
+            </a:r>
+            <a:endParaRPr lang="fr-FR" sz="1000">
               <a:latin typeface="Courier New"/>
               <a:cs typeface="Courier New"/>
             </a:endParaRPr>
@@ -3475,54 +3700,170 @@
               <a:defRPr/>
             </a:pPr>
             <a:r>
-              <a:rPr lang="fr-FR" sz="1100">
-                <a:latin typeface="Courier New"/>
-                <a:cs typeface="Courier New"/>
-              </a:rPr>
-              <a:t>np</a:t>
-            </a:r>
-            <a:r>
-              <a:rPr lang="fr-FR" sz="1100">
+              <a:rPr lang="fr-FR" sz="1000">
+                <a:latin typeface="Courier New"/>
+                <a:cs typeface="Courier New"/>
+              </a:rPr>
+              <a:t>        </a:t>
+            </a:r>
+            <a:r>
+              <a:rPr lang="fr-FR" sz="1000">
+                <a:latin typeface="Courier New"/>
+                <a:cs typeface="Courier New"/>
+              </a:rPr>
+              <a:t>self.pin_trig.off</a:t>
+            </a:r>
+            <a:r>
+              <a:rPr lang="fr-FR" sz="1000">
+                <a:latin typeface="Courier New"/>
+                <a:cs typeface="Courier New"/>
+              </a:rPr>
+              <a:t>()  # broche TRIGGER niveau bas au repos</a:t>
+            </a:r>
+            <a:endParaRPr/>
+          </a:p>
+          <a:p>
+            <a:pPr>
+              <a:defRPr/>
+            </a:pPr>
+            <a:r>
+              <a:rPr lang="fr-FR" sz="1000">
+                <a:latin typeface="Courier New"/>
+                <a:cs typeface="Courier New"/>
+              </a:rPr>
+              <a:t>        # on </a:t>
+            </a:r>
+            <a:r>
+              <a:rPr lang="fr-FR" sz="1000">
+                <a:latin typeface="Courier New"/>
+                <a:cs typeface="Courier New"/>
+              </a:rPr>
+              <a:t>definit</a:t>
+            </a:r>
+            <a:r>
+              <a:rPr lang="fr-FR" sz="1000">
+                <a:latin typeface="Courier New"/>
+                <a:cs typeface="Courier New"/>
+              </a:rPr>
+              <a:t> un Timeout si le retour </a:t>
+            </a:r>
+            <a:r>
+              <a:rPr lang="fr-FR" sz="1000">
+                <a:latin typeface="Courier New"/>
+                <a:cs typeface="Courier New"/>
+              </a:rPr>
+              <a:t>echo</a:t>
+            </a:r>
+            <a:r>
+              <a:rPr lang="fr-FR" sz="1000">
+                <a:latin typeface="Courier New"/>
+                <a:cs typeface="Courier New"/>
+              </a:rPr>
+              <a:t> </a:t>
+            </a:r>
+            <a:r>
+              <a:rPr lang="fr-FR" sz="1000">
+                <a:latin typeface="Courier New"/>
+                <a:cs typeface="Courier New"/>
+              </a:rPr>
+              <a:t>depasse</a:t>
+            </a:r>
+            <a:r>
+              <a:rPr lang="fr-FR" sz="1000">
+                <a:latin typeface="Courier New"/>
+                <a:cs typeface="Courier New"/>
+              </a:rPr>
+              <a:t> 23.8 ms</a:t>
+            </a:r>
+            <a:endParaRPr/>
+          </a:p>
+          <a:p>
+            <a:pPr>
+              <a:defRPr/>
+            </a:pPr>
+            <a:r>
+              <a:rPr lang="fr-FR" sz="1000">
+                <a:latin typeface="Courier New"/>
+                <a:cs typeface="Courier New"/>
+              </a:rPr>
+              <a:t>        # 410 cm  * 2 (aller/retour) * 29.1 (vitesse du son 1cm = 29.1us)</a:t>
+            </a:r>
+            <a:endParaRPr/>
+          </a:p>
+          <a:p>
+            <a:pPr>
+              <a:defRPr/>
+            </a:pPr>
+            <a:r>
+              <a:rPr lang="fr-FR" sz="1000">
+                <a:latin typeface="Courier New"/>
+                <a:cs typeface="Courier New"/>
+              </a:rPr>
+              <a:t>        </a:t>
+            </a:r>
+            <a:r>
+              <a:rPr lang="fr-FR" sz="1000">
+                <a:latin typeface="Courier New"/>
+                <a:cs typeface="Courier New"/>
+              </a:rPr>
+              <a:t>tmo</a:t>
+            </a:r>
+            <a:r>
+              <a:rPr lang="fr-FR" sz="1000">
                 <a:latin typeface="Courier New"/>
                 <a:cs typeface="Courier New"/>
               </a:rPr>
               <a:t> = </a:t>
             </a:r>
             <a:r>
-              <a:rPr lang="fr-FR" sz="1100">
-                <a:latin typeface="Courier New"/>
-                <a:cs typeface="Courier New"/>
-              </a:rPr>
-              <a:t>neopixel.NeoPixel</a:t>
-            </a:r>
-            <a:r>
-              <a:rPr lang="fr-FR" sz="1100">
-                <a:latin typeface="Courier New"/>
-                <a:cs typeface="Courier New"/>
-              </a:rPr>
-              <a:t>(</a:t>
-            </a:r>
-            <a:r>
-              <a:rPr lang="fr-FR" sz="1100">
-                <a:latin typeface="Courier New"/>
-                <a:cs typeface="Courier New"/>
-              </a:rPr>
-              <a:t>machine.Pin</a:t>
-            </a:r>
-            <a:r>
-              <a:rPr lang="fr-FR" sz="1100">
-                <a:latin typeface="Courier New"/>
-                <a:cs typeface="Courier New"/>
-              </a:rPr>
-              <a:t>(4), 1)</a:t>
-            </a:r>
-            <a:endParaRPr/>
-          </a:p>
-          <a:p>
-            <a:pPr>
-              <a:defRPr/>
-            </a:pPr>
-            <a:endParaRPr lang="fr-FR" sz="1100">
+              <a:rPr lang="fr-FR" sz="1000">
+                <a:latin typeface="Courier New"/>
+                <a:cs typeface="Courier New"/>
+              </a:rPr>
+              <a:t>int</a:t>
+            </a:r>
+            <a:r>
+              <a:rPr lang="fr-FR" sz="1000">
+                <a:latin typeface="Courier New"/>
+                <a:cs typeface="Courier New"/>
+              </a:rPr>
+              <a:t>(410 * 2 * 29.1)</a:t>
+            </a:r>
+            <a:endParaRPr/>
+          </a:p>
+          <a:p>
+            <a:pPr>
+              <a:defRPr/>
+            </a:pPr>
+            <a:r>
+              <a:rPr lang="fr-FR" sz="1000">
+                <a:latin typeface="Courier New"/>
+                <a:cs typeface="Courier New"/>
+              </a:rPr>
+              <a:t>        </a:t>
+            </a:r>
+            <a:r>
+              <a:rPr lang="fr-FR" sz="1000">
+                <a:latin typeface="Courier New"/>
+                <a:cs typeface="Courier New"/>
+              </a:rPr>
+              <a:t>self.tmo</a:t>
+            </a:r>
+            <a:r>
+              <a:rPr lang="fr-FR" sz="1000">
+                <a:latin typeface="Courier New"/>
+                <a:cs typeface="Courier New"/>
+              </a:rPr>
+              <a:t> = </a:t>
+            </a:r>
+            <a:r>
+              <a:rPr lang="fr-FR" sz="1000">
+                <a:latin typeface="Courier New"/>
+                <a:cs typeface="Courier New"/>
+              </a:rPr>
+              <a:t>tmo</a:t>
+            </a:r>
+            <a:endParaRPr lang="fr-FR" sz="1000">
               <a:latin typeface="Courier New"/>
               <a:cs typeface="Courier New"/>
             </a:endParaRPr>
@@ -3531,27 +3872,7 @@
             <a:pPr>
               <a:defRPr/>
             </a:pPr>
-            <a:r>
-              <a:rPr lang="fr-FR" sz="1100">
-                <a:latin typeface="Courier New"/>
-                <a:cs typeface="Courier New"/>
-              </a:rPr>
-              <a:t>dt</a:t>
-            </a:r>
-            <a:r>
-              <a:rPr lang="fr-FR" sz="1100">
-                <a:latin typeface="Courier New"/>
-                <a:cs typeface="Courier New"/>
-              </a:rPr>
-              <a:t> = 20</a:t>
-            </a:r>
-            <a:endParaRPr/>
-          </a:p>
-          <a:p>
-            <a:pPr>
-              <a:defRPr/>
-            </a:pPr>
-            <a:endParaRPr lang="fr-FR" sz="1100">
+            <a:endParaRPr lang="fr-FR" sz="1000">
               <a:latin typeface="Courier New"/>
               <a:cs typeface="Courier New"/>
             </a:endParaRPr>
@@ -3561,34 +3882,170 @@
               <a:defRPr/>
             </a:pPr>
             <a:r>
-              <a:rPr lang="fr-FR" sz="1100">
-                <a:latin typeface="Courier New"/>
-                <a:cs typeface="Courier New"/>
-              </a:rPr>
-              <a:t>np</a:t>
-            </a:r>
-            <a:r>
-              <a:rPr lang="fr-FR" sz="1100">
-                <a:latin typeface="Courier New"/>
-                <a:cs typeface="Courier New"/>
-              </a:rPr>
-              <a:t>[0] = (0, 0, 0)</a:t>
-            </a:r>
-            <a:endParaRPr/>
-          </a:p>
-          <a:p>
-            <a:pPr>
-              <a:defRPr/>
-            </a:pPr>
-            <a:r>
-              <a:rPr lang="fr-FR" sz="1100">
-                <a:latin typeface="Courier New"/>
-                <a:cs typeface="Courier New"/>
-              </a:rPr>
-              <a:t>np.write</a:t>
-            </a:r>
-            <a:r>
-              <a:rPr lang="fr-FR" sz="1100">
+              <a:rPr lang="fr-FR" sz="1000">
+                <a:latin typeface="Courier New"/>
+                <a:cs typeface="Courier New"/>
+              </a:rPr>
+              <a:t>    </a:t>
+            </a:r>
+            <a:r>
+              <a:rPr lang="fr-FR" sz="1000">
+                <a:latin typeface="Courier New"/>
+                <a:cs typeface="Courier New"/>
+              </a:rPr>
+              <a:t>def</a:t>
+            </a:r>
+            <a:r>
+              <a:rPr lang="fr-FR" sz="1000">
+                <a:latin typeface="Courier New"/>
+                <a:cs typeface="Courier New"/>
+              </a:rPr>
+              <a:t> </a:t>
+            </a:r>
+            <a:r>
+              <a:rPr lang="fr-FR" sz="1000">
+                <a:latin typeface="Courier New"/>
+                <a:cs typeface="Courier New"/>
+              </a:rPr>
+              <a:t>lecture_distance</a:t>
+            </a:r>
+            <a:r>
+              <a:rPr lang="fr-FR" sz="1000">
+                <a:latin typeface="Courier New"/>
+                <a:cs typeface="Courier New"/>
+              </a:rPr>
+              <a:t>(self):</a:t>
+            </a:r>
+            <a:endParaRPr/>
+          </a:p>
+          <a:p>
+            <a:pPr>
+              <a:defRPr/>
+            </a:pPr>
+            <a:r>
+              <a:rPr lang="fr-FR" sz="1000">
+                <a:latin typeface="Courier New"/>
+                <a:cs typeface="Courier New"/>
+              </a:rPr>
+              <a:t>        </a:t>
+            </a:r>
+            <a:r>
+              <a:rPr lang="fr-FR" sz="1000">
+                <a:latin typeface="Courier New"/>
+                <a:cs typeface="Courier New"/>
+              </a:rPr>
+              <a:t>self.pin_trig.off</a:t>
+            </a:r>
+            <a:r>
+              <a:rPr lang="fr-FR" sz="1000">
+                <a:latin typeface="Courier New"/>
+                <a:cs typeface="Courier New"/>
+              </a:rPr>
+              <a:t>()  # broche TRIGGER niveau bas au repos</a:t>
+            </a:r>
+            <a:endParaRPr/>
+          </a:p>
+          <a:p>
+            <a:pPr>
+              <a:defRPr/>
+            </a:pPr>
+            <a:r>
+              <a:rPr lang="fr-FR" sz="1000">
+                <a:latin typeface="Courier New"/>
+                <a:cs typeface="Courier New"/>
+              </a:rPr>
+              <a:t>        </a:t>
+            </a:r>
+            <a:r>
+              <a:rPr lang="fr-FR" sz="1000">
+                <a:latin typeface="Courier New"/>
+                <a:cs typeface="Courier New"/>
+              </a:rPr>
+              <a:t>time.sleep_us</a:t>
+            </a:r>
+            <a:r>
+              <a:rPr lang="fr-FR" sz="1000">
+                <a:latin typeface="Courier New"/>
+                <a:cs typeface="Courier New"/>
+              </a:rPr>
+              <a:t>(2)  # on attend 20us</a:t>
+            </a:r>
+            <a:endParaRPr/>
+          </a:p>
+          <a:p>
+            <a:pPr>
+              <a:defRPr/>
+            </a:pPr>
+            <a:r>
+              <a:rPr lang="fr-FR" sz="1000">
+                <a:latin typeface="Courier New"/>
+                <a:cs typeface="Courier New"/>
+              </a:rPr>
+              <a:t>        </a:t>
+            </a:r>
+            <a:r>
+              <a:rPr lang="fr-FR" sz="1000">
+                <a:latin typeface="Courier New"/>
+                <a:cs typeface="Courier New"/>
+              </a:rPr>
+              <a:t>self.pin_trig.on</a:t>
+            </a:r>
+            <a:r>
+              <a:rPr lang="fr-FR" sz="1000">
+                <a:latin typeface="Courier New"/>
+                <a:cs typeface="Courier New"/>
+              </a:rPr>
+              <a:t>()  # broche TRIGGER niveau haut</a:t>
+            </a:r>
+            <a:endParaRPr/>
+          </a:p>
+          <a:p>
+            <a:pPr>
+              <a:defRPr/>
+            </a:pPr>
+            <a:r>
+              <a:rPr lang="fr-FR" sz="1000">
+                <a:latin typeface="Courier New"/>
+                <a:cs typeface="Courier New"/>
+              </a:rPr>
+              <a:t>        </a:t>
+            </a:r>
+            <a:r>
+              <a:rPr lang="fr-FR" sz="1000">
+                <a:latin typeface="Courier New"/>
+                <a:cs typeface="Courier New"/>
+              </a:rPr>
+              <a:t>time.sleep_us</a:t>
+            </a:r>
+            <a:r>
+              <a:rPr lang="fr-FR" sz="1000">
+                <a:latin typeface="Courier New"/>
+                <a:cs typeface="Courier New"/>
+              </a:rPr>
+              <a:t>(10)  # pendant 10us</a:t>
+            </a:r>
+            <a:endParaRPr/>
+          </a:p>
+          <a:p>
+            <a:pPr>
+              <a:defRPr/>
+            </a:pPr>
+            <a:r>
+              <a:rPr lang="fr-FR" sz="1000">
+                <a:latin typeface="Courier New"/>
+                <a:cs typeface="Courier New"/>
+              </a:rPr>
+              <a:t>        </a:t>
+            </a:r>
+            <a:r>
+              <a:rPr lang="fr-FR" sz="1000">
+                <a:latin typeface="Courier New"/>
+                <a:cs typeface="Courier New"/>
+              </a:rPr>
+              <a:t>self.pin_trig.off</a:t>
+            </a:r>
+            <a:r>
+              <a:rPr lang="fr-FR" sz="1000">
                 <a:latin typeface="Courier New"/>
                 <a:cs typeface="Courier New"/>
               </a:rPr>
@@ -3601,151 +4058,118 @@
               <a:defRPr/>
             </a:pPr>
             <a:r>
-              <a:rPr lang="fr-FR" sz="1100">
-                <a:latin typeface="Courier New"/>
-                <a:cs typeface="Courier New"/>
-              </a:rPr>
-              <a:t>time.sleep_ms</a:t>
-            </a:r>
-            <a:r>
-              <a:rPr lang="fr-FR" sz="1100">
-                <a:latin typeface="Courier New"/>
-                <a:cs typeface="Courier New"/>
-              </a:rPr>
-              <a:t>(1000)</a:t>
-            </a:r>
-            <a:endParaRPr/>
-          </a:p>
-          <a:p>
-            <a:pPr>
-              <a:defRPr/>
-            </a:pPr>
-            <a:endParaRPr lang="fr-FR" sz="1100">
-              <a:latin typeface="Courier New"/>
-              <a:cs typeface="Courier New"/>
-            </a:endParaRPr>
-          </a:p>
-          <a:p>
-            <a:pPr>
-              <a:defRPr/>
-            </a:pPr>
-            <a:r>
-              <a:rPr lang="fr-FR" sz="1100">
+              <a:rPr lang="fr-FR" sz="1000">
+                <a:latin typeface="Courier New"/>
+                <a:cs typeface="Courier New"/>
+              </a:rPr>
+              <a:t>        </a:t>
+            </a:r>
+            <a:r>
+              <a:rPr lang="fr-FR" sz="1000">
+                <a:latin typeface="Courier New"/>
+                <a:cs typeface="Courier New"/>
+              </a:rPr>
+              <a:t>self.temps_distance</a:t>
+            </a:r>
+            <a:r>
+              <a:rPr lang="fr-FR" sz="1000">
+                <a:latin typeface="Courier New"/>
+                <a:cs typeface="Courier New"/>
+              </a:rPr>
+              <a:t> = </a:t>
+            </a:r>
+            <a:r>
+              <a:rPr lang="fr-FR" sz="1000">
+                <a:latin typeface="Courier New"/>
+                <a:cs typeface="Courier New"/>
+              </a:rPr>
+              <a:t>machine.time_pulse_us</a:t>
+            </a:r>
+            <a:r>
+              <a:rPr lang="fr-FR" sz="1000">
+                <a:latin typeface="Courier New"/>
+                <a:cs typeface="Courier New"/>
+              </a:rPr>
+              <a:t>(</a:t>
+            </a:r>
+            <a:r>
+              <a:rPr lang="fr-FR" sz="1000">
+                <a:latin typeface="Courier New"/>
+                <a:cs typeface="Courier New"/>
+              </a:rPr>
+              <a:t>self.pin_echo</a:t>
+            </a:r>
+            <a:r>
+              <a:rPr lang="fr-FR" sz="1000">
+                <a:latin typeface="Courier New"/>
+                <a:cs typeface="Courier New"/>
+              </a:rPr>
+              <a:t>, 1, </a:t>
+            </a:r>
+            <a:r>
+              <a:rPr lang="fr-FR" sz="1000">
+                <a:latin typeface="Courier New"/>
+                <a:cs typeface="Courier New"/>
+              </a:rPr>
+              <a:t>self.tmo</a:t>
+            </a:r>
+            <a:r>
+              <a:rPr lang="fr-FR" sz="1000">
+                <a:latin typeface="Courier New"/>
+                <a:cs typeface="Courier New"/>
+              </a:rPr>
+              <a:t>)</a:t>
+            </a:r>
+            <a:endParaRPr/>
+          </a:p>
+          <a:p>
+            <a:pPr>
+              <a:defRPr/>
+            </a:pPr>
+            <a:r>
+              <a:rPr lang="fr-FR" sz="1000">
+                <a:latin typeface="Courier New"/>
+                <a:cs typeface="Courier New"/>
+              </a:rPr>
+              <a:t>        # </a:t>
+            </a:r>
+            <a:r>
+              <a:rPr lang="fr-FR" sz="1000">
                 <a:latin typeface="Courier New"/>
                 <a:cs typeface="Courier New"/>
               </a:rPr>
               <a:t>print</a:t>
             </a:r>
             <a:r>
-              <a:rPr lang="fr-FR" sz="1100">
-                <a:latin typeface="Courier New"/>
-                <a:cs typeface="Courier New"/>
-              </a:rPr>
-              <a:t>("green")</a:t>
-            </a:r>
-            <a:endParaRPr/>
-          </a:p>
-          <a:p>
-            <a:pPr>
-              <a:defRPr/>
-            </a:pPr>
-            <a:r>
-              <a:rPr lang="fr-FR" sz="1100">
-                <a:latin typeface="Courier New"/>
-                <a:cs typeface="Courier New"/>
-              </a:rPr>
-              <a:t>for i in range(255):</a:t>
-            </a:r>
-            <a:endParaRPr/>
-          </a:p>
-          <a:p>
-            <a:pPr>
-              <a:defRPr/>
-            </a:pPr>
-            <a:r>
-              <a:rPr lang="fr-FR" sz="1100">
-                <a:latin typeface="Courier New"/>
-                <a:cs typeface="Courier New"/>
-              </a:rPr>
-              <a:t>    </a:t>
-            </a:r>
-            <a:r>
-              <a:rPr lang="fr-FR" sz="1100">
-                <a:latin typeface="Courier New"/>
-                <a:cs typeface="Courier New"/>
-              </a:rPr>
-              <a:t>np</a:t>
-            </a:r>
-            <a:r>
-              <a:rPr lang="fr-FR" sz="1100">
-                <a:latin typeface="Courier New"/>
-                <a:cs typeface="Courier New"/>
-              </a:rPr>
-              <a:t>[0] = (i, 0, 0)</a:t>
-            </a:r>
-            <a:endParaRPr/>
-          </a:p>
-          <a:p>
-            <a:pPr>
-              <a:defRPr/>
-            </a:pPr>
-            <a:r>
-              <a:rPr lang="fr-FR" sz="1100">
-                <a:latin typeface="Courier New"/>
-                <a:cs typeface="Courier New"/>
-              </a:rPr>
-              <a:t>    </a:t>
-            </a:r>
-            <a:r>
-              <a:rPr lang="fr-FR" sz="1100">
-                <a:latin typeface="Courier New"/>
-                <a:cs typeface="Courier New"/>
-              </a:rPr>
-              <a:t>np.write</a:t>
-            </a:r>
-            <a:r>
-              <a:rPr lang="fr-FR" sz="1100">
-                <a:latin typeface="Courier New"/>
-                <a:cs typeface="Courier New"/>
-              </a:rPr>
-              <a:t>()</a:t>
-            </a:r>
-            <a:endParaRPr/>
-          </a:p>
-          <a:p>
-            <a:pPr>
-              <a:defRPr/>
-            </a:pPr>
-            <a:r>
-              <a:rPr lang="fr-FR" sz="1100">
-                <a:latin typeface="Courier New"/>
-                <a:cs typeface="Courier New"/>
-              </a:rPr>
-              <a:t>    </a:t>
-            </a:r>
-            <a:r>
-              <a:rPr lang="fr-FR" sz="1100">
-                <a:latin typeface="Courier New"/>
-                <a:cs typeface="Courier New"/>
-              </a:rPr>
-              <a:t>time.sleep_ms</a:t>
-            </a:r>
-            <a:r>
-              <a:rPr lang="fr-FR" sz="1100">
-                <a:latin typeface="Courier New"/>
-                <a:cs typeface="Courier New"/>
-              </a:rPr>
-              <a:t>(</a:t>
-            </a:r>
-            <a:r>
-              <a:rPr lang="fr-FR" sz="1100">
-                <a:latin typeface="Courier New"/>
-                <a:cs typeface="Courier New"/>
-              </a:rPr>
-              <a:t>dt</a:t>
-            </a:r>
-            <a:r>
-              <a:rPr lang="fr-FR" sz="1100">
+              <a:rPr lang="fr-FR" sz="1000">
+                <a:latin typeface="Courier New"/>
+                <a:cs typeface="Courier New"/>
+              </a:rPr>
+              <a:t>("</a:t>
+            </a:r>
+            <a:r>
+              <a:rPr lang="fr-FR" sz="1000">
+                <a:latin typeface="Courier New"/>
+                <a:cs typeface="Courier New"/>
+              </a:rPr>
+              <a:t>temps_distance</a:t>
+            </a:r>
+            <a:r>
+              <a:rPr lang="fr-FR" sz="1000">
+                <a:latin typeface="Courier New"/>
+                <a:cs typeface="Courier New"/>
+              </a:rPr>
+              <a:t>", </a:t>
+            </a:r>
+            <a:r>
+              <a:rPr lang="fr-FR" sz="1000">
+                <a:latin typeface="Courier New"/>
+                <a:cs typeface="Courier New"/>
+              </a:rPr>
+              <a:t>self.temps_distance</a:t>
+            </a:r>
+            <a:r>
+              <a:rPr lang="fr-FR" sz="1000">
                 <a:latin typeface="Courier New"/>
                 <a:cs typeface="Courier New"/>
               </a:rPr>
@@ -3757,303 +4181,216 @@
             <a:pPr>
               <a:defRPr/>
             </a:pPr>
-            <a:endParaRPr lang="fr-FR" sz="1100">
-              <a:latin typeface="Courier New"/>
-              <a:cs typeface="Courier New"/>
-            </a:endParaRPr>
-          </a:p>
-          <a:p>
-            <a:pPr>
-              <a:defRPr/>
-            </a:pPr>
-            <a:r>
-              <a:rPr lang="fr-FR" sz="1100">
-                <a:latin typeface="Courier New"/>
-                <a:cs typeface="Courier New"/>
-              </a:rPr>
-              <a:t>print</a:t>
-            </a:r>
-            <a:r>
-              <a:rPr lang="fr-FR" sz="1100">
-                <a:latin typeface="Courier New"/>
-                <a:cs typeface="Courier New"/>
-              </a:rPr>
-              <a:t>("</a:t>
-            </a:r>
-            <a:r>
-              <a:rPr lang="fr-FR" sz="1100">
-                <a:latin typeface="Courier New"/>
-                <a:cs typeface="Courier New"/>
-              </a:rPr>
-              <a:t>red</a:t>
-            </a:r>
-            <a:r>
-              <a:rPr lang="fr-FR" sz="1100">
-                <a:latin typeface="Courier New"/>
-                <a:cs typeface="Courier New"/>
-              </a:rPr>
-              <a:t>")</a:t>
-            </a:r>
-            <a:endParaRPr/>
-          </a:p>
-          <a:p>
-            <a:pPr>
-              <a:defRPr/>
-            </a:pPr>
-            <a:r>
-              <a:rPr lang="fr-FR" sz="1100">
-                <a:latin typeface="Courier New"/>
-                <a:cs typeface="Courier New"/>
-              </a:rPr>
-              <a:t>for i in range(255):</a:t>
-            </a:r>
-            <a:endParaRPr/>
-          </a:p>
-          <a:p>
-            <a:pPr>
-              <a:defRPr/>
-            </a:pPr>
-            <a:r>
-              <a:rPr lang="fr-FR" sz="1100">
-                <a:latin typeface="Courier New"/>
-                <a:cs typeface="Courier New"/>
-              </a:rPr>
-              <a:t>    </a:t>
-            </a:r>
-            <a:r>
-              <a:rPr lang="fr-FR" sz="1100">
-                <a:latin typeface="Courier New"/>
-                <a:cs typeface="Courier New"/>
-              </a:rPr>
-              <a:t>np</a:t>
-            </a:r>
-            <a:r>
-              <a:rPr lang="fr-FR" sz="1100">
-                <a:latin typeface="Courier New"/>
-                <a:cs typeface="Courier New"/>
-              </a:rPr>
-              <a:t>[0] = (0, i, 0)</a:t>
-            </a:r>
-            <a:endParaRPr/>
-          </a:p>
-          <a:p>
-            <a:pPr>
-              <a:defRPr/>
-            </a:pPr>
-            <a:r>
-              <a:rPr lang="fr-FR" sz="1100">
-                <a:latin typeface="Courier New"/>
-                <a:cs typeface="Courier New"/>
-              </a:rPr>
-              <a:t>    </a:t>
-            </a:r>
-            <a:r>
-              <a:rPr lang="fr-FR" sz="1100">
-                <a:latin typeface="Courier New"/>
-                <a:cs typeface="Courier New"/>
-              </a:rPr>
-              <a:t>np.write</a:t>
-            </a:r>
-            <a:r>
-              <a:rPr lang="fr-FR" sz="1100">
-                <a:latin typeface="Courier New"/>
-                <a:cs typeface="Courier New"/>
-              </a:rPr>
-              <a:t>()</a:t>
-            </a:r>
-            <a:endParaRPr/>
-          </a:p>
-          <a:p>
-            <a:pPr>
-              <a:defRPr/>
-            </a:pPr>
-            <a:r>
-              <a:rPr lang="fr-FR" sz="1100">
-                <a:latin typeface="Courier New"/>
-                <a:cs typeface="Courier New"/>
-              </a:rPr>
-              <a:t>    </a:t>
-            </a:r>
-            <a:r>
-              <a:rPr lang="fr-FR" sz="1100">
-                <a:latin typeface="Courier New"/>
-                <a:cs typeface="Courier New"/>
-              </a:rPr>
-              <a:t>time.sleep_ms</a:t>
-            </a:r>
-            <a:r>
-              <a:rPr lang="fr-FR" sz="1100">
-                <a:latin typeface="Courier New"/>
-                <a:cs typeface="Courier New"/>
-              </a:rPr>
-              <a:t>(</a:t>
-            </a:r>
-            <a:r>
-              <a:rPr lang="fr-FR" sz="1100">
-                <a:latin typeface="Courier New"/>
-                <a:cs typeface="Courier New"/>
-              </a:rPr>
-              <a:t>dt</a:t>
-            </a:r>
-            <a:r>
-              <a:rPr lang="fr-FR" sz="1100">
+            <a:r>
+              <a:rPr lang="fr-FR" sz="1000">
+                <a:latin typeface="Courier New"/>
+                <a:cs typeface="Courier New"/>
+              </a:rPr>
+              <a:t>        if (</a:t>
+            </a:r>
+            <a:r>
+              <a:rPr lang="fr-FR" sz="1000">
+                <a:latin typeface="Courier New"/>
+                <a:cs typeface="Courier New"/>
+              </a:rPr>
+              <a:t>self.temps_distance</a:t>
+            </a:r>
+            <a:r>
+              <a:rPr lang="fr-FR" sz="1000">
+                <a:latin typeface="Courier New"/>
+                <a:cs typeface="Courier New"/>
+              </a:rPr>
+              <a:t> == -1):</a:t>
+            </a:r>
+            <a:endParaRPr/>
+          </a:p>
+          <a:p>
+            <a:pPr>
+              <a:defRPr/>
+            </a:pPr>
+            <a:r>
+              <a:rPr lang="fr-FR" sz="1000">
+                <a:latin typeface="Courier New"/>
+                <a:cs typeface="Courier New"/>
+              </a:rPr>
+              <a:t>            # Timeout, mesure distance &gt; 4m</a:t>
+            </a:r>
+            <a:endParaRPr/>
+          </a:p>
+          <a:p>
+            <a:pPr>
+              <a:defRPr/>
+            </a:pPr>
+            <a:r>
+              <a:rPr lang="fr-FR" sz="1000">
+                <a:latin typeface="Courier New"/>
+                <a:cs typeface="Courier New"/>
+              </a:rPr>
+              <a:t>            </a:t>
+            </a:r>
+            <a:r>
+              <a:rPr lang="fr-FR" sz="1000">
+                <a:latin typeface="Courier New"/>
+                <a:cs typeface="Courier New"/>
+              </a:rPr>
+              <a:t>self.calcul_distance_cm</a:t>
+            </a:r>
+            <a:r>
+              <a:rPr lang="fr-FR" sz="1000">
+                <a:latin typeface="Courier New"/>
+                <a:cs typeface="Courier New"/>
+              </a:rPr>
+              <a:t> = -1</a:t>
+            </a:r>
+            <a:endParaRPr/>
+          </a:p>
+          <a:p>
+            <a:pPr>
+              <a:defRPr/>
+            </a:pPr>
+            <a:r>
+              <a:rPr lang="fr-FR" sz="1000">
+                <a:latin typeface="Courier New"/>
+                <a:cs typeface="Courier New"/>
+              </a:rPr>
+              <a:t>        </a:t>
+            </a:r>
+            <a:r>
+              <a:rPr lang="fr-FR" sz="1000">
+                <a:latin typeface="Courier New"/>
+                <a:cs typeface="Courier New"/>
+              </a:rPr>
+              <a:t>else</a:t>
+            </a:r>
+            <a:r>
+              <a:rPr lang="fr-FR" sz="1000">
+                <a:latin typeface="Courier New"/>
+                <a:cs typeface="Courier New"/>
+              </a:rPr>
+              <a:t>:</a:t>
+            </a:r>
+            <a:endParaRPr/>
+          </a:p>
+          <a:p>
+            <a:pPr>
+              <a:defRPr/>
+            </a:pPr>
+            <a:r>
+              <a:rPr lang="fr-FR" sz="1000">
+                <a:latin typeface="Courier New"/>
+                <a:cs typeface="Courier New"/>
+              </a:rPr>
+              <a:t>            # le temps que met l’</a:t>
+            </a:r>
+            <a:r>
+              <a:rPr lang="fr-FR" sz="1000">
+                <a:latin typeface="Courier New"/>
+                <a:cs typeface="Courier New"/>
+              </a:rPr>
+              <a:t>echo</a:t>
+            </a:r>
+            <a:r>
+              <a:rPr lang="fr-FR" sz="1000">
+                <a:latin typeface="Courier New"/>
+                <a:cs typeface="Courier New"/>
+              </a:rPr>
+              <a:t> est a diviser par 2 (aller-retour)</a:t>
+            </a:r>
+            <a:endParaRPr/>
+          </a:p>
+          <a:p>
+            <a:pPr>
+              <a:defRPr/>
+            </a:pPr>
+            <a:r>
+              <a:rPr lang="fr-FR" sz="1000">
+                <a:latin typeface="Courier New"/>
+                <a:cs typeface="Courier New"/>
+              </a:rPr>
+              <a:t>            # la vitesse du son est de 0.034320 cm/us (343.2 m/s)</a:t>
+            </a:r>
+            <a:endParaRPr/>
+          </a:p>
+          <a:p>
+            <a:pPr>
+              <a:defRPr/>
+            </a:pPr>
+            <a:r>
+              <a:rPr lang="fr-FR" sz="1000">
+                <a:latin typeface="Courier New"/>
+                <a:cs typeface="Courier New"/>
+              </a:rPr>
+              <a:t>            # pour 1 cm donc on obtient 29.1 us</a:t>
+            </a:r>
+            <a:endParaRPr/>
+          </a:p>
+          <a:p>
+            <a:pPr>
+              <a:defRPr/>
+            </a:pPr>
+            <a:r>
+              <a:rPr lang="fr-FR" sz="1000">
+                <a:latin typeface="Courier New"/>
+                <a:cs typeface="Courier New"/>
+              </a:rPr>
+              <a:t>            </a:t>
+            </a:r>
+            <a:r>
+              <a:rPr lang="fr-FR" sz="1000">
+                <a:latin typeface="Courier New"/>
+                <a:cs typeface="Courier New"/>
+              </a:rPr>
+              <a:t>self.calcul_distance_cm</a:t>
+            </a:r>
+            <a:r>
+              <a:rPr lang="fr-FR" sz="1000">
+                <a:latin typeface="Courier New"/>
+                <a:cs typeface="Courier New"/>
+              </a:rPr>
+              <a:t> = (</a:t>
+            </a:r>
+            <a:r>
+              <a:rPr lang="fr-FR" sz="1000">
+                <a:latin typeface="Courier New"/>
+                <a:cs typeface="Courier New"/>
+              </a:rPr>
+              <a:t>self.temps_distance</a:t>
+            </a:r>
+            <a:r>
+              <a:rPr lang="fr-FR" sz="1000">
+                <a:latin typeface="Courier New"/>
+                <a:cs typeface="Courier New"/>
+              </a:rPr>
+              <a:t> / 2) / 29.1</a:t>
+            </a:r>
+            <a:endParaRPr/>
+          </a:p>
+          <a:p>
+            <a:pPr>
+              <a:defRPr/>
+            </a:pPr>
+            <a:r>
+              <a:rPr lang="fr-FR" sz="1000">
+                <a:latin typeface="Courier New"/>
+                <a:cs typeface="Courier New"/>
+              </a:rPr>
+              <a:t>        return(</a:t>
+            </a:r>
+            <a:r>
+              <a:rPr lang="fr-FR" sz="1000">
+                <a:latin typeface="Courier New"/>
+                <a:cs typeface="Courier New"/>
+              </a:rPr>
+              <a:t>self.calcul_distance_cm</a:t>
+            </a:r>
+            <a:r>
+              <a:rPr lang="fr-FR" sz="1000">
                 <a:latin typeface="Courier New"/>
                 <a:cs typeface="Courier New"/>
               </a:rPr>
               <a:t>)</a:t>
             </a:r>
-            <a:endParaRPr/>
-          </a:p>
-          <a:p>
-            <a:pPr>
-              <a:defRPr/>
-            </a:pPr>
-            <a:endParaRPr lang="fr-FR" sz="1100">
-              <a:latin typeface="Courier New"/>
-              <a:cs typeface="Courier New"/>
-            </a:endParaRPr>
-          </a:p>
-          <a:p>
-            <a:pPr>
-              <a:defRPr/>
-            </a:pPr>
-            <a:r>
-              <a:rPr lang="fr-FR" sz="1100">
-                <a:latin typeface="Courier New"/>
-                <a:cs typeface="Courier New"/>
-              </a:rPr>
-              <a:t>print</a:t>
-            </a:r>
-            <a:r>
-              <a:rPr lang="fr-FR" sz="1100">
-                <a:latin typeface="Courier New"/>
-                <a:cs typeface="Courier New"/>
-              </a:rPr>
-              <a:t>("</a:t>
-            </a:r>
-            <a:r>
-              <a:rPr lang="fr-FR" sz="1100">
-                <a:latin typeface="Courier New"/>
-                <a:cs typeface="Courier New"/>
-              </a:rPr>
-              <a:t>blue</a:t>
-            </a:r>
-            <a:r>
-              <a:rPr lang="fr-FR" sz="1100">
-                <a:latin typeface="Courier New"/>
-                <a:cs typeface="Courier New"/>
-              </a:rPr>
-              <a:t>")</a:t>
-            </a:r>
-            <a:endParaRPr/>
-          </a:p>
-          <a:p>
-            <a:pPr>
-              <a:defRPr/>
-            </a:pPr>
-            <a:r>
-              <a:rPr lang="fr-FR" sz="1100">
-                <a:latin typeface="Courier New"/>
-                <a:cs typeface="Courier New"/>
-              </a:rPr>
-              <a:t>for i in range(255):</a:t>
-            </a:r>
-            <a:endParaRPr/>
-          </a:p>
-          <a:p>
-            <a:pPr>
-              <a:defRPr/>
-            </a:pPr>
-            <a:r>
-              <a:rPr lang="fr-FR" sz="1100">
-                <a:latin typeface="Courier New"/>
-                <a:cs typeface="Courier New"/>
-              </a:rPr>
-              <a:t>    </a:t>
-            </a:r>
-            <a:r>
-              <a:rPr lang="fr-FR" sz="1100">
-                <a:latin typeface="Courier New"/>
-                <a:cs typeface="Courier New"/>
-              </a:rPr>
-              <a:t>np</a:t>
-            </a:r>
-            <a:r>
-              <a:rPr lang="fr-FR" sz="1100">
-                <a:latin typeface="Courier New"/>
-                <a:cs typeface="Courier New"/>
-              </a:rPr>
-              <a:t>[0] = (0, 0, i)</a:t>
-            </a:r>
-            <a:endParaRPr/>
-          </a:p>
-          <a:p>
-            <a:pPr>
-              <a:defRPr/>
-            </a:pPr>
-            <a:r>
-              <a:rPr lang="fr-FR" sz="1100">
-                <a:latin typeface="Courier New"/>
-                <a:cs typeface="Courier New"/>
-              </a:rPr>
-              <a:t>    </a:t>
-            </a:r>
-            <a:r>
-              <a:rPr lang="fr-FR" sz="1100">
-                <a:latin typeface="Courier New"/>
-                <a:cs typeface="Courier New"/>
-              </a:rPr>
-              <a:t>np.write</a:t>
-            </a:r>
-            <a:r>
-              <a:rPr lang="fr-FR" sz="1100">
-                <a:latin typeface="Courier New"/>
-                <a:cs typeface="Courier New"/>
-              </a:rPr>
-              <a:t>()</a:t>
-            </a:r>
-            <a:endParaRPr/>
-          </a:p>
-          <a:p>
-            <a:pPr>
-              <a:defRPr/>
-            </a:pPr>
-            <a:r>
-              <a:rPr lang="fr-FR" sz="1100">
-                <a:latin typeface="Courier New"/>
-                <a:cs typeface="Courier New"/>
-              </a:rPr>
-              <a:t>    </a:t>
-            </a:r>
-            <a:r>
-              <a:rPr lang="fr-FR" sz="1100">
-                <a:latin typeface="Courier New"/>
-                <a:cs typeface="Courier New"/>
-              </a:rPr>
-              <a:t>time.sleep_ms</a:t>
-            </a:r>
-            <a:r>
-              <a:rPr lang="fr-FR" sz="1100">
-                <a:latin typeface="Courier New"/>
-                <a:cs typeface="Courier New"/>
-              </a:rPr>
-              <a:t>(</a:t>
-            </a:r>
-            <a:r>
-              <a:rPr lang="fr-FR" sz="1100">
-                <a:latin typeface="Courier New"/>
-                <a:cs typeface="Courier New"/>
-              </a:rPr>
-              <a:t>dt</a:t>
-            </a:r>
-            <a:r>
-              <a:rPr lang="fr-FR" sz="1100">
-                <a:latin typeface="Courier New"/>
-                <a:cs typeface="Courier New"/>
-              </a:rPr>
-              <a:t>)</a:t>
-            </a:r>
-            <a:endParaRPr lang="fr-FR" sz="1100">
+            <a:endParaRPr lang="fr-FR" sz="1000">
               <a:latin typeface="Courier New"/>
               <a:cs typeface="Courier New"/>
             </a:endParaRPr>
@@ -4068,8 +4405,8 @@
         </p:nvSpPr>
         <p:spPr bwMode="auto">
           <a:xfrm>
-            <a:off x="8234783" y="2713020"/>
-            <a:ext cx="2774022" cy="3477875"/>
+            <a:off x="7325773" y="3369663"/>
+            <a:ext cx="4116361" cy="2246769"/>
           </a:xfrm>
           <a:prstGeom prst="rect">
             <a:avLst/>
@@ -4095,148 +4432,59 @@
               <a:defRPr/>
             </a:pPr>
             <a:r>
-              <a:rPr lang="fr-FR" sz="1100">
-                <a:latin typeface="Courier New"/>
-                <a:cs typeface="Courier New"/>
-              </a:rPr>
-              <a:t>print</a:t>
-            </a:r>
-            <a:r>
-              <a:rPr lang="fr-FR" sz="1100">
-                <a:latin typeface="Courier New"/>
-                <a:cs typeface="Courier New"/>
-              </a:rPr>
-              <a:t>("</a:t>
-            </a:r>
-            <a:r>
-              <a:rPr lang="fr-FR" sz="1100">
-                <a:latin typeface="Courier New"/>
-                <a:cs typeface="Courier New"/>
-              </a:rPr>
-              <a:t>yellow</a:t>
-            </a:r>
-            <a:r>
-              <a:rPr lang="fr-FR" sz="1100">
-                <a:latin typeface="Courier New"/>
-                <a:cs typeface="Courier New"/>
-              </a:rPr>
-              <a:t>")</a:t>
-            </a:r>
-            <a:endParaRPr/>
-          </a:p>
-          <a:p>
-            <a:pPr>
-              <a:defRPr/>
-            </a:pPr>
-            <a:r>
-              <a:rPr lang="fr-FR" sz="1100">
-                <a:latin typeface="Courier New"/>
-                <a:cs typeface="Courier New"/>
-              </a:rPr>
-              <a:t>for i in range(255):</a:t>
-            </a:r>
-            <a:endParaRPr/>
-          </a:p>
-          <a:p>
-            <a:pPr>
-              <a:defRPr/>
-            </a:pPr>
-            <a:r>
-              <a:rPr lang="fr-FR" sz="1100">
-                <a:latin typeface="Courier New"/>
-                <a:cs typeface="Courier New"/>
-              </a:rPr>
-              <a:t>    </a:t>
-            </a:r>
-            <a:r>
-              <a:rPr lang="fr-FR" sz="1100">
-                <a:latin typeface="Courier New"/>
-                <a:cs typeface="Courier New"/>
-              </a:rPr>
-              <a:t>np</a:t>
-            </a:r>
-            <a:r>
-              <a:rPr lang="fr-FR" sz="1100">
-                <a:latin typeface="Courier New"/>
-                <a:cs typeface="Courier New"/>
-              </a:rPr>
-              <a:t>[0] = (i, i, 0)</a:t>
-            </a:r>
-            <a:endParaRPr/>
-          </a:p>
-          <a:p>
-            <a:pPr>
-              <a:defRPr/>
-            </a:pPr>
-            <a:r>
-              <a:rPr lang="fr-FR" sz="1100">
-                <a:latin typeface="Courier New"/>
-                <a:cs typeface="Courier New"/>
-              </a:rPr>
-              <a:t>    </a:t>
-            </a:r>
-            <a:r>
-              <a:rPr lang="fr-FR" sz="1100">
-                <a:latin typeface="Courier New"/>
-                <a:cs typeface="Courier New"/>
-              </a:rPr>
-              <a:t>np.write</a:t>
-            </a:r>
-            <a:r>
-              <a:rPr lang="fr-FR" sz="1100">
-                <a:latin typeface="Courier New"/>
-                <a:cs typeface="Courier New"/>
-              </a:rPr>
-              <a:t>()</a:t>
-            </a:r>
-            <a:endParaRPr/>
-          </a:p>
-          <a:p>
-            <a:pPr>
-              <a:defRPr/>
-            </a:pPr>
-            <a:r>
-              <a:rPr lang="fr-FR" sz="1100">
-                <a:latin typeface="Courier New"/>
-                <a:cs typeface="Courier New"/>
-              </a:rPr>
-              <a:t>    </a:t>
-            </a:r>
-            <a:r>
-              <a:rPr lang="fr-FR" sz="1100">
-                <a:latin typeface="Courier New"/>
-                <a:cs typeface="Courier New"/>
-              </a:rPr>
-              <a:t>time.sleep_ms</a:t>
-            </a:r>
-            <a:r>
-              <a:rPr lang="fr-FR" sz="1100">
-                <a:latin typeface="Courier New"/>
-                <a:cs typeface="Courier New"/>
-              </a:rPr>
-              <a:t>(</a:t>
-            </a:r>
-            <a:r>
-              <a:rPr lang="fr-FR" sz="1100">
-                <a:latin typeface="Courier New"/>
-                <a:cs typeface="Courier New"/>
-              </a:rPr>
-              <a:t>dt</a:t>
-            </a:r>
-            <a:r>
-              <a:rPr lang="fr-FR" sz="1100">
-                <a:latin typeface="Courier New"/>
-                <a:cs typeface="Courier New"/>
-              </a:rPr>
-              <a:t>)</a:t>
-            </a:r>
-            <a:endParaRPr/>
-          </a:p>
-          <a:p>
-            <a:pPr>
-              <a:defRPr/>
-            </a:pPr>
-            <a:endParaRPr lang="fr-FR" sz="1100">
+              <a:rPr lang="fr-FR" sz="1000">
+                <a:latin typeface="Courier New"/>
+                <a:cs typeface="Courier New"/>
+              </a:rPr>
+              <a:t>...</a:t>
+            </a:r>
+            <a:endParaRPr/>
+          </a:p>
+          <a:p>
+            <a:pPr>
+              <a:defRPr/>
+            </a:pPr>
+            <a:r>
+              <a:rPr lang="fr-FR" sz="1000">
+                <a:latin typeface="Courier New"/>
+                <a:cs typeface="Courier New"/>
+              </a:rPr>
+              <a:t>pin_echo</a:t>
+            </a:r>
+            <a:r>
+              <a:rPr lang="fr-FR" sz="1000">
+                <a:latin typeface="Courier New"/>
+                <a:cs typeface="Courier New"/>
+              </a:rPr>
+              <a:t> = 4  # sortie D2 –&gt; GPIO04</a:t>
+            </a:r>
+            <a:endParaRPr/>
+          </a:p>
+          <a:p>
+            <a:pPr>
+              <a:defRPr/>
+            </a:pPr>
+            <a:r>
+              <a:rPr lang="fr-FR" sz="1000">
+                <a:latin typeface="Courier New"/>
+                <a:cs typeface="Courier New"/>
+              </a:rPr>
+              <a:t>pin_trigger</a:t>
+            </a:r>
+            <a:r>
+              <a:rPr lang="fr-FR" sz="1000">
+                <a:latin typeface="Courier New"/>
+                <a:cs typeface="Courier New"/>
+              </a:rPr>
+              <a:t> = 5  # sortie D1 –&gt; GPIO05</a:t>
+            </a:r>
+            <a:endParaRPr/>
+          </a:p>
+          <a:p>
+            <a:pPr>
+              <a:defRPr/>
+            </a:pPr>
+            <a:endParaRPr lang="fr-FR" sz="1000">
               <a:latin typeface="Courier New"/>
               <a:cs typeface="Courier New"/>
             </a:endParaRPr>
@@ -4246,122 +4494,35 @@
               <a:defRPr/>
             </a:pPr>
             <a:r>
-              <a:rPr lang="fr-FR" sz="1100">
-                <a:latin typeface="Courier New"/>
-                <a:cs typeface="Courier New"/>
-              </a:rPr>
-              <a:t>print</a:t>
-            </a:r>
-            <a:r>
-              <a:rPr lang="fr-FR" sz="1100">
-                <a:latin typeface="Courier New"/>
-                <a:cs typeface="Courier New"/>
-              </a:rPr>
-              <a:t>("cyan")</a:t>
-            </a:r>
-            <a:endParaRPr/>
-          </a:p>
-          <a:p>
-            <a:pPr>
-              <a:defRPr/>
-            </a:pPr>
-            <a:r>
-              <a:rPr lang="fr-FR" sz="1100">
-                <a:latin typeface="Courier New"/>
-                <a:cs typeface="Courier New"/>
-              </a:rPr>
-              <a:t>for i in range(255):</a:t>
-            </a:r>
-            <a:endParaRPr/>
-          </a:p>
-          <a:p>
-            <a:pPr>
-              <a:defRPr/>
-            </a:pPr>
-            <a:r>
-              <a:rPr lang="fr-FR" sz="1100">
-                <a:latin typeface="Courier New"/>
-                <a:cs typeface="Courier New"/>
-              </a:rPr>
-              <a:t>    </a:t>
-            </a:r>
-            <a:r>
-              <a:rPr lang="fr-FR" sz="1100">
-                <a:latin typeface="Courier New"/>
-                <a:cs typeface="Courier New"/>
-              </a:rPr>
-              <a:t>np</a:t>
-            </a:r>
-            <a:r>
-              <a:rPr lang="fr-FR" sz="1100">
-                <a:latin typeface="Courier New"/>
-                <a:cs typeface="Courier New"/>
-              </a:rPr>
-              <a:t>[0] = (i, 0, i)</a:t>
-            </a:r>
-            <a:endParaRPr/>
-          </a:p>
-          <a:p>
-            <a:pPr>
-              <a:defRPr/>
-            </a:pPr>
-            <a:r>
-              <a:rPr lang="fr-FR" sz="1100">
-                <a:latin typeface="Courier New"/>
-                <a:cs typeface="Courier New"/>
-              </a:rPr>
-              <a:t>    </a:t>
-            </a:r>
-            <a:r>
-              <a:rPr lang="fr-FR" sz="1100">
-                <a:latin typeface="Courier New"/>
-                <a:cs typeface="Courier New"/>
-              </a:rPr>
-              <a:t>np.write</a:t>
-            </a:r>
-            <a:r>
-              <a:rPr lang="fr-FR" sz="1100">
-                <a:latin typeface="Courier New"/>
-                <a:cs typeface="Courier New"/>
-              </a:rPr>
-              <a:t>()</a:t>
-            </a:r>
-            <a:endParaRPr/>
-          </a:p>
-          <a:p>
-            <a:pPr>
-              <a:defRPr/>
-            </a:pPr>
-            <a:r>
-              <a:rPr lang="fr-FR" sz="1100">
-                <a:latin typeface="Courier New"/>
-                <a:cs typeface="Courier New"/>
-              </a:rPr>
-              <a:t>    </a:t>
-            </a:r>
-            <a:r>
-              <a:rPr lang="fr-FR" sz="1100">
-                <a:latin typeface="Courier New"/>
-                <a:cs typeface="Courier New"/>
-              </a:rPr>
-              <a:t>time.sleep_ms</a:t>
-            </a:r>
-            <a:r>
-              <a:rPr lang="fr-FR" sz="1100">
-                <a:latin typeface="Courier New"/>
-                <a:cs typeface="Courier New"/>
-              </a:rPr>
-              <a:t>(</a:t>
-            </a:r>
-            <a:r>
-              <a:rPr lang="fr-FR" sz="1100">
-                <a:latin typeface="Courier New"/>
-                <a:cs typeface="Courier New"/>
-              </a:rPr>
-              <a:t>dt</a:t>
-            </a:r>
-            <a:r>
-              <a:rPr lang="fr-FR" sz="1100">
+              <a:rPr lang="fr-FR" sz="1000">
+                <a:latin typeface="Courier New"/>
+                <a:cs typeface="Courier New"/>
+              </a:rPr>
+              <a:t>hc_sr04 = HCSR04(</a:t>
+            </a:r>
+            <a:r>
+              <a:rPr lang="fr-FR" sz="1000">
+                <a:latin typeface="Courier New"/>
+                <a:cs typeface="Courier New"/>
+              </a:rPr>
+              <a:t>pin_echo</a:t>
+            </a:r>
+            <a:r>
+              <a:rPr lang="fr-FR" sz="1000">
+                <a:latin typeface="Courier New"/>
+                <a:cs typeface="Courier New"/>
+              </a:rPr>
+              <a:t>, </a:t>
+            </a:r>
+            <a:r>
+              <a:rPr lang="fr-FR" sz="1000">
+                <a:latin typeface="Courier New"/>
+                <a:cs typeface="Courier New"/>
+              </a:rPr>
+              <a:t>pin_trigger</a:t>
+            </a:r>
+            <a:r>
+              <a:rPr lang="fr-FR" sz="1000">
                 <a:latin typeface="Courier New"/>
                 <a:cs typeface="Courier New"/>
               </a:rPr>
@@ -4373,7 +4534,7 @@
             <a:pPr>
               <a:defRPr/>
             </a:pPr>
-            <a:endParaRPr lang="fr-FR" sz="1100">
+            <a:endParaRPr lang="fr-FR" sz="1000">
               <a:latin typeface="Courier New"/>
               <a:cs typeface="Courier New"/>
             </a:endParaRPr>
@@ -4383,177 +4544,174 @@
               <a:defRPr/>
             </a:pPr>
             <a:r>
-              <a:rPr lang="fr-FR" sz="1100">
+              <a:rPr lang="fr-FR" sz="1000">
+                <a:latin typeface="Courier New"/>
+                <a:cs typeface="Courier New"/>
+              </a:rPr>
+              <a:t>while</a:t>
+            </a:r>
+            <a:r>
+              <a:rPr lang="fr-FR" sz="1000">
+                <a:latin typeface="Courier New"/>
+                <a:cs typeface="Courier New"/>
+              </a:rPr>
+              <a:t> </a:t>
+            </a:r>
+            <a:r>
+              <a:rPr lang="fr-FR" sz="1000">
+                <a:latin typeface="Courier New"/>
+                <a:cs typeface="Courier New"/>
+              </a:rPr>
+              <a:t>True</a:t>
+            </a:r>
+            <a:r>
+              <a:rPr lang="fr-FR" sz="1000">
+                <a:latin typeface="Courier New"/>
+                <a:cs typeface="Courier New"/>
+              </a:rPr>
+              <a:t>:</a:t>
+            </a:r>
+            <a:endParaRPr/>
+          </a:p>
+          <a:p>
+            <a:pPr>
+              <a:defRPr/>
+            </a:pPr>
+            <a:r>
+              <a:rPr lang="fr-FR" sz="1000">
+                <a:latin typeface="Courier New"/>
+                <a:cs typeface="Courier New"/>
+              </a:rPr>
+              <a:t>    distance = hc_sr04.lecture_distance()</a:t>
+            </a:r>
+            <a:endParaRPr/>
+          </a:p>
+          <a:p>
+            <a:pPr>
+              <a:defRPr/>
+            </a:pPr>
+            <a:r>
+              <a:rPr lang="fr-FR" sz="1000">
+                <a:latin typeface="Courier New"/>
+                <a:cs typeface="Courier New"/>
+              </a:rPr>
+              <a:t>    if (distance == -1):</a:t>
+            </a:r>
+            <a:endParaRPr/>
+          </a:p>
+          <a:p>
+            <a:pPr>
+              <a:defRPr/>
+            </a:pPr>
+            <a:r>
+              <a:rPr lang="fr-FR" sz="1000">
+                <a:latin typeface="Courier New"/>
+                <a:cs typeface="Courier New"/>
+              </a:rPr>
+              <a:t>        </a:t>
+            </a:r>
+            <a:r>
+              <a:rPr lang="fr-FR" sz="1000">
                 <a:latin typeface="Courier New"/>
                 <a:cs typeface="Courier New"/>
               </a:rPr>
               <a:t>print</a:t>
             </a:r>
             <a:r>
-              <a:rPr lang="fr-FR" sz="1100">
-                <a:latin typeface="Courier New"/>
-                <a:cs typeface="Courier New"/>
-              </a:rPr>
-              <a:t>("violet")</a:t>
-            </a:r>
-            <a:endParaRPr/>
-          </a:p>
-          <a:p>
-            <a:pPr>
-              <a:defRPr/>
-            </a:pPr>
-            <a:r>
-              <a:rPr lang="fr-FR" sz="1100">
-                <a:latin typeface="Courier New"/>
-                <a:cs typeface="Courier New"/>
-              </a:rPr>
-              <a:t>for i in range(255):</a:t>
-            </a:r>
-            <a:endParaRPr/>
-          </a:p>
-          <a:p>
-            <a:pPr>
-              <a:defRPr/>
-            </a:pPr>
-            <a:r>
-              <a:rPr lang="fr-FR" sz="1100">
+              <a:rPr lang="fr-FR" sz="1000">
+                <a:latin typeface="Courier New"/>
+                <a:cs typeface="Courier New"/>
+              </a:rPr>
+              <a:t> ("Mesure supérieure à 4 mètres")</a:t>
+            </a:r>
+            <a:endParaRPr/>
+          </a:p>
+          <a:p>
+            <a:pPr>
+              <a:defRPr/>
+            </a:pPr>
+            <a:r>
+              <a:rPr lang="fr-FR" sz="1000">
                 <a:latin typeface="Courier New"/>
                 <a:cs typeface="Courier New"/>
               </a:rPr>
               <a:t>    </a:t>
             </a:r>
             <a:r>
-              <a:rPr lang="fr-FR" sz="1100">
-                <a:latin typeface="Courier New"/>
-                <a:cs typeface="Courier New"/>
-              </a:rPr>
-              <a:t>np</a:t>
-            </a:r>
-            <a:r>
-              <a:rPr lang="fr-FR" sz="1100">
-                <a:latin typeface="Courier New"/>
-                <a:cs typeface="Courier New"/>
-              </a:rPr>
-              <a:t>[0] = (0, i, i)</a:t>
-            </a:r>
-            <a:endParaRPr/>
-          </a:p>
-          <a:p>
-            <a:pPr>
-              <a:defRPr/>
-            </a:pPr>
-            <a:r>
-              <a:rPr lang="fr-FR" sz="1100">
+              <a:rPr lang="fr-FR" sz="1000">
+                <a:latin typeface="Courier New"/>
+                <a:cs typeface="Courier New"/>
+              </a:rPr>
+              <a:t>else</a:t>
+            </a:r>
+            <a:r>
+              <a:rPr lang="fr-FR" sz="1000">
+                <a:latin typeface="Courier New"/>
+                <a:cs typeface="Courier New"/>
+              </a:rPr>
+              <a:t>:</a:t>
+            </a:r>
+            <a:endParaRPr/>
+          </a:p>
+          <a:p>
+            <a:pPr>
+              <a:defRPr/>
+            </a:pPr>
+            <a:r>
+              <a:rPr lang="fr-FR" sz="1000">
+                <a:latin typeface="Courier New"/>
+                <a:cs typeface="Courier New"/>
+              </a:rPr>
+              <a:t>        </a:t>
+            </a:r>
+            <a:r>
+              <a:rPr lang="fr-FR" sz="1000">
+                <a:latin typeface="Courier New"/>
+                <a:cs typeface="Courier New"/>
+              </a:rPr>
+              <a:t>print</a:t>
+            </a:r>
+            <a:r>
+              <a:rPr lang="fr-FR" sz="1000">
+                <a:latin typeface="Courier New"/>
+                <a:cs typeface="Courier New"/>
+              </a:rPr>
+              <a:t> ((distance), "cm")</a:t>
+            </a:r>
+            <a:endParaRPr/>
+          </a:p>
+          <a:p>
+            <a:pPr>
+              <a:defRPr/>
+            </a:pPr>
+            <a:r>
+              <a:rPr lang="fr-FR" sz="1000">
                 <a:latin typeface="Courier New"/>
                 <a:cs typeface="Courier New"/>
               </a:rPr>
               <a:t>    </a:t>
             </a:r>
             <a:r>
-              <a:rPr lang="fr-FR" sz="1100">
-                <a:latin typeface="Courier New"/>
-                <a:cs typeface="Courier New"/>
-              </a:rPr>
-              <a:t>np.write</a:t>
-            </a:r>
-            <a:r>
-              <a:rPr lang="fr-FR" sz="1100">
-                <a:latin typeface="Courier New"/>
-                <a:cs typeface="Courier New"/>
-              </a:rPr>
-              <a:t>()</a:t>
-            </a:r>
-            <a:endParaRPr/>
-          </a:p>
-          <a:p>
-            <a:pPr>
-              <a:defRPr/>
-            </a:pPr>
-            <a:r>
-              <a:rPr lang="fr-FR" sz="1100">
-                <a:latin typeface="Courier New"/>
-                <a:cs typeface="Courier New"/>
-              </a:rPr>
-              <a:t>    </a:t>
-            </a:r>
-            <a:r>
-              <a:rPr lang="fr-FR" sz="1100">
-                <a:latin typeface="Courier New"/>
-                <a:cs typeface="Courier New"/>
-              </a:rPr>
-              <a:t>time.sleep_ms</a:t>
-            </a:r>
-            <a:r>
-              <a:rPr lang="fr-FR" sz="1100">
-                <a:latin typeface="Courier New"/>
-                <a:cs typeface="Courier New"/>
-              </a:rPr>
-              <a:t>(</a:t>
-            </a:r>
-            <a:r>
-              <a:rPr lang="fr-FR" sz="1100">
-                <a:latin typeface="Courier New"/>
-                <a:cs typeface="Courier New"/>
-              </a:rPr>
-              <a:t>dt</a:t>
-            </a:r>
-            <a:r>
-              <a:rPr lang="fr-FR" sz="1100">
-                <a:latin typeface="Courier New"/>
-                <a:cs typeface="Courier New"/>
-              </a:rPr>
-              <a:t>)</a:t>
-            </a:r>
-            <a:endParaRPr/>
-          </a:p>
-          <a:p>
-            <a:pPr>
-              <a:defRPr/>
-            </a:pPr>
-            <a:endParaRPr lang="fr-FR" sz="1100">
-              <a:latin typeface="Courier New"/>
-              <a:cs typeface="Courier New"/>
-            </a:endParaRPr>
-          </a:p>
-          <a:p>
-            <a:pPr>
-              <a:defRPr/>
-            </a:pPr>
-            <a:r>
-              <a:rPr lang="fr-FR" sz="1100">
-                <a:latin typeface="Courier New"/>
-                <a:cs typeface="Courier New"/>
-              </a:rPr>
-              <a:t>np</a:t>
-            </a:r>
-            <a:r>
-              <a:rPr lang="fr-FR" sz="1100">
-                <a:latin typeface="Courier New"/>
-                <a:cs typeface="Courier New"/>
-              </a:rPr>
-              <a:t>[0] = (0, 0, 0)</a:t>
-            </a:r>
-            <a:endParaRPr/>
-          </a:p>
-          <a:p>
-            <a:pPr>
-              <a:defRPr/>
-            </a:pPr>
-            <a:r>
-              <a:rPr lang="fr-FR" sz="1100">
-                <a:latin typeface="Courier New"/>
-                <a:cs typeface="Courier New"/>
-              </a:rPr>
-              <a:t>np.write</a:t>
-            </a:r>
-            <a:r>
-              <a:rPr lang="fr-FR" sz="1100">
-                <a:latin typeface="Courier New"/>
-                <a:cs typeface="Courier New"/>
-              </a:rPr>
-              <a:t>()</a:t>
-            </a:r>
-            <a:endParaRPr lang="fr-FR" sz="1100">
+              <a:rPr lang="fr-FR" sz="1000">
+                <a:latin typeface="Courier New"/>
+                <a:cs typeface="Courier New"/>
+              </a:rPr>
+              <a:t>time.sleep</a:t>
+            </a:r>
+            <a:r>
+              <a:rPr lang="fr-FR" sz="1000">
+                <a:latin typeface="Courier New"/>
+                <a:cs typeface="Courier New"/>
+              </a:rPr>
+              <a:t>(0.1)</a:t>
+            </a:r>
+            <a:endParaRPr/>
+          </a:p>
+          <a:p>
+            <a:pPr>
+              <a:defRPr/>
+            </a:pPr>
+            <a:endParaRPr lang="fr-FR" sz="1000">
               <a:latin typeface="Courier New"/>
               <a:cs typeface="Courier New"/>
             </a:endParaRPr>
@@ -4562,19 +4720,19 @@
       </p:sp>
       <p:sp>
         <p:nvSpPr>
-          <p:cNvPr id="6" name="Rectangle 5" hidden="0"/>
+          <p:cNvPr id="7" name="Rectangle 6" hidden="0"/>
           <p:cNvSpPr/>
           <p:nvPr isPhoto="0" userDrawn="0"/>
         </p:nvSpPr>
         <p:spPr bwMode="auto">
           <a:xfrm>
-            <a:off x="5669630" y="1387457"/>
-            <a:ext cx="3155872" cy="842034"/>
+            <a:off x="7746721" y="663070"/>
+            <a:ext cx="4202123" cy="1027618"/>
           </a:xfrm>
           <a:prstGeom prst="wedgeRectCallout">
             <a:avLst>
-              <a:gd name="adj1" fmla="val -139170"/>
-              <a:gd name="adj2" fmla="val -23669"/>
+              <a:gd name="adj1" fmla="val -144285"/>
+              <a:gd name="adj2" fmla="val 85387"/>
             </a:avLst>
           </a:prstGeom>
           <a:ln w="12700"/>
@@ -4602,19 +4760,7 @@
             </a:pPr>
             <a:r>
               <a:rPr lang="fr-FR"/>
-              <a:t>La librairie </a:t>
-            </a:r>
-            <a:r>
-              <a:rPr lang="fr-FR"/>
-              <a:t>Neopixel</a:t>
-            </a:r>
-            <a:r>
-              <a:rPr lang="fr-FR"/>
-              <a:t> fournit toutes les commandes pour piloter les diodes </a:t>
-            </a:r>
-            <a:r>
-              <a:rPr lang="fr-FR"/>
-              <a:t>Neopixel</a:t>
+              <a:t>On définit les caractéristiques structurelles et fonctionnelles de notre module (ici le HCSR04) dans une classe</a:t>
             </a:r>
             <a:endParaRPr lang="fr-FR"/>
           </a:p>
@@ -4622,19 +4768,19 @@
       </p:sp>
       <p:sp>
         <p:nvSpPr>
-          <p:cNvPr id="7" name="Rectangle 6" hidden="0"/>
+          <p:cNvPr id="8" name="Rectangle 7" hidden="0"/>
           <p:cNvSpPr/>
           <p:nvPr isPhoto="0" userDrawn="0"/>
         </p:nvSpPr>
         <p:spPr bwMode="auto">
           <a:xfrm>
-            <a:off x="3853029" y="2769696"/>
-            <a:ext cx="3155872" cy="842034"/>
+            <a:off x="10066969" y="5327007"/>
+            <a:ext cx="1419540" cy="683375"/>
           </a:xfrm>
           <a:prstGeom prst="wedgeRectCallout">
             <a:avLst>
-              <a:gd name="adj1" fmla="val -121236"/>
-              <a:gd name="adj2" fmla="val -91544"/>
+              <a:gd name="adj1" fmla="val -97625"/>
+              <a:gd name="adj2" fmla="val -47011"/>
             </a:avLst>
           </a:prstGeom>
           <a:ln w="12700"/>
@@ -4662,19 +4808,7 @@
             </a:pPr>
             <a:r>
               <a:rPr lang="fr-FR"/>
-              <a:t>Ainsi il suffit d’instancier un objet </a:t>
-            </a:r>
-            <a:r>
-              <a:rPr lang="fr-FR"/>
-              <a:t>neopixel</a:t>
-            </a:r>
-            <a:r>
-              <a:rPr lang="fr-FR"/>
-              <a:t> qui saura adresser les diodes </a:t>
-            </a:r>
-            <a:r>
-              <a:rPr lang="fr-FR"/>
-              <a:t>Neopixel</a:t>
+              <a:t>Programme principal</a:t>
             </a:r>
             <a:endParaRPr lang="fr-FR"/>
           </a:p>
@@ -4733,6 +4867,1377 @@
             </a:pPr>
             <a:r>
               <a:rPr lang="fr-FR"/>
+              <a:t>Allumer des diodes colorées </a:t>
+            </a:r>
+            <a:r>
+              <a:rPr lang="fr-FR"/>
+              <a:t>Neopixel</a:t>
+            </a:r>
+            <a:endParaRPr lang="fr-FR"/>
+          </a:p>
+        </p:txBody>
+      </p:sp>
+      <p:sp>
+        <p:nvSpPr>
+          <p:cNvPr id="4" name="ZoneTexte 3" hidden="0"/>
+          <p:cNvSpPr txBox="1"/>
+          <p:nvPr isPhoto="0" userDrawn="0"/>
+        </p:nvSpPr>
+        <p:spPr bwMode="auto">
+          <a:xfrm>
+            <a:off x="606176" y="1464656"/>
+            <a:ext cx="3986372" cy="5001369"/>
+          </a:xfrm>
+          <a:prstGeom prst="rect">
+            <a:avLst/>
+          </a:prstGeom>
+          <a:solidFill>
+            <a:schemeClr val="bg1">
+              <a:lumMod val="95000"/>
+            </a:schemeClr>
+          </a:solidFill>
+          <a:ln w="12700">
+            <a:solidFill>
+              <a:srgbClr val="FF0000"/>
+            </a:solidFill>
+          </a:ln>
+        </p:spPr>
+        <p:txBody>
+          <a:bodyPr wrap="square" rtlCol="0">
+            <a:spAutoFit/>
+          </a:bodyPr>
+          <a:lstStyle/>
+          <a:p>
+            <a:pPr>
+              <a:defRPr/>
+            </a:pPr>
+            <a:r>
+              <a:rPr lang="fr-FR" sz="1100">
+                <a:latin typeface="Courier New"/>
+                <a:cs typeface="Courier New"/>
+              </a:rPr>
+              <a:t>import machine, </a:t>
+            </a:r>
+            <a:r>
+              <a:rPr lang="fr-FR" sz="1100">
+                <a:latin typeface="Courier New"/>
+                <a:cs typeface="Courier New"/>
+              </a:rPr>
+              <a:t>neopixel</a:t>
+            </a:r>
+            <a:endParaRPr lang="fr-FR" sz="1100">
+              <a:latin typeface="Courier New"/>
+              <a:cs typeface="Courier New"/>
+            </a:endParaRPr>
+          </a:p>
+          <a:p>
+            <a:pPr>
+              <a:defRPr/>
+            </a:pPr>
+            <a:r>
+              <a:rPr lang="fr-FR" sz="1100">
+                <a:latin typeface="Courier New"/>
+                <a:cs typeface="Courier New"/>
+              </a:rPr>
+              <a:t>import time</a:t>
+            </a:r>
+            <a:endParaRPr/>
+          </a:p>
+          <a:p>
+            <a:pPr>
+              <a:defRPr/>
+            </a:pPr>
+            <a:r>
+              <a:rPr lang="fr-FR" sz="1100">
+                <a:latin typeface="Courier New"/>
+                <a:cs typeface="Courier New"/>
+              </a:rPr>
+              <a:t>import </a:t>
+            </a:r>
+            <a:r>
+              <a:rPr lang="fr-FR" sz="1100">
+                <a:latin typeface="Courier New"/>
+                <a:cs typeface="Courier New"/>
+              </a:rPr>
+              <a:t>random</a:t>
+            </a:r>
+            <a:endParaRPr lang="fr-FR" sz="1100">
+              <a:latin typeface="Courier New"/>
+              <a:cs typeface="Courier New"/>
+            </a:endParaRPr>
+          </a:p>
+          <a:p>
+            <a:pPr>
+              <a:defRPr/>
+            </a:pPr>
+            <a:endParaRPr lang="fr-FR" sz="1100">
+              <a:latin typeface="Courier New"/>
+              <a:cs typeface="Courier New"/>
+            </a:endParaRPr>
+          </a:p>
+          <a:p>
+            <a:pPr>
+              <a:defRPr/>
+            </a:pPr>
+            <a:r>
+              <a:rPr lang="fr-FR" sz="1100">
+                <a:latin typeface="Courier New"/>
+                <a:cs typeface="Courier New"/>
+              </a:rPr>
+              <a:t>np</a:t>
+            </a:r>
+            <a:r>
+              <a:rPr lang="fr-FR" sz="1100">
+                <a:latin typeface="Courier New"/>
+                <a:cs typeface="Courier New"/>
+              </a:rPr>
+              <a:t> = </a:t>
+            </a:r>
+            <a:r>
+              <a:rPr lang="fr-FR" sz="1100">
+                <a:latin typeface="Courier New"/>
+                <a:cs typeface="Courier New"/>
+              </a:rPr>
+              <a:t>neopixel.NeoPixel</a:t>
+            </a:r>
+            <a:r>
+              <a:rPr lang="fr-FR" sz="1100">
+                <a:latin typeface="Courier New"/>
+                <a:cs typeface="Courier New"/>
+              </a:rPr>
+              <a:t>(</a:t>
+            </a:r>
+            <a:r>
+              <a:rPr lang="fr-FR" sz="1100">
+                <a:latin typeface="Courier New"/>
+                <a:cs typeface="Courier New"/>
+              </a:rPr>
+              <a:t>machine.Pin</a:t>
+            </a:r>
+            <a:r>
+              <a:rPr lang="fr-FR" sz="1100">
+                <a:latin typeface="Courier New"/>
+                <a:cs typeface="Courier New"/>
+              </a:rPr>
+              <a:t>(4), 1)</a:t>
+            </a:r>
+            <a:endParaRPr/>
+          </a:p>
+          <a:p>
+            <a:pPr>
+              <a:defRPr/>
+            </a:pPr>
+            <a:endParaRPr lang="fr-FR" sz="1100">
+              <a:latin typeface="Courier New"/>
+              <a:cs typeface="Courier New"/>
+            </a:endParaRPr>
+          </a:p>
+          <a:p>
+            <a:pPr>
+              <a:defRPr/>
+            </a:pPr>
+            <a:r>
+              <a:rPr lang="fr-FR" sz="1100">
+                <a:latin typeface="Courier New"/>
+                <a:cs typeface="Courier New"/>
+              </a:rPr>
+              <a:t>dt</a:t>
+            </a:r>
+            <a:r>
+              <a:rPr lang="fr-FR" sz="1100">
+                <a:latin typeface="Courier New"/>
+                <a:cs typeface="Courier New"/>
+              </a:rPr>
+              <a:t> = 20</a:t>
+            </a:r>
+            <a:endParaRPr/>
+          </a:p>
+          <a:p>
+            <a:pPr>
+              <a:defRPr/>
+            </a:pPr>
+            <a:endParaRPr lang="fr-FR" sz="1100">
+              <a:latin typeface="Courier New"/>
+              <a:cs typeface="Courier New"/>
+            </a:endParaRPr>
+          </a:p>
+          <a:p>
+            <a:pPr>
+              <a:defRPr/>
+            </a:pPr>
+            <a:r>
+              <a:rPr lang="fr-FR" sz="1100">
+                <a:latin typeface="Courier New"/>
+                <a:cs typeface="Courier New"/>
+              </a:rPr>
+              <a:t>np</a:t>
+            </a:r>
+            <a:r>
+              <a:rPr lang="fr-FR" sz="1100">
+                <a:latin typeface="Courier New"/>
+                <a:cs typeface="Courier New"/>
+              </a:rPr>
+              <a:t>[0] = (0, 0, 0)</a:t>
+            </a:r>
+            <a:endParaRPr/>
+          </a:p>
+          <a:p>
+            <a:pPr>
+              <a:defRPr/>
+            </a:pPr>
+            <a:r>
+              <a:rPr lang="fr-FR" sz="1100">
+                <a:latin typeface="Courier New"/>
+                <a:cs typeface="Courier New"/>
+              </a:rPr>
+              <a:t>np.write</a:t>
+            </a:r>
+            <a:r>
+              <a:rPr lang="fr-FR" sz="1100">
+                <a:latin typeface="Courier New"/>
+                <a:cs typeface="Courier New"/>
+              </a:rPr>
+              <a:t>()</a:t>
+            </a:r>
+            <a:endParaRPr/>
+          </a:p>
+          <a:p>
+            <a:pPr>
+              <a:defRPr/>
+            </a:pPr>
+            <a:r>
+              <a:rPr lang="fr-FR" sz="1100">
+                <a:latin typeface="Courier New"/>
+                <a:cs typeface="Courier New"/>
+              </a:rPr>
+              <a:t>time.sleep_ms</a:t>
+            </a:r>
+            <a:r>
+              <a:rPr lang="fr-FR" sz="1100">
+                <a:latin typeface="Courier New"/>
+                <a:cs typeface="Courier New"/>
+              </a:rPr>
+              <a:t>(1000)</a:t>
+            </a:r>
+            <a:endParaRPr/>
+          </a:p>
+          <a:p>
+            <a:pPr>
+              <a:defRPr/>
+            </a:pPr>
+            <a:endParaRPr lang="fr-FR" sz="1100">
+              <a:latin typeface="Courier New"/>
+              <a:cs typeface="Courier New"/>
+            </a:endParaRPr>
+          </a:p>
+          <a:p>
+            <a:pPr>
+              <a:defRPr/>
+            </a:pPr>
+            <a:r>
+              <a:rPr lang="fr-FR" sz="1100">
+                <a:latin typeface="Courier New"/>
+                <a:cs typeface="Courier New"/>
+              </a:rPr>
+              <a:t>print</a:t>
+            </a:r>
+            <a:r>
+              <a:rPr lang="fr-FR" sz="1100">
+                <a:latin typeface="Courier New"/>
+                <a:cs typeface="Courier New"/>
+              </a:rPr>
+              <a:t>("green")</a:t>
+            </a:r>
+            <a:endParaRPr/>
+          </a:p>
+          <a:p>
+            <a:pPr>
+              <a:defRPr/>
+            </a:pPr>
+            <a:r>
+              <a:rPr lang="fr-FR" sz="1100">
+                <a:latin typeface="Courier New"/>
+                <a:cs typeface="Courier New"/>
+              </a:rPr>
+              <a:t>for i in range(255):</a:t>
+            </a:r>
+            <a:endParaRPr/>
+          </a:p>
+          <a:p>
+            <a:pPr>
+              <a:defRPr/>
+            </a:pPr>
+            <a:r>
+              <a:rPr lang="fr-FR" sz="1100">
+                <a:latin typeface="Courier New"/>
+                <a:cs typeface="Courier New"/>
+              </a:rPr>
+              <a:t>    </a:t>
+            </a:r>
+            <a:r>
+              <a:rPr lang="fr-FR" sz="1100">
+                <a:latin typeface="Courier New"/>
+                <a:cs typeface="Courier New"/>
+              </a:rPr>
+              <a:t>np</a:t>
+            </a:r>
+            <a:r>
+              <a:rPr lang="fr-FR" sz="1100">
+                <a:latin typeface="Courier New"/>
+                <a:cs typeface="Courier New"/>
+              </a:rPr>
+              <a:t>[0] = (i, 0, 0)</a:t>
+            </a:r>
+            <a:endParaRPr/>
+          </a:p>
+          <a:p>
+            <a:pPr>
+              <a:defRPr/>
+            </a:pPr>
+            <a:r>
+              <a:rPr lang="fr-FR" sz="1100">
+                <a:latin typeface="Courier New"/>
+                <a:cs typeface="Courier New"/>
+              </a:rPr>
+              <a:t>    </a:t>
+            </a:r>
+            <a:r>
+              <a:rPr lang="fr-FR" sz="1100">
+                <a:latin typeface="Courier New"/>
+                <a:cs typeface="Courier New"/>
+              </a:rPr>
+              <a:t>np.write</a:t>
+            </a:r>
+            <a:r>
+              <a:rPr lang="fr-FR" sz="1100">
+                <a:latin typeface="Courier New"/>
+                <a:cs typeface="Courier New"/>
+              </a:rPr>
+              <a:t>()</a:t>
+            </a:r>
+            <a:endParaRPr/>
+          </a:p>
+          <a:p>
+            <a:pPr>
+              <a:defRPr/>
+            </a:pPr>
+            <a:r>
+              <a:rPr lang="fr-FR" sz="1100">
+                <a:latin typeface="Courier New"/>
+                <a:cs typeface="Courier New"/>
+              </a:rPr>
+              <a:t>    </a:t>
+            </a:r>
+            <a:r>
+              <a:rPr lang="fr-FR" sz="1100">
+                <a:latin typeface="Courier New"/>
+                <a:cs typeface="Courier New"/>
+              </a:rPr>
+              <a:t>time.sleep_ms</a:t>
+            </a:r>
+            <a:r>
+              <a:rPr lang="fr-FR" sz="1100">
+                <a:latin typeface="Courier New"/>
+                <a:cs typeface="Courier New"/>
+              </a:rPr>
+              <a:t>(</a:t>
+            </a:r>
+            <a:r>
+              <a:rPr lang="fr-FR" sz="1100">
+                <a:latin typeface="Courier New"/>
+                <a:cs typeface="Courier New"/>
+              </a:rPr>
+              <a:t>dt</a:t>
+            </a:r>
+            <a:r>
+              <a:rPr lang="fr-FR" sz="1100">
+                <a:latin typeface="Courier New"/>
+                <a:cs typeface="Courier New"/>
+              </a:rPr>
+              <a:t>)</a:t>
+            </a:r>
+            <a:endParaRPr/>
+          </a:p>
+          <a:p>
+            <a:pPr>
+              <a:defRPr/>
+            </a:pPr>
+            <a:endParaRPr lang="fr-FR" sz="1100">
+              <a:latin typeface="Courier New"/>
+              <a:cs typeface="Courier New"/>
+            </a:endParaRPr>
+          </a:p>
+          <a:p>
+            <a:pPr>
+              <a:defRPr/>
+            </a:pPr>
+            <a:r>
+              <a:rPr lang="fr-FR" sz="1100">
+                <a:latin typeface="Courier New"/>
+                <a:cs typeface="Courier New"/>
+              </a:rPr>
+              <a:t>print</a:t>
+            </a:r>
+            <a:r>
+              <a:rPr lang="fr-FR" sz="1100">
+                <a:latin typeface="Courier New"/>
+                <a:cs typeface="Courier New"/>
+              </a:rPr>
+              <a:t>("</a:t>
+            </a:r>
+            <a:r>
+              <a:rPr lang="fr-FR" sz="1100">
+                <a:latin typeface="Courier New"/>
+                <a:cs typeface="Courier New"/>
+              </a:rPr>
+              <a:t>red</a:t>
+            </a:r>
+            <a:r>
+              <a:rPr lang="fr-FR" sz="1100">
+                <a:latin typeface="Courier New"/>
+                <a:cs typeface="Courier New"/>
+              </a:rPr>
+              <a:t>")</a:t>
+            </a:r>
+            <a:endParaRPr/>
+          </a:p>
+          <a:p>
+            <a:pPr>
+              <a:defRPr/>
+            </a:pPr>
+            <a:r>
+              <a:rPr lang="fr-FR" sz="1100">
+                <a:latin typeface="Courier New"/>
+                <a:cs typeface="Courier New"/>
+              </a:rPr>
+              <a:t>for i in range(255):</a:t>
+            </a:r>
+            <a:endParaRPr/>
+          </a:p>
+          <a:p>
+            <a:pPr>
+              <a:defRPr/>
+            </a:pPr>
+            <a:r>
+              <a:rPr lang="fr-FR" sz="1100">
+                <a:latin typeface="Courier New"/>
+                <a:cs typeface="Courier New"/>
+              </a:rPr>
+              <a:t>    </a:t>
+            </a:r>
+            <a:r>
+              <a:rPr lang="fr-FR" sz="1100">
+                <a:latin typeface="Courier New"/>
+                <a:cs typeface="Courier New"/>
+              </a:rPr>
+              <a:t>np</a:t>
+            </a:r>
+            <a:r>
+              <a:rPr lang="fr-FR" sz="1100">
+                <a:latin typeface="Courier New"/>
+                <a:cs typeface="Courier New"/>
+              </a:rPr>
+              <a:t>[0] = (0, i, 0)</a:t>
+            </a:r>
+            <a:endParaRPr/>
+          </a:p>
+          <a:p>
+            <a:pPr>
+              <a:defRPr/>
+            </a:pPr>
+            <a:r>
+              <a:rPr lang="fr-FR" sz="1100">
+                <a:latin typeface="Courier New"/>
+                <a:cs typeface="Courier New"/>
+              </a:rPr>
+              <a:t>    </a:t>
+            </a:r>
+            <a:r>
+              <a:rPr lang="fr-FR" sz="1100">
+                <a:latin typeface="Courier New"/>
+                <a:cs typeface="Courier New"/>
+              </a:rPr>
+              <a:t>np.write</a:t>
+            </a:r>
+            <a:r>
+              <a:rPr lang="fr-FR" sz="1100">
+                <a:latin typeface="Courier New"/>
+                <a:cs typeface="Courier New"/>
+              </a:rPr>
+              <a:t>()</a:t>
+            </a:r>
+            <a:endParaRPr/>
+          </a:p>
+          <a:p>
+            <a:pPr>
+              <a:defRPr/>
+            </a:pPr>
+            <a:r>
+              <a:rPr lang="fr-FR" sz="1100">
+                <a:latin typeface="Courier New"/>
+                <a:cs typeface="Courier New"/>
+              </a:rPr>
+              <a:t>    </a:t>
+            </a:r>
+            <a:r>
+              <a:rPr lang="fr-FR" sz="1100">
+                <a:latin typeface="Courier New"/>
+                <a:cs typeface="Courier New"/>
+              </a:rPr>
+              <a:t>time.sleep_ms</a:t>
+            </a:r>
+            <a:r>
+              <a:rPr lang="fr-FR" sz="1100">
+                <a:latin typeface="Courier New"/>
+                <a:cs typeface="Courier New"/>
+              </a:rPr>
+              <a:t>(</a:t>
+            </a:r>
+            <a:r>
+              <a:rPr lang="fr-FR" sz="1100">
+                <a:latin typeface="Courier New"/>
+                <a:cs typeface="Courier New"/>
+              </a:rPr>
+              <a:t>dt</a:t>
+            </a:r>
+            <a:r>
+              <a:rPr lang="fr-FR" sz="1100">
+                <a:latin typeface="Courier New"/>
+                <a:cs typeface="Courier New"/>
+              </a:rPr>
+              <a:t>)</a:t>
+            </a:r>
+            <a:endParaRPr/>
+          </a:p>
+          <a:p>
+            <a:pPr>
+              <a:defRPr/>
+            </a:pPr>
+            <a:endParaRPr lang="fr-FR" sz="1100">
+              <a:latin typeface="Courier New"/>
+              <a:cs typeface="Courier New"/>
+            </a:endParaRPr>
+          </a:p>
+          <a:p>
+            <a:pPr>
+              <a:defRPr/>
+            </a:pPr>
+            <a:r>
+              <a:rPr lang="fr-FR" sz="1100">
+                <a:latin typeface="Courier New"/>
+                <a:cs typeface="Courier New"/>
+              </a:rPr>
+              <a:t>print</a:t>
+            </a:r>
+            <a:r>
+              <a:rPr lang="fr-FR" sz="1100">
+                <a:latin typeface="Courier New"/>
+                <a:cs typeface="Courier New"/>
+              </a:rPr>
+              <a:t>("</a:t>
+            </a:r>
+            <a:r>
+              <a:rPr lang="fr-FR" sz="1100">
+                <a:latin typeface="Courier New"/>
+                <a:cs typeface="Courier New"/>
+              </a:rPr>
+              <a:t>blue</a:t>
+            </a:r>
+            <a:r>
+              <a:rPr lang="fr-FR" sz="1100">
+                <a:latin typeface="Courier New"/>
+                <a:cs typeface="Courier New"/>
+              </a:rPr>
+              <a:t>")</a:t>
+            </a:r>
+            <a:endParaRPr/>
+          </a:p>
+          <a:p>
+            <a:pPr>
+              <a:defRPr/>
+            </a:pPr>
+            <a:r>
+              <a:rPr lang="fr-FR" sz="1100">
+                <a:latin typeface="Courier New"/>
+                <a:cs typeface="Courier New"/>
+              </a:rPr>
+              <a:t>for i in range(255):</a:t>
+            </a:r>
+            <a:endParaRPr/>
+          </a:p>
+          <a:p>
+            <a:pPr>
+              <a:defRPr/>
+            </a:pPr>
+            <a:r>
+              <a:rPr lang="fr-FR" sz="1100">
+                <a:latin typeface="Courier New"/>
+                <a:cs typeface="Courier New"/>
+              </a:rPr>
+              <a:t>    </a:t>
+            </a:r>
+            <a:r>
+              <a:rPr lang="fr-FR" sz="1100">
+                <a:latin typeface="Courier New"/>
+                <a:cs typeface="Courier New"/>
+              </a:rPr>
+              <a:t>np</a:t>
+            </a:r>
+            <a:r>
+              <a:rPr lang="fr-FR" sz="1100">
+                <a:latin typeface="Courier New"/>
+                <a:cs typeface="Courier New"/>
+              </a:rPr>
+              <a:t>[0] = (0, 0, i)</a:t>
+            </a:r>
+            <a:endParaRPr/>
+          </a:p>
+          <a:p>
+            <a:pPr>
+              <a:defRPr/>
+            </a:pPr>
+            <a:r>
+              <a:rPr lang="fr-FR" sz="1100">
+                <a:latin typeface="Courier New"/>
+                <a:cs typeface="Courier New"/>
+              </a:rPr>
+              <a:t>    </a:t>
+            </a:r>
+            <a:r>
+              <a:rPr lang="fr-FR" sz="1100">
+                <a:latin typeface="Courier New"/>
+                <a:cs typeface="Courier New"/>
+              </a:rPr>
+              <a:t>np.write</a:t>
+            </a:r>
+            <a:r>
+              <a:rPr lang="fr-FR" sz="1100">
+                <a:latin typeface="Courier New"/>
+                <a:cs typeface="Courier New"/>
+              </a:rPr>
+              <a:t>()</a:t>
+            </a:r>
+            <a:endParaRPr/>
+          </a:p>
+          <a:p>
+            <a:pPr>
+              <a:defRPr/>
+            </a:pPr>
+            <a:r>
+              <a:rPr lang="fr-FR" sz="1100">
+                <a:latin typeface="Courier New"/>
+                <a:cs typeface="Courier New"/>
+              </a:rPr>
+              <a:t>    </a:t>
+            </a:r>
+            <a:r>
+              <a:rPr lang="fr-FR" sz="1100">
+                <a:latin typeface="Courier New"/>
+                <a:cs typeface="Courier New"/>
+              </a:rPr>
+              <a:t>time.sleep_ms</a:t>
+            </a:r>
+            <a:r>
+              <a:rPr lang="fr-FR" sz="1100">
+                <a:latin typeface="Courier New"/>
+                <a:cs typeface="Courier New"/>
+              </a:rPr>
+              <a:t>(</a:t>
+            </a:r>
+            <a:r>
+              <a:rPr lang="fr-FR" sz="1100">
+                <a:latin typeface="Courier New"/>
+                <a:cs typeface="Courier New"/>
+              </a:rPr>
+              <a:t>dt</a:t>
+            </a:r>
+            <a:r>
+              <a:rPr lang="fr-FR" sz="1100">
+                <a:latin typeface="Courier New"/>
+                <a:cs typeface="Courier New"/>
+              </a:rPr>
+              <a:t>)</a:t>
+            </a:r>
+            <a:endParaRPr lang="fr-FR" sz="1100">
+              <a:latin typeface="Courier New"/>
+              <a:cs typeface="Courier New"/>
+            </a:endParaRPr>
+          </a:p>
+        </p:txBody>
+      </p:sp>
+      <p:sp>
+        <p:nvSpPr>
+          <p:cNvPr id="5" name="ZoneTexte 4" hidden="0"/>
+          <p:cNvSpPr txBox="1"/>
+          <p:nvPr isPhoto="0" userDrawn="0"/>
+        </p:nvSpPr>
+        <p:spPr bwMode="auto">
+          <a:xfrm>
+            <a:off x="8234783" y="2713020"/>
+            <a:ext cx="2774022" cy="3477875"/>
+          </a:xfrm>
+          <a:prstGeom prst="rect">
+            <a:avLst/>
+          </a:prstGeom>
+          <a:solidFill>
+            <a:schemeClr val="bg1">
+              <a:lumMod val="95000"/>
+            </a:schemeClr>
+          </a:solidFill>
+          <a:ln w="12700">
+            <a:solidFill>
+              <a:srgbClr val="FF0000"/>
+            </a:solidFill>
+          </a:ln>
+        </p:spPr>
+        <p:txBody>
+          <a:bodyPr wrap="square" rtlCol="0">
+            <a:spAutoFit/>
+          </a:bodyPr>
+          <a:lstStyle/>
+          <a:p>
+            <a:pPr>
+              <a:defRPr/>
+            </a:pPr>
+            <a:r>
+              <a:rPr lang="fr-FR" sz="1100">
+                <a:latin typeface="Courier New"/>
+                <a:cs typeface="Courier New"/>
+              </a:rPr>
+              <a:t>print</a:t>
+            </a:r>
+            <a:r>
+              <a:rPr lang="fr-FR" sz="1100">
+                <a:latin typeface="Courier New"/>
+                <a:cs typeface="Courier New"/>
+              </a:rPr>
+              <a:t>("</a:t>
+            </a:r>
+            <a:r>
+              <a:rPr lang="fr-FR" sz="1100">
+                <a:latin typeface="Courier New"/>
+                <a:cs typeface="Courier New"/>
+              </a:rPr>
+              <a:t>yellow</a:t>
+            </a:r>
+            <a:r>
+              <a:rPr lang="fr-FR" sz="1100">
+                <a:latin typeface="Courier New"/>
+                <a:cs typeface="Courier New"/>
+              </a:rPr>
+              <a:t>")</a:t>
+            </a:r>
+            <a:endParaRPr/>
+          </a:p>
+          <a:p>
+            <a:pPr>
+              <a:defRPr/>
+            </a:pPr>
+            <a:r>
+              <a:rPr lang="fr-FR" sz="1100">
+                <a:latin typeface="Courier New"/>
+                <a:cs typeface="Courier New"/>
+              </a:rPr>
+              <a:t>for i in range(255):</a:t>
+            </a:r>
+            <a:endParaRPr/>
+          </a:p>
+          <a:p>
+            <a:pPr>
+              <a:defRPr/>
+            </a:pPr>
+            <a:r>
+              <a:rPr lang="fr-FR" sz="1100">
+                <a:latin typeface="Courier New"/>
+                <a:cs typeface="Courier New"/>
+              </a:rPr>
+              <a:t>    </a:t>
+            </a:r>
+            <a:r>
+              <a:rPr lang="fr-FR" sz="1100">
+                <a:latin typeface="Courier New"/>
+                <a:cs typeface="Courier New"/>
+              </a:rPr>
+              <a:t>np</a:t>
+            </a:r>
+            <a:r>
+              <a:rPr lang="fr-FR" sz="1100">
+                <a:latin typeface="Courier New"/>
+                <a:cs typeface="Courier New"/>
+              </a:rPr>
+              <a:t>[0] = (i, i, 0)</a:t>
+            </a:r>
+            <a:endParaRPr/>
+          </a:p>
+          <a:p>
+            <a:pPr>
+              <a:defRPr/>
+            </a:pPr>
+            <a:r>
+              <a:rPr lang="fr-FR" sz="1100">
+                <a:latin typeface="Courier New"/>
+                <a:cs typeface="Courier New"/>
+              </a:rPr>
+              <a:t>    </a:t>
+            </a:r>
+            <a:r>
+              <a:rPr lang="fr-FR" sz="1100">
+                <a:latin typeface="Courier New"/>
+                <a:cs typeface="Courier New"/>
+              </a:rPr>
+              <a:t>np.write</a:t>
+            </a:r>
+            <a:r>
+              <a:rPr lang="fr-FR" sz="1100">
+                <a:latin typeface="Courier New"/>
+                <a:cs typeface="Courier New"/>
+              </a:rPr>
+              <a:t>()</a:t>
+            </a:r>
+            <a:endParaRPr/>
+          </a:p>
+          <a:p>
+            <a:pPr>
+              <a:defRPr/>
+            </a:pPr>
+            <a:r>
+              <a:rPr lang="fr-FR" sz="1100">
+                <a:latin typeface="Courier New"/>
+                <a:cs typeface="Courier New"/>
+              </a:rPr>
+              <a:t>    </a:t>
+            </a:r>
+            <a:r>
+              <a:rPr lang="fr-FR" sz="1100">
+                <a:latin typeface="Courier New"/>
+                <a:cs typeface="Courier New"/>
+              </a:rPr>
+              <a:t>time.sleep_ms</a:t>
+            </a:r>
+            <a:r>
+              <a:rPr lang="fr-FR" sz="1100">
+                <a:latin typeface="Courier New"/>
+                <a:cs typeface="Courier New"/>
+              </a:rPr>
+              <a:t>(</a:t>
+            </a:r>
+            <a:r>
+              <a:rPr lang="fr-FR" sz="1100">
+                <a:latin typeface="Courier New"/>
+                <a:cs typeface="Courier New"/>
+              </a:rPr>
+              <a:t>dt</a:t>
+            </a:r>
+            <a:r>
+              <a:rPr lang="fr-FR" sz="1100">
+                <a:latin typeface="Courier New"/>
+                <a:cs typeface="Courier New"/>
+              </a:rPr>
+              <a:t>)</a:t>
+            </a:r>
+            <a:endParaRPr/>
+          </a:p>
+          <a:p>
+            <a:pPr>
+              <a:defRPr/>
+            </a:pPr>
+            <a:endParaRPr lang="fr-FR" sz="1100">
+              <a:latin typeface="Courier New"/>
+              <a:cs typeface="Courier New"/>
+            </a:endParaRPr>
+          </a:p>
+          <a:p>
+            <a:pPr>
+              <a:defRPr/>
+            </a:pPr>
+            <a:r>
+              <a:rPr lang="fr-FR" sz="1100">
+                <a:latin typeface="Courier New"/>
+                <a:cs typeface="Courier New"/>
+              </a:rPr>
+              <a:t>print</a:t>
+            </a:r>
+            <a:r>
+              <a:rPr lang="fr-FR" sz="1100">
+                <a:latin typeface="Courier New"/>
+                <a:cs typeface="Courier New"/>
+              </a:rPr>
+              <a:t>("cyan")</a:t>
+            </a:r>
+            <a:endParaRPr/>
+          </a:p>
+          <a:p>
+            <a:pPr>
+              <a:defRPr/>
+            </a:pPr>
+            <a:r>
+              <a:rPr lang="fr-FR" sz="1100">
+                <a:latin typeface="Courier New"/>
+                <a:cs typeface="Courier New"/>
+              </a:rPr>
+              <a:t>for i in range(255):</a:t>
+            </a:r>
+            <a:endParaRPr/>
+          </a:p>
+          <a:p>
+            <a:pPr>
+              <a:defRPr/>
+            </a:pPr>
+            <a:r>
+              <a:rPr lang="fr-FR" sz="1100">
+                <a:latin typeface="Courier New"/>
+                <a:cs typeface="Courier New"/>
+              </a:rPr>
+              <a:t>    </a:t>
+            </a:r>
+            <a:r>
+              <a:rPr lang="fr-FR" sz="1100">
+                <a:latin typeface="Courier New"/>
+                <a:cs typeface="Courier New"/>
+              </a:rPr>
+              <a:t>np</a:t>
+            </a:r>
+            <a:r>
+              <a:rPr lang="fr-FR" sz="1100">
+                <a:latin typeface="Courier New"/>
+                <a:cs typeface="Courier New"/>
+              </a:rPr>
+              <a:t>[0] = (i, 0, i)</a:t>
+            </a:r>
+            <a:endParaRPr/>
+          </a:p>
+          <a:p>
+            <a:pPr>
+              <a:defRPr/>
+            </a:pPr>
+            <a:r>
+              <a:rPr lang="fr-FR" sz="1100">
+                <a:latin typeface="Courier New"/>
+                <a:cs typeface="Courier New"/>
+              </a:rPr>
+              <a:t>    </a:t>
+            </a:r>
+            <a:r>
+              <a:rPr lang="fr-FR" sz="1100">
+                <a:latin typeface="Courier New"/>
+                <a:cs typeface="Courier New"/>
+              </a:rPr>
+              <a:t>np.write</a:t>
+            </a:r>
+            <a:r>
+              <a:rPr lang="fr-FR" sz="1100">
+                <a:latin typeface="Courier New"/>
+                <a:cs typeface="Courier New"/>
+              </a:rPr>
+              <a:t>()</a:t>
+            </a:r>
+            <a:endParaRPr/>
+          </a:p>
+          <a:p>
+            <a:pPr>
+              <a:defRPr/>
+            </a:pPr>
+            <a:r>
+              <a:rPr lang="fr-FR" sz="1100">
+                <a:latin typeface="Courier New"/>
+                <a:cs typeface="Courier New"/>
+              </a:rPr>
+              <a:t>    </a:t>
+            </a:r>
+            <a:r>
+              <a:rPr lang="fr-FR" sz="1100">
+                <a:latin typeface="Courier New"/>
+                <a:cs typeface="Courier New"/>
+              </a:rPr>
+              <a:t>time.sleep_ms</a:t>
+            </a:r>
+            <a:r>
+              <a:rPr lang="fr-FR" sz="1100">
+                <a:latin typeface="Courier New"/>
+                <a:cs typeface="Courier New"/>
+              </a:rPr>
+              <a:t>(</a:t>
+            </a:r>
+            <a:r>
+              <a:rPr lang="fr-FR" sz="1100">
+                <a:latin typeface="Courier New"/>
+                <a:cs typeface="Courier New"/>
+              </a:rPr>
+              <a:t>dt</a:t>
+            </a:r>
+            <a:r>
+              <a:rPr lang="fr-FR" sz="1100">
+                <a:latin typeface="Courier New"/>
+                <a:cs typeface="Courier New"/>
+              </a:rPr>
+              <a:t>)</a:t>
+            </a:r>
+            <a:endParaRPr/>
+          </a:p>
+          <a:p>
+            <a:pPr>
+              <a:defRPr/>
+            </a:pPr>
+            <a:endParaRPr lang="fr-FR" sz="1100">
+              <a:latin typeface="Courier New"/>
+              <a:cs typeface="Courier New"/>
+            </a:endParaRPr>
+          </a:p>
+          <a:p>
+            <a:pPr>
+              <a:defRPr/>
+            </a:pPr>
+            <a:r>
+              <a:rPr lang="fr-FR" sz="1100">
+                <a:latin typeface="Courier New"/>
+                <a:cs typeface="Courier New"/>
+              </a:rPr>
+              <a:t>print</a:t>
+            </a:r>
+            <a:r>
+              <a:rPr lang="fr-FR" sz="1100">
+                <a:latin typeface="Courier New"/>
+                <a:cs typeface="Courier New"/>
+              </a:rPr>
+              <a:t>("violet")</a:t>
+            </a:r>
+            <a:endParaRPr/>
+          </a:p>
+          <a:p>
+            <a:pPr>
+              <a:defRPr/>
+            </a:pPr>
+            <a:r>
+              <a:rPr lang="fr-FR" sz="1100">
+                <a:latin typeface="Courier New"/>
+                <a:cs typeface="Courier New"/>
+              </a:rPr>
+              <a:t>for i in range(255):</a:t>
+            </a:r>
+            <a:endParaRPr/>
+          </a:p>
+          <a:p>
+            <a:pPr>
+              <a:defRPr/>
+            </a:pPr>
+            <a:r>
+              <a:rPr lang="fr-FR" sz="1100">
+                <a:latin typeface="Courier New"/>
+                <a:cs typeface="Courier New"/>
+              </a:rPr>
+              <a:t>    </a:t>
+            </a:r>
+            <a:r>
+              <a:rPr lang="fr-FR" sz="1100">
+                <a:latin typeface="Courier New"/>
+                <a:cs typeface="Courier New"/>
+              </a:rPr>
+              <a:t>np</a:t>
+            </a:r>
+            <a:r>
+              <a:rPr lang="fr-FR" sz="1100">
+                <a:latin typeface="Courier New"/>
+                <a:cs typeface="Courier New"/>
+              </a:rPr>
+              <a:t>[0] = (0, i, i)</a:t>
+            </a:r>
+            <a:endParaRPr/>
+          </a:p>
+          <a:p>
+            <a:pPr>
+              <a:defRPr/>
+            </a:pPr>
+            <a:r>
+              <a:rPr lang="fr-FR" sz="1100">
+                <a:latin typeface="Courier New"/>
+                <a:cs typeface="Courier New"/>
+              </a:rPr>
+              <a:t>    </a:t>
+            </a:r>
+            <a:r>
+              <a:rPr lang="fr-FR" sz="1100">
+                <a:latin typeface="Courier New"/>
+                <a:cs typeface="Courier New"/>
+              </a:rPr>
+              <a:t>np.write</a:t>
+            </a:r>
+            <a:r>
+              <a:rPr lang="fr-FR" sz="1100">
+                <a:latin typeface="Courier New"/>
+                <a:cs typeface="Courier New"/>
+              </a:rPr>
+              <a:t>()</a:t>
+            </a:r>
+            <a:endParaRPr/>
+          </a:p>
+          <a:p>
+            <a:pPr>
+              <a:defRPr/>
+            </a:pPr>
+            <a:r>
+              <a:rPr lang="fr-FR" sz="1100">
+                <a:latin typeface="Courier New"/>
+                <a:cs typeface="Courier New"/>
+              </a:rPr>
+              <a:t>    </a:t>
+            </a:r>
+            <a:r>
+              <a:rPr lang="fr-FR" sz="1100">
+                <a:latin typeface="Courier New"/>
+                <a:cs typeface="Courier New"/>
+              </a:rPr>
+              <a:t>time.sleep_ms</a:t>
+            </a:r>
+            <a:r>
+              <a:rPr lang="fr-FR" sz="1100">
+                <a:latin typeface="Courier New"/>
+                <a:cs typeface="Courier New"/>
+              </a:rPr>
+              <a:t>(</a:t>
+            </a:r>
+            <a:r>
+              <a:rPr lang="fr-FR" sz="1100">
+                <a:latin typeface="Courier New"/>
+                <a:cs typeface="Courier New"/>
+              </a:rPr>
+              <a:t>dt</a:t>
+            </a:r>
+            <a:r>
+              <a:rPr lang="fr-FR" sz="1100">
+                <a:latin typeface="Courier New"/>
+                <a:cs typeface="Courier New"/>
+              </a:rPr>
+              <a:t>)</a:t>
+            </a:r>
+            <a:endParaRPr/>
+          </a:p>
+          <a:p>
+            <a:pPr>
+              <a:defRPr/>
+            </a:pPr>
+            <a:endParaRPr lang="fr-FR" sz="1100">
+              <a:latin typeface="Courier New"/>
+              <a:cs typeface="Courier New"/>
+            </a:endParaRPr>
+          </a:p>
+          <a:p>
+            <a:pPr>
+              <a:defRPr/>
+            </a:pPr>
+            <a:r>
+              <a:rPr lang="fr-FR" sz="1100">
+                <a:latin typeface="Courier New"/>
+                <a:cs typeface="Courier New"/>
+              </a:rPr>
+              <a:t>np</a:t>
+            </a:r>
+            <a:r>
+              <a:rPr lang="fr-FR" sz="1100">
+                <a:latin typeface="Courier New"/>
+                <a:cs typeface="Courier New"/>
+              </a:rPr>
+              <a:t>[0] = (0, 0, 0)</a:t>
+            </a:r>
+            <a:endParaRPr/>
+          </a:p>
+          <a:p>
+            <a:pPr>
+              <a:defRPr/>
+            </a:pPr>
+            <a:r>
+              <a:rPr lang="fr-FR" sz="1100">
+                <a:latin typeface="Courier New"/>
+                <a:cs typeface="Courier New"/>
+              </a:rPr>
+              <a:t>np.write</a:t>
+            </a:r>
+            <a:r>
+              <a:rPr lang="fr-FR" sz="1100">
+                <a:latin typeface="Courier New"/>
+                <a:cs typeface="Courier New"/>
+              </a:rPr>
+              <a:t>()</a:t>
+            </a:r>
+            <a:endParaRPr lang="fr-FR" sz="1100">
+              <a:latin typeface="Courier New"/>
+              <a:cs typeface="Courier New"/>
+            </a:endParaRPr>
+          </a:p>
+        </p:txBody>
+      </p:sp>
+      <p:sp>
+        <p:nvSpPr>
+          <p:cNvPr id="6" name="Rectangle 5" hidden="0"/>
+          <p:cNvSpPr/>
+          <p:nvPr isPhoto="0" userDrawn="0"/>
+        </p:nvSpPr>
+        <p:spPr bwMode="auto">
+          <a:xfrm>
+            <a:off x="5669630" y="1387457"/>
+            <a:ext cx="3155872" cy="842034"/>
+          </a:xfrm>
+          <a:prstGeom prst="wedgeRectCallout">
+            <a:avLst>
+              <a:gd name="adj1" fmla="val -139170"/>
+              <a:gd name="adj2" fmla="val -23669"/>
+            </a:avLst>
+          </a:prstGeom>
+          <a:ln w="12700"/>
+        </p:spPr>
+        <p:style>
+          <a:lnRef idx="1">
+            <a:schemeClr val="accent4"/>
+          </a:lnRef>
+          <a:fillRef idx="2">
+            <a:schemeClr val="accent4"/>
+          </a:fillRef>
+          <a:effectRef idx="1">
+            <a:schemeClr val="accent4"/>
+          </a:effectRef>
+          <a:fontRef idx="minor">
+            <a:schemeClr val="dk1"/>
+          </a:fontRef>
+        </p:style>
+        <p:txBody>
+          <a:bodyPr rtlCol="0" anchor="ctr"/>
+          <a:lstStyle/>
+          <a:p>
+            <a:pPr algn="ctr">
+              <a:defRPr/>
+            </a:pPr>
+            <a:r>
+              <a:rPr lang="fr-FR"/>
+              <a:t>La librairie </a:t>
+            </a:r>
+            <a:r>
+              <a:rPr lang="fr-FR"/>
+              <a:t>Neopixel</a:t>
+            </a:r>
+            <a:r>
+              <a:rPr lang="fr-FR"/>
+              <a:t> fournit toutes les commandes pour piloter les diodes </a:t>
+            </a:r>
+            <a:r>
+              <a:rPr lang="fr-FR"/>
+              <a:t>Neopixel</a:t>
+            </a:r>
+            <a:endParaRPr lang="fr-FR"/>
+          </a:p>
+        </p:txBody>
+      </p:sp>
+      <p:sp>
+        <p:nvSpPr>
+          <p:cNvPr id="7" name="Rectangle 6" hidden="0"/>
+          <p:cNvSpPr/>
+          <p:nvPr isPhoto="0" userDrawn="0"/>
+        </p:nvSpPr>
+        <p:spPr bwMode="auto">
+          <a:xfrm>
+            <a:off x="3853029" y="2769696"/>
+            <a:ext cx="3155872" cy="842034"/>
+          </a:xfrm>
+          <a:prstGeom prst="wedgeRectCallout">
+            <a:avLst>
+              <a:gd name="adj1" fmla="val -121236"/>
+              <a:gd name="adj2" fmla="val -91544"/>
+            </a:avLst>
+          </a:prstGeom>
+          <a:ln w="12700"/>
+        </p:spPr>
+        <p:style>
+          <a:lnRef idx="1">
+            <a:schemeClr val="accent4"/>
+          </a:lnRef>
+          <a:fillRef idx="2">
+            <a:schemeClr val="accent4"/>
+          </a:fillRef>
+          <a:effectRef idx="1">
+            <a:schemeClr val="accent4"/>
+          </a:effectRef>
+          <a:fontRef idx="minor">
+            <a:schemeClr val="dk1"/>
+          </a:fontRef>
+        </p:style>
+        <p:txBody>
+          <a:bodyPr rtlCol="0" anchor="ctr"/>
+          <a:lstStyle/>
+          <a:p>
+            <a:pPr algn="ctr">
+              <a:defRPr/>
+            </a:pPr>
+            <a:r>
+              <a:rPr lang="fr-FR"/>
+              <a:t>Ainsi il suffit d’instancier un objet </a:t>
+            </a:r>
+            <a:r>
+              <a:rPr lang="fr-FR"/>
+              <a:t>neopixel</a:t>
+            </a:r>
+            <a:r>
+              <a:rPr lang="fr-FR"/>
+              <a:t> qui saura adresser les diodes </a:t>
+            </a:r>
+            <a:r>
+              <a:rPr lang="fr-FR"/>
+              <a:t>Neopixel</a:t>
+            </a:r>
+            <a:endParaRPr lang="fr-FR"/>
+          </a:p>
+        </p:txBody>
+      </p:sp>
+    </p:spTree>
+  </p:cSld>
+  <p:clrMapOvr>
+    <a:masterClrMapping/>
+  </p:clrMapOvr>
+  <mc:AlternateContent xmlns:mc="http://schemas.openxmlformats.org/markup-compatibility/2006">
+    <mc:Choice xmlns:p14="http://schemas.microsoft.com/office/powerpoint/2010/main" Requires="p14">
+      <p:transition p14:dur="2000" advClick="1"/>
+    </mc:Choice>
+    <mc:Fallback>
+      <p:transition advClick="1"/>
+    </mc:Fallback>
+  </mc:AlternateContent>
+</p:sld>
+</file>
+
+<file path=ppt/slides/slide12.xml><?xml version="1.0" encoding="utf-8"?>
+<p:sld xmlns:a="http://schemas.openxmlformats.org/drawingml/2006/main" xmlns:r="http://schemas.openxmlformats.org/officeDocument/2006/relationships" xmlns:p="http://schemas.openxmlformats.org/presentationml/2006/main" xmlns:m="http://schemas.openxmlformats.org/officeDocument/2006/math" xmlns:w="http://schemas.openxmlformats.org/wordprocessingml/2006/main" showMasterPhAnim="0" show="1">
+  <p:cSld name="">
+    <p:spTree>
+      <p:nvGrpSpPr>
+        <p:cNvPr id="1" name="" hidden="0"/>
+        <p:cNvGrpSpPr/>
+        <p:nvPr isPhoto="0" userDrawn="0"/>
+      </p:nvGrpSpPr>
+      <p:grpSpPr bwMode="auto">
+        <a:xfrm>
+          <a:off x="0" y="0"/>
+          <a:ext cx="0" cy="0"/>
+          <a:chOff x="0" y="0"/>
+          <a:chExt cx="0" cy="0"/>
+        </a:xfrm>
+      </p:grpSpPr>
+      <p:sp>
+        <p:nvSpPr>
+          <p:cNvPr id="2" name="Titre 1" hidden="0"/>
+          <p:cNvSpPr>
+            <a:spLocks noGrp="1"/>
+          </p:cNvSpPr>
+          <p:nvPr isPhoto="0" userDrawn="0">
+            <p:ph type="title" hasCustomPrompt="0"/>
+          </p:nvPr>
+        </p:nvSpPr>
+        <p:spPr bwMode="auto"/>
+        <p:txBody>
+          <a:bodyPr/>
+          <a:lstStyle/>
+          <a:p>
+            <a:pPr>
+              <a:defRPr/>
+            </a:pPr>
+            <a:r>
+              <a:rPr lang="fr-FR"/>
               <a:t>Serveur Web</a:t>
             </a:r>
             <a:endParaRPr lang="fr-FR"/>
@@ -5669,7 +7174,7 @@
 </p:sld>
 </file>
 
-<file path=ppt/slides/slide12.xml><?xml version="1.0" encoding="utf-8"?>
+<file path=ppt/slides/slide13.xml><?xml version="1.0" encoding="utf-8"?>
 <p:sld xmlns:a="http://schemas.openxmlformats.org/drawingml/2006/main" xmlns:r="http://schemas.openxmlformats.org/officeDocument/2006/relationships" xmlns:p="http://schemas.openxmlformats.org/presentationml/2006/main" xmlns:m="http://schemas.openxmlformats.org/officeDocument/2006/math" xmlns:w="http://schemas.openxmlformats.org/wordprocessingml/2006/main" showMasterPhAnim="0" show="1">
   <p:cSld name="">
     <p:spTree>
@@ -7220,7 +8725,914 @@
 </p:sld>
 </file>
 
+<file path=ppt/slides/slide14.xml><?xml version="1.0" encoding="utf-8"?>
+<p:sld xmlns:a="http://schemas.openxmlformats.org/drawingml/2006/main" xmlns:r="http://schemas.openxmlformats.org/officeDocument/2006/relationships" xmlns:p="http://schemas.openxmlformats.org/presentationml/2006/main" xmlns:m="http://schemas.openxmlformats.org/officeDocument/2006/math" xmlns:w="http://schemas.openxmlformats.org/wordprocessingml/2006/main" showMasterPhAnim="0" show="1">
+  <p:cSld name="">
+    <p:spTree>
+      <p:nvGrpSpPr>
+        <p:cNvPr id="1" name="" hidden="0"/>
+        <p:cNvGrpSpPr/>
+        <p:nvPr isPhoto="0" userDrawn="0"/>
+      </p:nvGrpSpPr>
+      <p:grpSpPr bwMode="auto">
+        <a:xfrm>
+          <a:off x="0" y="0"/>
+          <a:ext cx="0" cy="0"/>
+          <a:chOff x="0" y="0"/>
+          <a:chExt cx="0" cy="0"/>
+        </a:xfrm>
+      </p:grpSpPr>
+      <p:sp>
+        <p:nvSpPr>
+          <p:cNvPr id="1982086114" name="Titre 1" hidden="0"/>
+          <p:cNvSpPr>
+            <a:spLocks noGrp="1"/>
+          </p:cNvSpPr>
+          <p:nvPr isPhoto="0" userDrawn="0">
+            <p:ph type="ctrTitle" hasCustomPrompt="0"/>
+          </p:nvPr>
+        </p:nvSpPr>
+        <p:spPr bwMode="auto">
+          <a:xfrm>
+            <a:off x="3267074" y="114645"/>
+            <a:ext cx="9144000" cy="2387599"/>
+          </a:xfrm>
+        </p:spPr>
+        <p:txBody>
+          <a:bodyPr vertOverflow="overflow" horzOverflow="clip" vert="horz" wrap="square" lIns="91440" tIns="45720" rIns="91440" bIns="45720" numCol="1" spcCol="0" rtlCol="0" fromWordArt="0" anchor="b" anchorCtr="0" forceAA="0" upright="0" compatLnSpc="0">
+            <a:normAutofit fontScale="95000" lnSpcReduction="1000"/>
+          </a:bodyPr>
+          <a:lstStyle/>
+          <a:p>
+            <a:pPr>
+              <a:defRPr/>
+            </a:pPr>
+            <a:r>
+              <a:rPr lang="fr-FR"/>
+              <a:t>microPython</a:t>
+            </a:r>
+            <a:br>
+              <a:rPr lang="fr-FR"/>
+            </a:br>
+            <a:r>
+              <a:rPr lang="fr-FR"/>
+              <a:t>sur github anumby et arnaudrco</a:t>
+            </a:r>
+            <a:endParaRPr lang="fr-FR"/>
+          </a:p>
+        </p:txBody>
+      </p:sp>
+      <p:sp>
+        <p:nvSpPr>
+          <p:cNvPr id="673709878" name="" hidden="0"/>
+          <p:cNvSpPr/>
+          <p:nvPr isPhoto="0" userDrawn="0"/>
+        </p:nvSpPr>
+        <p:spPr bwMode="auto">
+          <a:xfrm>
+            <a:off x="5968559" y="3291840"/>
+            <a:ext cx="254916" cy="365795"/>
+          </a:xfrm>
+        </p:spPr>
+        <p:txBody>
+          <a:bodyPr rot="0" spcFirstLastPara="0" vertOverflow="overflow" horzOverflow="clip" vert="horz" wrap="square" lIns="91440" tIns="45720" rIns="91440" bIns="45720" numCol="1" spcCol="0" rtlCol="0" fromWordArt="0" anchor="t" anchorCtr="0" forceAA="0" upright="0" compatLnSpc="1">
+            <a:prstTxWarp prst="textNoShape"/>
+            <a:spAutoFit/>
+          </a:bodyPr>
+          <a:p>
+            <a:pPr>
+              <a:defRPr/>
+            </a:pPr>
+            <a:endParaRPr/>
+          </a:p>
+        </p:txBody>
+      </p:sp>
+      <p:pic>
+        <p:nvPicPr>
+          <p:cNvPr id="2020390821" name="" hidden="0"/>
+          <p:cNvPicPr>
+            <a:picLocks noChangeAspect="1"/>
+          </p:cNvPicPr>
+          <p:nvPr isPhoto="0" userDrawn="0"/>
+        </p:nvPicPr>
+        <p:blipFill>
+          <a:blip r:embed="rId2"/>
+          <a:stretch/>
+        </p:blipFill>
+        <p:spPr bwMode="auto">
+          <a:xfrm>
+            <a:off x="0" y="0"/>
+            <a:ext cx="3267074" cy="1990724"/>
+          </a:xfrm>
+          <a:prstGeom prst="rect">
+            <a:avLst/>
+          </a:prstGeom>
+        </p:spPr>
+      </p:pic>
+      <p:sp>
+        <p:nvSpPr>
+          <p:cNvPr id="1320092380" name="Espace réservé du contenu 2" hidden="0"/>
+          <p:cNvSpPr>
+            <a:spLocks noGrp="1"/>
+          </p:cNvSpPr>
+          <p:nvPr isPhoto="0" userDrawn="0"/>
+        </p:nvSpPr>
+        <p:spPr bwMode="auto">
+          <a:xfrm>
+            <a:off x="589721" y="2640081"/>
+            <a:ext cx="10515600" cy="4351338"/>
+          </a:xfrm>
+        </p:spPr>
+        <p:txBody>
+          <a:bodyPr vertOverflow="overflow" horzOverflow="clip" vert="horz" wrap="square" lIns="91440" tIns="45720" rIns="91440" bIns="45720" numCol="1" spcCol="0" rtlCol="0" fromWordArt="0" anchor="t" anchorCtr="0" forceAA="0" upright="0" compatLnSpc="0">
+            <a:normAutofit fontScale="95000" lnSpcReduction="1000"/>
+          </a:bodyPr>
+          <a:lstStyle>
+            <a:lvl1pPr marL="0" indent="0" algn="ctr" defTabSz="914400">
+              <a:lnSpc>
+                <a:spcPct val="90000"/>
+              </a:lnSpc>
+              <a:spcBef>
+                <a:spcPts val="999"/>
+              </a:spcBef>
+              <a:buFont typeface="Arial"/>
+              <a:buNone/>
+              <a:defRPr sz="2400">
+                <a:solidFill>
+                  <a:schemeClr val="tx1"/>
+                </a:solidFill>
+                <a:latin typeface="+mn-lt"/>
+                <a:ea typeface="+mn-ea"/>
+                <a:cs typeface="+mn-cs"/>
+              </a:defRPr>
+            </a:lvl1pPr>
+            <a:lvl2pPr marL="457200" indent="0" algn="ctr" defTabSz="914400">
+              <a:lnSpc>
+                <a:spcPct val="90000"/>
+              </a:lnSpc>
+              <a:spcBef>
+                <a:spcPts val="499"/>
+              </a:spcBef>
+              <a:buFont typeface="Arial"/>
+              <a:buNone/>
+              <a:defRPr sz="2000">
+                <a:solidFill>
+                  <a:schemeClr val="tx1"/>
+                </a:solidFill>
+                <a:latin typeface="+mn-lt"/>
+                <a:ea typeface="+mn-ea"/>
+                <a:cs typeface="+mn-cs"/>
+              </a:defRPr>
+            </a:lvl2pPr>
+            <a:lvl3pPr marL="914400" indent="0" algn="ctr" defTabSz="914400">
+              <a:lnSpc>
+                <a:spcPct val="90000"/>
+              </a:lnSpc>
+              <a:spcBef>
+                <a:spcPts val="499"/>
+              </a:spcBef>
+              <a:buFont typeface="Arial"/>
+              <a:buNone/>
+              <a:defRPr sz="1800">
+                <a:solidFill>
+                  <a:schemeClr val="tx1"/>
+                </a:solidFill>
+                <a:latin typeface="+mn-lt"/>
+                <a:ea typeface="+mn-ea"/>
+                <a:cs typeface="+mn-cs"/>
+              </a:defRPr>
+            </a:lvl3pPr>
+            <a:lvl4pPr marL="1371600" indent="0" algn="ctr" defTabSz="914400">
+              <a:lnSpc>
+                <a:spcPct val="90000"/>
+              </a:lnSpc>
+              <a:spcBef>
+                <a:spcPts val="499"/>
+              </a:spcBef>
+              <a:buFont typeface="Arial"/>
+              <a:buNone/>
+              <a:defRPr sz="1600">
+                <a:solidFill>
+                  <a:schemeClr val="tx1"/>
+                </a:solidFill>
+                <a:latin typeface="+mn-lt"/>
+                <a:ea typeface="+mn-ea"/>
+                <a:cs typeface="+mn-cs"/>
+              </a:defRPr>
+            </a:lvl4pPr>
+            <a:lvl5pPr marL="1828800" indent="0" algn="ctr" defTabSz="914400">
+              <a:lnSpc>
+                <a:spcPct val="90000"/>
+              </a:lnSpc>
+              <a:spcBef>
+                <a:spcPts val="499"/>
+              </a:spcBef>
+              <a:buFont typeface="Arial"/>
+              <a:buNone/>
+              <a:defRPr sz="1600">
+                <a:solidFill>
+                  <a:schemeClr val="tx1"/>
+                </a:solidFill>
+                <a:latin typeface="+mn-lt"/>
+                <a:ea typeface="+mn-ea"/>
+                <a:cs typeface="+mn-cs"/>
+              </a:defRPr>
+            </a:lvl5pPr>
+            <a:lvl6pPr marL="2286000" indent="0" algn="ctr" defTabSz="914400">
+              <a:lnSpc>
+                <a:spcPct val="90000"/>
+              </a:lnSpc>
+              <a:spcBef>
+                <a:spcPts val="499"/>
+              </a:spcBef>
+              <a:buFont typeface="Arial"/>
+              <a:buNone/>
+              <a:defRPr sz="1600">
+                <a:solidFill>
+                  <a:schemeClr val="tx1"/>
+                </a:solidFill>
+                <a:latin typeface="+mn-lt"/>
+                <a:ea typeface="+mn-ea"/>
+                <a:cs typeface="+mn-cs"/>
+              </a:defRPr>
+            </a:lvl6pPr>
+            <a:lvl7pPr marL="2743200" indent="0" algn="ctr" defTabSz="914400">
+              <a:lnSpc>
+                <a:spcPct val="90000"/>
+              </a:lnSpc>
+              <a:spcBef>
+                <a:spcPts val="499"/>
+              </a:spcBef>
+              <a:buFont typeface="Arial"/>
+              <a:buNone/>
+              <a:defRPr sz="1600">
+                <a:solidFill>
+                  <a:schemeClr val="tx1"/>
+                </a:solidFill>
+                <a:latin typeface="+mn-lt"/>
+                <a:ea typeface="+mn-ea"/>
+                <a:cs typeface="+mn-cs"/>
+              </a:defRPr>
+            </a:lvl7pPr>
+            <a:lvl8pPr marL="3200400" indent="0" algn="ctr" defTabSz="914400">
+              <a:lnSpc>
+                <a:spcPct val="90000"/>
+              </a:lnSpc>
+              <a:spcBef>
+                <a:spcPts val="499"/>
+              </a:spcBef>
+              <a:buFont typeface="Arial"/>
+              <a:buNone/>
+              <a:defRPr sz="1600">
+                <a:solidFill>
+                  <a:schemeClr val="tx1"/>
+                </a:solidFill>
+                <a:latin typeface="+mn-lt"/>
+                <a:ea typeface="+mn-ea"/>
+                <a:cs typeface="+mn-cs"/>
+              </a:defRPr>
+            </a:lvl8pPr>
+            <a:lvl9pPr marL="3657600" indent="0" algn="ctr" defTabSz="914400">
+              <a:lnSpc>
+                <a:spcPct val="90000"/>
+              </a:lnSpc>
+              <a:spcBef>
+                <a:spcPts val="499"/>
+              </a:spcBef>
+              <a:buFont typeface="Arial"/>
+              <a:buNone/>
+              <a:defRPr sz="1600">
+                <a:solidFill>
+                  <a:schemeClr val="tx1"/>
+                </a:solidFill>
+                <a:latin typeface="+mn-lt"/>
+                <a:ea typeface="+mn-ea"/>
+                <a:cs typeface="+mn-cs"/>
+              </a:defRPr>
+            </a:lvl9pPr>
+          </a:lstStyle>
+          <a:p>
+            <a:pPr>
+              <a:defRPr/>
+            </a:pPr>
+            <a:r>
+              <a:rPr lang="fr-FR" sz="2200" b="0" i="0" u="none" strike="noStrike" cap="none" spc="0">
+                <a:solidFill>
+                  <a:schemeClr val="tx1"/>
+                </a:solidFill>
+                <a:latin typeface="Calibri"/>
+                <a:ea typeface="Calibri"/>
+                <a:cs typeface="Calibri"/>
+              </a:rPr>
+              <a:t>Développement voiture</a:t>
+            </a:r>
+            <a:r>
+              <a:rPr lang="fr-FR" sz="2200" b="0" i="0" u="none" strike="noStrike" cap="none" spc="0">
+                <a:solidFill>
+                  <a:schemeClr val="tx1"/>
+                </a:solidFill>
+                <a:latin typeface="Calibri"/>
+                <a:ea typeface="Calibri"/>
+                <a:cs typeface="Calibri"/>
+              </a:rPr>
+              <a:t> Anumby</a:t>
+            </a:r>
+            <a:endParaRPr sz="2200" b="0" i="0" u="none" strike="noStrike" cap="none" spc="0">
+              <a:solidFill>
+                <a:schemeClr val="tx1"/>
+              </a:solidFill>
+              <a:latin typeface="Calibri"/>
+              <a:ea typeface="Calibri"/>
+              <a:cs typeface="Calibri"/>
+            </a:endParaRPr>
+          </a:p>
+          <a:p>
+            <a:pPr>
+              <a:defRPr/>
+            </a:pPr>
+            <a:r>
+              <a:rPr lang="fr-FR" sz="2200" b="0" i="0" u="sng" strike="noStrike" cap="none" spc="0">
+                <a:latin typeface="Calibri"/>
+                <a:ea typeface="Calibri"/>
+                <a:cs typeface="Calibri"/>
+                <a:hlinkClick r:id="rId3" tooltip="https://github.com/anumby-source/developpement-voiture/wiki#developpement-voiture"/>
+              </a:rPr>
+              <a:t>https://github.com/anumby-source/developpement-voiture/wiki#developpement-voiture</a:t>
+            </a:r>
+            <a:endParaRPr sz="2200" b="0" i="0" u="none" strike="noStrike" cap="none" spc="0">
+              <a:solidFill>
+                <a:schemeClr val="tx1"/>
+              </a:solidFill>
+              <a:latin typeface="Calibri"/>
+              <a:ea typeface="Calibri"/>
+              <a:cs typeface="Calibri"/>
+            </a:endParaRPr>
+          </a:p>
+          <a:p>
+            <a:pPr>
+              <a:defRPr/>
+            </a:pPr>
+            <a:r>
+              <a:rPr lang="fr-FR" sz="2200" b="0" i="0" u="none" strike="noStrike" cap="none" spc="0">
+                <a:solidFill>
+                  <a:schemeClr val="tx1"/>
+                </a:solidFill>
+                <a:latin typeface="Calibri"/>
+                <a:ea typeface="Calibri"/>
+                <a:cs typeface="Calibri"/>
+              </a:rPr>
+              <a:t>Environnement IA pour K210 (MAIXPY)</a:t>
+            </a:r>
+            <a:endParaRPr sz="2200" b="0" i="0" u="none" strike="noStrike" cap="none" spc="0">
+              <a:solidFill>
+                <a:schemeClr val="tx1"/>
+              </a:solidFill>
+              <a:latin typeface="Calibri"/>
+              <a:ea typeface="Calibri"/>
+              <a:cs typeface="Calibri"/>
+            </a:endParaRPr>
+          </a:p>
+          <a:p>
+            <a:pPr>
+              <a:defRPr/>
+            </a:pPr>
+            <a:r>
+              <a:rPr lang="fr-FR" sz="2200" b="0" i="0" u="sng" strike="noStrike" cap="none" spc="0">
+                <a:latin typeface="Calibri"/>
+                <a:ea typeface="Calibri"/>
+                <a:cs typeface="Calibri"/>
+                <a:hlinkClick r:id="rId4" tooltip="https://github.com/anumby-source/developpement-voiture/wiki/d%C3%A9veloppement-IA-en-python"/>
+              </a:rPr>
+              <a:t>https://github.com/anumby-source/developpement-voiture/wiki/d%C3%A9veloppement-IA-en-python</a:t>
+            </a:r>
+            <a:endParaRPr sz="2200" b="0" i="0" u="none" strike="noStrike" cap="none" spc="0">
+              <a:solidFill>
+                <a:schemeClr val="tx1"/>
+              </a:solidFill>
+              <a:latin typeface="Calibri"/>
+              <a:ea typeface="Calibri"/>
+              <a:cs typeface="Calibri"/>
+            </a:endParaRPr>
+          </a:p>
+          <a:p>
+            <a:pPr>
+              <a:defRPr/>
+            </a:pPr>
+            <a:r>
+              <a:rPr lang="fr-FR" sz="2200" b="0" i="0" u="none" strike="noStrike" cap="none" spc="0">
+                <a:solidFill>
+                  <a:schemeClr val="tx1"/>
+                </a:solidFill>
+                <a:latin typeface="Calibri"/>
+                <a:ea typeface="Calibri"/>
+                <a:cs typeface="Calibri"/>
+              </a:rPr>
+              <a:t>TP CROUS sur esp</a:t>
+            </a:r>
+            <a:endParaRPr sz="2200" b="0" i="0" u="none" strike="noStrike" cap="none" spc="0">
+              <a:solidFill>
+                <a:schemeClr val="tx1"/>
+              </a:solidFill>
+              <a:latin typeface="Calibri"/>
+              <a:ea typeface="Calibri"/>
+              <a:cs typeface="Calibri"/>
+            </a:endParaRPr>
+          </a:p>
+          <a:p>
+            <a:pPr>
+              <a:defRPr/>
+            </a:pPr>
+            <a:r>
+              <a:rPr lang="fr-FR" sz="2200" b="0" i="0" u="sng" strike="noStrike" cap="none" spc="0">
+                <a:latin typeface="Calibri"/>
+                <a:ea typeface="Calibri"/>
+                <a:cs typeface="Calibri"/>
+                <a:hlinkClick r:id="rId5" tooltip="https://github.com/arnaudrco/CROUS-micro-python/wiki"/>
+              </a:rPr>
+              <a:t>https://github.com/arnaudrco/CROUS-micro-python/wiki</a:t>
+            </a:r>
+            <a:endParaRPr sz="2200" b="0" i="0" u="none" strike="noStrike" cap="none" spc="0">
+              <a:solidFill>
+                <a:schemeClr val="tx1"/>
+              </a:solidFill>
+              <a:latin typeface="Calibri"/>
+              <a:ea typeface="Calibri"/>
+              <a:cs typeface="Calibri"/>
+            </a:endParaRPr>
+          </a:p>
+          <a:p>
+            <a:pPr>
+              <a:defRPr/>
+            </a:pPr>
+            <a:r>
+              <a:rPr lang="fr-FR" sz="2200" b="0" i="0" u="none" strike="noStrike" cap="none" spc="0">
+                <a:solidFill>
+                  <a:schemeClr val="tx1"/>
+                </a:solidFill>
+                <a:latin typeface="Calibri"/>
+                <a:ea typeface="Calibri"/>
+                <a:cs typeface="Calibri"/>
+              </a:rPr>
+              <a:t>TP sur RASPERRYPICO</a:t>
+            </a:r>
+            <a:endParaRPr sz="2200" b="0" i="0" u="none" strike="noStrike" cap="none" spc="0">
+              <a:solidFill>
+                <a:schemeClr val="tx1"/>
+              </a:solidFill>
+              <a:latin typeface="Calibri"/>
+              <a:ea typeface="Calibri"/>
+              <a:cs typeface="Calibri"/>
+            </a:endParaRPr>
+          </a:p>
+          <a:p>
+            <a:pPr>
+              <a:defRPr/>
+            </a:pPr>
+            <a:r>
+              <a:rPr lang="fr-FR" sz="2200" b="0" i="0" u="sng" strike="noStrike" cap="none" spc="0">
+                <a:latin typeface="Calibri"/>
+                <a:ea typeface="Calibri"/>
+                <a:cs typeface="Calibri"/>
+                <a:hlinkClick r:id="rId6" tooltip="https://github.com/anumby-source/raspberry-pico/wiki"/>
+              </a:rPr>
+              <a:t>https://github.com/anumby-source/raspberry-pico/wiki</a:t>
+            </a:r>
+            <a:endParaRPr lang="fr-FR" sz="2200" b="0" i="0" u="none" strike="noStrike" cap="none" spc="0">
+              <a:solidFill>
+                <a:schemeClr val="tx1"/>
+              </a:solidFill>
+              <a:latin typeface="Calibri"/>
+              <a:ea typeface="Calibri"/>
+              <a:cs typeface="Calibri"/>
+            </a:endParaRPr>
+          </a:p>
+          <a:p>
+            <a:pPr>
+              <a:defRPr/>
+            </a:pPr>
+            <a:r>
+              <a:rPr lang="fr-FR" sz="2200" b="0" i="0" u="none" strike="noStrike" cap="none" spc="0">
+                <a:solidFill>
+                  <a:schemeClr val="tx1"/>
+                </a:solidFill>
+                <a:latin typeface="Calibri"/>
+                <a:ea typeface="Calibri"/>
+                <a:cs typeface="Calibri"/>
+              </a:rPr>
+              <a:t>[...]</a:t>
+            </a:r>
+            <a:endParaRPr lang="fr-FR" sz="2200" b="0" i="0" u="none" strike="noStrike" cap="none" spc="0">
+              <a:solidFill>
+                <a:schemeClr val="tx1"/>
+              </a:solidFill>
+              <a:latin typeface="Calibri"/>
+              <a:ea typeface="Calibri"/>
+              <a:cs typeface="Calibri"/>
+            </a:endParaRPr>
+          </a:p>
+          <a:p>
+            <a:pPr lvl="1">
+              <a:defRPr/>
+            </a:pPr>
+            <a:endParaRPr lang="fr-FR"/>
+          </a:p>
+          <a:p>
+            <a:pPr>
+              <a:defRPr/>
+            </a:pPr>
+            <a:endParaRPr lang="fr-FR"/>
+          </a:p>
+        </p:txBody>
+      </p:sp>
+    </p:spTree>
+  </p:cSld>
+  <p:clrMapOvr>
+    <a:masterClrMapping/>
+  </p:clrMapOvr>
+  <mc:AlternateContent xmlns:mc="http://schemas.openxmlformats.org/markup-compatibility/2006">
+    <mc:Choice xmlns:p14="http://schemas.microsoft.com/office/powerpoint/2010/main" Requires="p14">
+      <p:transition p14:dur="2000" advClick="1"/>
+    </mc:Choice>
+    <mc:Fallback>
+      <p:transition advClick="1"/>
+    </mc:Fallback>
+  </mc:AlternateContent>
+</p:sld>
+</file>
+
 <file path=ppt/slides/slide2.xml><?xml version="1.0" encoding="utf-8"?>
+<p:sld xmlns:a="http://schemas.openxmlformats.org/drawingml/2006/main" xmlns:r="http://schemas.openxmlformats.org/officeDocument/2006/relationships" xmlns:p="http://schemas.openxmlformats.org/presentationml/2006/main" xmlns:m="http://schemas.openxmlformats.org/officeDocument/2006/math" xmlns:w="http://schemas.openxmlformats.org/wordprocessingml/2006/main" showMasterPhAnim="0" show="1">
+  <p:cSld name="">
+    <p:spTree>
+      <p:nvGrpSpPr>
+        <p:cNvPr id="1" name="" hidden="0"/>
+        <p:cNvGrpSpPr/>
+        <p:nvPr isPhoto="0" userDrawn="0"/>
+      </p:nvGrpSpPr>
+      <p:grpSpPr bwMode="auto">
+        <a:xfrm>
+          <a:off x="0" y="0"/>
+          <a:ext cx="0" cy="0"/>
+          <a:chOff x="0" y="0"/>
+          <a:chExt cx="0" cy="0"/>
+        </a:xfrm>
+      </p:grpSpPr>
+      <p:sp>
+        <p:nvSpPr>
+          <p:cNvPr id="956233108" name="Titre 1" hidden="0"/>
+          <p:cNvSpPr>
+            <a:spLocks noGrp="1"/>
+          </p:cNvSpPr>
+          <p:nvPr isPhoto="0" userDrawn="0">
+            <p:ph type="ctrTitle" hasCustomPrompt="0"/>
+          </p:nvPr>
+        </p:nvSpPr>
+        <p:spPr bwMode="auto">
+          <a:xfrm>
+            <a:off x="3267074" y="114645"/>
+            <a:ext cx="9144000" cy="2387599"/>
+          </a:xfrm>
+        </p:spPr>
+        <p:txBody>
+          <a:bodyPr/>
+          <a:lstStyle/>
+          <a:p>
+            <a:pPr>
+              <a:defRPr/>
+            </a:pPr>
+            <a:r>
+              <a:rPr lang="fr-FR"/>
+              <a:t>Pourquoi microPython</a:t>
+            </a:r>
+            <a:br>
+              <a:rPr lang="fr-FR"/>
+            </a:br>
+            <a:r>
+              <a:rPr lang="fr-FR"/>
+              <a:t>sur ESP</a:t>
+            </a:r>
+            <a:endParaRPr lang="fr-FR"/>
+          </a:p>
+        </p:txBody>
+      </p:sp>
+      <p:sp>
+        <p:nvSpPr>
+          <p:cNvPr id="301704135" name="" hidden="0"/>
+          <p:cNvSpPr/>
+          <p:nvPr isPhoto="0" userDrawn="0"/>
+        </p:nvSpPr>
+        <p:spPr bwMode="auto">
+          <a:xfrm>
+            <a:off x="5968559" y="3291840"/>
+            <a:ext cx="254916" cy="365795"/>
+          </a:xfrm>
+        </p:spPr>
+        <p:txBody>
+          <a:bodyPr rot="0" spcFirstLastPara="0" vertOverflow="overflow" horzOverflow="clip" vert="horz" wrap="square" lIns="91440" tIns="45720" rIns="91440" bIns="45720" numCol="1" spcCol="0" rtlCol="0" fromWordArt="0" anchor="t" anchorCtr="0" forceAA="0" upright="0" compatLnSpc="1">
+            <a:prstTxWarp prst="textNoShape"/>
+            <a:spAutoFit/>
+          </a:bodyPr>
+          <a:p>
+            <a:pPr>
+              <a:defRPr/>
+            </a:pPr>
+            <a:endParaRPr/>
+          </a:p>
+        </p:txBody>
+      </p:sp>
+      <p:pic>
+        <p:nvPicPr>
+          <p:cNvPr id="238491122" name="" hidden="0"/>
+          <p:cNvPicPr>
+            <a:picLocks noChangeAspect="1"/>
+          </p:cNvPicPr>
+          <p:nvPr isPhoto="0" userDrawn="0"/>
+        </p:nvPicPr>
+        <p:blipFill>
+          <a:blip r:embed="rId2"/>
+          <a:stretch/>
+        </p:blipFill>
+        <p:spPr bwMode="auto">
+          <a:xfrm>
+            <a:off x="0" y="0"/>
+            <a:ext cx="3267074" cy="1990724"/>
+          </a:xfrm>
+          <a:prstGeom prst="rect">
+            <a:avLst/>
+          </a:prstGeom>
+        </p:spPr>
+      </p:pic>
+      <p:sp>
+        <p:nvSpPr>
+          <p:cNvPr id="49777635" name="Espace réservé du contenu 2" hidden="0"/>
+          <p:cNvSpPr>
+            <a:spLocks noGrp="1"/>
+          </p:cNvSpPr>
+          <p:nvPr isPhoto="0" userDrawn="0"/>
+        </p:nvSpPr>
+        <p:spPr bwMode="auto">
+          <a:xfrm>
+            <a:off x="589721" y="2640081"/>
+            <a:ext cx="10515600" cy="4351338"/>
+          </a:xfrm>
+        </p:spPr>
+        <p:txBody>
+          <a:bodyPr vert="horz" lIns="91440" tIns="45720" rIns="91440" bIns="45720" rtlCol="0">
+            <a:normAutofit/>
+          </a:bodyPr>
+          <a:lstStyle>
+            <a:lvl1pPr marL="0" indent="0" algn="ctr" defTabSz="914400">
+              <a:lnSpc>
+                <a:spcPct val="90000"/>
+              </a:lnSpc>
+              <a:spcBef>
+                <a:spcPts val="999"/>
+              </a:spcBef>
+              <a:buFont typeface="Arial"/>
+              <a:buNone/>
+              <a:defRPr sz="2400">
+                <a:solidFill>
+                  <a:schemeClr val="tx1"/>
+                </a:solidFill>
+                <a:latin typeface="+mn-lt"/>
+                <a:ea typeface="+mn-ea"/>
+                <a:cs typeface="+mn-cs"/>
+              </a:defRPr>
+            </a:lvl1pPr>
+            <a:lvl2pPr marL="457200" indent="0" algn="ctr" defTabSz="914400">
+              <a:lnSpc>
+                <a:spcPct val="90000"/>
+              </a:lnSpc>
+              <a:spcBef>
+                <a:spcPts val="499"/>
+              </a:spcBef>
+              <a:buFont typeface="Arial"/>
+              <a:buNone/>
+              <a:defRPr sz="2000">
+                <a:solidFill>
+                  <a:schemeClr val="tx1"/>
+                </a:solidFill>
+                <a:latin typeface="+mn-lt"/>
+                <a:ea typeface="+mn-ea"/>
+                <a:cs typeface="+mn-cs"/>
+              </a:defRPr>
+            </a:lvl2pPr>
+            <a:lvl3pPr marL="914400" indent="0" algn="ctr" defTabSz="914400">
+              <a:lnSpc>
+                <a:spcPct val="90000"/>
+              </a:lnSpc>
+              <a:spcBef>
+                <a:spcPts val="499"/>
+              </a:spcBef>
+              <a:buFont typeface="Arial"/>
+              <a:buNone/>
+              <a:defRPr sz="1800">
+                <a:solidFill>
+                  <a:schemeClr val="tx1"/>
+                </a:solidFill>
+                <a:latin typeface="+mn-lt"/>
+                <a:ea typeface="+mn-ea"/>
+                <a:cs typeface="+mn-cs"/>
+              </a:defRPr>
+            </a:lvl3pPr>
+            <a:lvl4pPr marL="1371600" indent="0" algn="ctr" defTabSz="914400">
+              <a:lnSpc>
+                <a:spcPct val="90000"/>
+              </a:lnSpc>
+              <a:spcBef>
+                <a:spcPts val="499"/>
+              </a:spcBef>
+              <a:buFont typeface="Arial"/>
+              <a:buNone/>
+              <a:defRPr sz="1600">
+                <a:solidFill>
+                  <a:schemeClr val="tx1"/>
+                </a:solidFill>
+                <a:latin typeface="+mn-lt"/>
+                <a:ea typeface="+mn-ea"/>
+                <a:cs typeface="+mn-cs"/>
+              </a:defRPr>
+            </a:lvl4pPr>
+            <a:lvl5pPr marL="1828800" indent="0" algn="ctr" defTabSz="914400">
+              <a:lnSpc>
+                <a:spcPct val="90000"/>
+              </a:lnSpc>
+              <a:spcBef>
+                <a:spcPts val="499"/>
+              </a:spcBef>
+              <a:buFont typeface="Arial"/>
+              <a:buNone/>
+              <a:defRPr sz="1600">
+                <a:solidFill>
+                  <a:schemeClr val="tx1"/>
+                </a:solidFill>
+                <a:latin typeface="+mn-lt"/>
+                <a:ea typeface="+mn-ea"/>
+                <a:cs typeface="+mn-cs"/>
+              </a:defRPr>
+            </a:lvl5pPr>
+            <a:lvl6pPr marL="2286000" indent="0" algn="ctr" defTabSz="914400">
+              <a:lnSpc>
+                <a:spcPct val="90000"/>
+              </a:lnSpc>
+              <a:spcBef>
+                <a:spcPts val="499"/>
+              </a:spcBef>
+              <a:buFont typeface="Arial"/>
+              <a:buNone/>
+              <a:defRPr sz="1600">
+                <a:solidFill>
+                  <a:schemeClr val="tx1"/>
+                </a:solidFill>
+                <a:latin typeface="+mn-lt"/>
+                <a:ea typeface="+mn-ea"/>
+                <a:cs typeface="+mn-cs"/>
+              </a:defRPr>
+            </a:lvl6pPr>
+            <a:lvl7pPr marL="2743200" indent="0" algn="ctr" defTabSz="914400">
+              <a:lnSpc>
+                <a:spcPct val="90000"/>
+              </a:lnSpc>
+              <a:spcBef>
+                <a:spcPts val="499"/>
+              </a:spcBef>
+              <a:buFont typeface="Arial"/>
+              <a:buNone/>
+              <a:defRPr sz="1600">
+                <a:solidFill>
+                  <a:schemeClr val="tx1"/>
+                </a:solidFill>
+                <a:latin typeface="+mn-lt"/>
+                <a:ea typeface="+mn-ea"/>
+                <a:cs typeface="+mn-cs"/>
+              </a:defRPr>
+            </a:lvl7pPr>
+            <a:lvl8pPr marL="3200400" indent="0" algn="ctr" defTabSz="914400">
+              <a:lnSpc>
+                <a:spcPct val="90000"/>
+              </a:lnSpc>
+              <a:spcBef>
+                <a:spcPts val="499"/>
+              </a:spcBef>
+              <a:buFont typeface="Arial"/>
+              <a:buNone/>
+              <a:defRPr sz="1600">
+                <a:solidFill>
+                  <a:schemeClr val="tx1"/>
+                </a:solidFill>
+                <a:latin typeface="+mn-lt"/>
+                <a:ea typeface="+mn-ea"/>
+                <a:cs typeface="+mn-cs"/>
+              </a:defRPr>
+            </a:lvl8pPr>
+            <a:lvl9pPr marL="3657600" indent="0" algn="ctr" defTabSz="914400">
+              <a:lnSpc>
+                <a:spcPct val="90000"/>
+              </a:lnSpc>
+              <a:spcBef>
+                <a:spcPts val="499"/>
+              </a:spcBef>
+              <a:buFont typeface="Arial"/>
+              <a:buNone/>
+              <a:defRPr sz="1600">
+                <a:solidFill>
+                  <a:schemeClr val="tx1"/>
+                </a:solidFill>
+                <a:latin typeface="+mn-lt"/>
+                <a:ea typeface="+mn-ea"/>
+                <a:cs typeface="+mn-cs"/>
+              </a:defRPr>
+            </a:lvl9pPr>
+          </a:lstStyle>
+          <a:p>
+            <a:pPr lvl="1">
+              <a:defRPr/>
+            </a:pPr>
+            <a:endParaRPr lang="fr-FR"/>
+          </a:p>
+          <a:p>
+            <a:pPr>
+              <a:defRPr/>
+            </a:pPr>
+            <a:r>
+              <a:rPr lang="fr-FR"/>
+              <a:t>Facilité de prototypage </a:t>
+            </a:r>
+            <a:endParaRPr lang="fr-FR"/>
+          </a:p>
+          <a:p>
+            <a:pPr>
+              <a:defRPr/>
+            </a:pPr>
+            <a:r>
+              <a:rPr lang="fr-FR"/>
+              <a:t>ESP répond sur une console arduino en ligne de commande</a:t>
+            </a:r>
+            <a:endParaRPr lang="fr-FR"/>
+          </a:p>
+          <a:p>
+            <a:pPr>
+              <a:defRPr/>
+            </a:pPr>
+            <a:endParaRPr/>
+          </a:p>
+          <a:p>
+            <a:pPr>
+              <a:defRPr/>
+            </a:pPr>
+            <a:r>
+              <a:rPr lang="fr-FR"/>
+              <a:t>Disponibilité d’un environnement IA pour K210 (MAIXPY)</a:t>
+            </a:r>
+            <a:endParaRPr lang="fr-FR"/>
+          </a:p>
+          <a:p>
+            <a:pPr>
+              <a:defRPr/>
+            </a:pPr>
+            <a:endParaRPr lang="fr-FR"/>
+          </a:p>
+          <a:p>
+            <a:pPr>
+              <a:defRPr/>
+            </a:pPr>
+            <a:r>
+              <a:rPr lang="fr-FR"/>
+              <a:t>Python utilisé par les élèves et les étudiants</a:t>
+            </a:r>
+            <a:endParaRPr lang="fr-FR"/>
+          </a:p>
+          <a:p>
+            <a:pPr lvl="1">
+              <a:defRPr/>
+            </a:pPr>
+            <a:endParaRPr lang="fr-FR"/>
+          </a:p>
+          <a:p>
+            <a:pPr>
+              <a:defRPr/>
+            </a:pPr>
+            <a:endParaRPr lang="fr-FR"/>
+          </a:p>
+        </p:txBody>
+      </p:sp>
+    </p:spTree>
+  </p:cSld>
+  <p:clrMapOvr>
+    <a:masterClrMapping/>
+  </p:clrMapOvr>
+  <mc:AlternateContent xmlns:mc="http://schemas.openxmlformats.org/markup-compatibility/2006">
+    <mc:Choice xmlns:p14="http://schemas.microsoft.com/office/powerpoint/2010/main" Requires="p14">
+      <p:transition p14:dur="2000" advClick="1"/>
+    </mc:Choice>
+    <mc:Fallback>
+      <p:transition advClick="1"/>
+    </mc:Fallback>
+  </mc:AlternateContent>
+</p:sld>
+</file>
+
+<file path=ppt/slides/slide3.xml><?xml version="1.0" encoding="utf-8"?>
 <p:sld xmlns:a="http://schemas.openxmlformats.org/drawingml/2006/main" xmlns:r="http://schemas.openxmlformats.org/officeDocument/2006/relationships" xmlns:p="http://schemas.openxmlformats.org/presentationml/2006/main" xmlns:m="http://schemas.openxmlformats.org/officeDocument/2006/math" xmlns:w="http://schemas.openxmlformats.org/wordprocessingml/2006/main" showMasterPhAnim="0" show="1">
   <p:cSld name="">
     <p:spTree>
@@ -8374,7 +10786,7 @@
 </p:sld>
 </file>
 
-<file path=ppt/slides/slide3.xml><?xml version="1.0" encoding="utf-8"?>
+<file path=ppt/slides/slide4.xml><?xml version="1.0" encoding="utf-8"?>
 <p:sld xmlns:a="http://schemas.openxmlformats.org/drawingml/2006/main" xmlns:r="http://schemas.openxmlformats.org/officeDocument/2006/relationships" xmlns:p="http://schemas.openxmlformats.org/presentationml/2006/main" xmlns:m="http://schemas.openxmlformats.org/officeDocument/2006/math" xmlns:w="http://schemas.openxmlformats.org/wordprocessingml/2006/main" showMasterPhAnim="0" show="1">
   <p:cSld name="">
     <p:spTree>
@@ -8625,7 +11037,7 @@
 </p:sld>
 </file>
 
-<file path=ppt/slides/slide4.xml><?xml version="1.0" encoding="utf-8"?>
+<file path=ppt/slides/slide5.xml><?xml version="1.0" encoding="utf-8"?>
 <p:sld xmlns:a="http://schemas.openxmlformats.org/drawingml/2006/main" xmlns:r="http://schemas.openxmlformats.org/officeDocument/2006/relationships" xmlns:p="http://schemas.openxmlformats.org/presentationml/2006/main" xmlns:m="http://schemas.openxmlformats.org/officeDocument/2006/math" xmlns:w="http://schemas.openxmlformats.org/wordprocessingml/2006/main" showMasterPhAnim="0" show="1">
   <p:cSld name="">
     <p:spTree>
@@ -8858,7 +11270,7 @@
 </p:sld>
 </file>
 
-<file path=ppt/slides/slide5.xml><?xml version="1.0" encoding="utf-8"?>
+<file path=ppt/slides/slide6.xml><?xml version="1.0" encoding="utf-8"?>
 <p:sld xmlns:a="http://schemas.openxmlformats.org/drawingml/2006/main" xmlns:r="http://schemas.openxmlformats.org/officeDocument/2006/relationships" xmlns:p="http://schemas.openxmlformats.org/presentationml/2006/main" xmlns:m="http://schemas.openxmlformats.org/officeDocument/2006/math" xmlns:w="http://schemas.openxmlformats.org/wordprocessingml/2006/main" showMasterPhAnim="0" show="1">
   <p:cSld name="">
     <p:spTree>
@@ -9084,7 +11496,7 @@
 </p:sld>
 </file>
 
-<file path=ppt/slides/slide6.xml><?xml version="1.0" encoding="utf-8"?>
+<file path=ppt/slides/slide7.xml><?xml version="1.0" encoding="utf-8"?>
 <p:sld xmlns:a="http://schemas.openxmlformats.org/drawingml/2006/main" xmlns:r="http://schemas.openxmlformats.org/officeDocument/2006/relationships" xmlns:p="http://schemas.openxmlformats.org/presentationml/2006/main" xmlns:m="http://schemas.openxmlformats.org/officeDocument/2006/math" xmlns:w="http://schemas.openxmlformats.org/wordprocessingml/2006/main" showMasterPhAnim="0" show="1">
   <p:cSld name="">
     <p:spTree>
@@ -9235,7 +11647,7 @@
 </p:sld>
 </file>
 
-<file path=ppt/slides/slide7.xml><?xml version="1.0" encoding="utf-8"?>
+<file path=ppt/slides/slide8.xml><?xml version="1.0" encoding="utf-8"?>
 <p:sld xmlns:a="http://schemas.openxmlformats.org/drawingml/2006/main" xmlns:r="http://schemas.openxmlformats.org/officeDocument/2006/relationships" xmlns:p="http://schemas.openxmlformats.org/presentationml/2006/main" xmlns:m="http://schemas.openxmlformats.org/officeDocument/2006/math" xmlns:w="http://schemas.openxmlformats.org/wordprocessingml/2006/main" showMasterPhAnim="0" show="1">
   <p:cSld name="">
     <p:spTree>
@@ -9468,7 +11880,7 @@
 </p:sld>
 </file>
 
-<file path=ppt/slides/slide8.xml><?xml version="1.0" encoding="utf-8"?>
+<file path=ppt/slides/slide9.xml><?xml version="1.0" encoding="utf-8"?>
 <p:sld xmlns:a="http://schemas.openxmlformats.org/drawingml/2006/main" xmlns:r="http://schemas.openxmlformats.org/officeDocument/2006/relationships" xmlns:p="http://schemas.openxmlformats.org/presentationml/2006/main" xmlns:m="http://schemas.openxmlformats.org/officeDocument/2006/math" xmlns:w="http://schemas.openxmlformats.org/wordprocessingml/2006/main" showMasterPhAnim="0" show="1">
   <p:cSld name="">
     <p:spTree>
@@ -9672,1509 +12084,6 @@
             <a:r>
               <a:rPr lang="fr-FR"/>
               <a:t>Neopixel</a:t>
-            </a:r>
-            <a:endParaRPr lang="fr-FR"/>
-          </a:p>
-        </p:txBody>
-      </p:sp>
-    </p:spTree>
-  </p:cSld>
-  <p:clrMapOvr>
-    <a:masterClrMapping/>
-  </p:clrMapOvr>
-  <mc:AlternateContent xmlns:mc="http://schemas.openxmlformats.org/markup-compatibility/2006">
-    <mc:Choice xmlns:p14="http://schemas.microsoft.com/office/powerpoint/2010/main" Requires="p14">
-      <p:transition p14:dur="2000" advClick="1"/>
-    </mc:Choice>
-    <mc:Fallback>
-      <p:transition advClick="1"/>
-    </mc:Fallback>
-  </mc:AlternateContent>
-</p:sld>
-</file>
-
-<file path=ppt/slides/slide9.xml><?xml version="1.0" encoding="utf-8"?>
-<p:sld xmlns:a="http://schemas.openxmlformats.org/drawingml/2006/main" xmlns:r="http://schemas.openxmlformats.org/officeDocument/2006/relationships" xmlns:p="http://schemas.openxmlformats.org/presentationml/2006/main" xmlns:m="http://schemas.openxmlformats.org/officeDocument/2006/math" xmlns:w="http://schemas.openxmlformats.org/wordprocessingml/2006/main" showMasterPhAnim="0" show="1">
-  <p:cSld name="">
-    <p:spTree>
-      <p:nvGrpSpPr>
-        <p:cNvPr id="1" name="" hidden="0"/>
-        <p:cNvGrpSpPr/>
-        <p:nvPr isPhoto="0" userDrawn="0"/>
-      </p:nvGrpSpPr>
-      <p:grpSpPr bwMode="auto">
-        <a:xfrm>
-          <a:off x="0" y="0"/>
-          <a:ext cx="0" cy="0"/>
-          <a:chOff x="0" y="0"/>
-          <a:chExt cx="0" cy="0"/>
-        </a:xfrm>
-      </p:grpSpPr>
-      <p:sp>
-        <p:nvSpPr>
-          <p:cNvPr id="2" name="Titre 1" hidden="0"/>
-          <p:cNvSpPr>
-            <a:spLocks noGrp="1"/>
-          </p:cNvSpPr>
-          <p:nvPr isPhoto="0" userDrawn="0">
-            <p:ph type="title" hasCustomPrompt="0"/>
-          </p:nvPr>
-        </p:nvSpPr>
-        <p:spPr bwMode="auto"/>
-        <p:txBody>
-          <a:bodyPr/>
-          <a:lstStyle/>
-          <a:p>
-            <a:pPr>
-              <a:defRPr/>
-            </a:pPr>
-            <a:r>
-              <a:rPr lang="fr-FR"/>
-              <a:t>Un programme typique</a:t>
-            </a:r>
-            <a:endParaRPr lang="fr-FR"/>
-          </a:p>
-        </p:txBody>
-      </p:sp>
-      <p:sp>
-        <p:nvSpPr>
-          <p:cNvPr id="4" name="ZoneTexte 3" hidden="0"/>
-          <p:cNvSpPr txBox="1"/>
-          <p:nvPr isPhoto="0" userDrawn="0"/>
-        </p:nvSpPr>
-        <p:spPr bwMode="auto">
-          <a:xfrm>
-            <a:off x="606176" y="1464656"/>
-            <a:ext cx="6287784" cy="5324535"/>
-          </a:xfrm>
-          <a:prstGeom prst="rect">
-            <a:avLst/>
-          </a:prstGeom>
-          <a:solidFill>
-            <a:schemeClr val="bg1">
-              <a:lumMod val="95000"/>
-            </a:schemeClr>
-          </a:solidFill>
-          <a:ln w="12700">
-            <a:solidFill>
-              <a:srgbClr val="FF0000"/>
-            </a:solidFill>
-          </a:ln>
-        </p:spPr>
-        <p:txBody>
-          <a:bodyPr wrap="square" rtlCol="0">
-            <a:spAutoFit/>
-          </a:bodyPr>
-          <a:lstStyle/>
-          <a:p>
-            <a:pPr>
-              <a:defRPr/>
-            </a:pPr>
-            <a:r>
-              <a:rPr lang="fr-FR" sz="1000">
-                <a:latin typeface="Courier New"/>
-                <a:cs typeface="Courier New"/>
-              </a:rPr>
-              <a:t>from</a:t>
-            </a:r>
-            <a:r>
-              <a:rPr lang="fr-FR" sz="1000">
-                <a:latin typeface="Courier New"/>
-                <a:cs typeface="Courier New"/>
-              </a:rPr>
-              <a:t> machine import Pin, PWM</a:t>
-            </a:r>
-            <a:endParaRPr/>
-          </a:p>
-          <a:p>
-            <a:pPr>
-              <a:defRPr/>
-            </a:pPr>
-            <a:r>
-              <a:rPr lang="fr-FR" sz="1000">
-                <a:latin typeface="Courier New"/>
-                <a:cs typeface="Courier New"/>
-              </a:rPr>
-              <a:t>import machine, time</a:t>
-            </a:r>
-            <a:endParaRPr/>
-          </a:p>
-          <a:p>
-            <a:pPr>
-              <a:defRPr/>
-            </a:pPr>
-            <a:endParaRPr lang="fr-FR" sz="1000">
-              <a:latin typeface="Courier New"/>
-              <a:cs typeface="Courier New"/>
-            </a:endParaRPr>
-          </a:p>
-          <a:p>
-            <a:pPr>
-              <a:defRPr/>
-            </a:pPr>
-            <a:r>
-              <a:rPr lang="fr-FR" sz="1000">
-                <a:latin typeface="Courier New"/>
-                <a:cs typeface="Courier New"/>
-              </a:rPr>
-              <a:t>class HCSR04():</a:t>
-            </a:r>
-            <a:endParaRPr/>
-          </a:p>
-          <a:p>
-            <a:pPr>
-              <a:defRPr/>
-            </a:pPr>
-            <a:r>
-              <a:rPr lang="fr-FR" sz="1000">
-                <a:latin typeface="Courier New"/>
-                <a:cs typeface="Courier New"/>
-              </a:rPr>
-              <a:t>    </a:t>
-            </a:r>
-            <a:r>
-              <a:rPr lang="fr-FR" sz="1000">
-                <a:latin typeface="Courier New"/>
-                <a:cs typeface="Courier New"/>
-              </a:rPr>
-              <a:t>def</a:t>
-            </a:r>
-            <a:r>
-              <a:rPr lang="fr-FR" sz="1000">
-                <a:latin typeface="Courier New"/>
-                <a:cs typeface="Courier New"/>
-              </a:rPr>
-              <a:t> __</a:t>
-            </a:r>
-            <a:r>
-              <a:rPr lang="fr-FR" sz="1000">
-                <a:latin typeface="Courier New"/>
-                <a:cs typeface="Courier New"/>
-              </a:rPr>
-              <a:t>init</a:t>
-            </a:r>
-            <a:r>
-              <a:rPr lang="fr-FR" sz="1000">
-                <a:latin typeface="Courier New"/>
-                <a:cs typeface="Courier New"/>
-              </a:rPr>
-              <a:t>__(self, </a:t>
-            </a:r>
-            <a:r>
-              <a:rPr lang="fr-FR" sz="1000">
-                <a:latin typeface="Courier New"/>
-                <a:cs typeface="Courier New"/>
-              </a:rPr>
-              <a:t>pin_echo</a:t>
-            </a:r>
-            <a:r>
-              <a:rPr lang="fr-FR" sz="1000">
-                <a:latin typeface="Courier New"/>
-                <a:cs typeface="Courier New"/>
-              </a:rPr>
-              <a:t>, </a:t>
-            </a:r>
-            <a:r>
-              <a:rPr lang="fr-FR" sz="1000">
-                <a:latin typeface="Courier New"/>
-                <a:cs typeface="Courier New"/>
-              </a:rPr>
-              <a:t>pin_trig</a:t>
-            </a:r>
-            <a:r>
-              <a:rPr lang="fr-FR" sz="1000">
-                <a:latin typeface="Courier New"/>
-                <a:cs typeface="Courier New"/>
-              </a:rPr>
-              <a:t>):</a:t>
-            </a:r>
-            <a:endParaRPr/>
-          </a:p>
-          <a:p>
-            <a:pPr>
-              <a:defRPr/>
-            </a:pPr>
-            <a:r>
-              <a:rPr lang="fr-FR" sz="1000">
-                <a:latin typeface="Courier New"/>
-                <a:cs typeface="Courier New"/>
-              </a:rPr>
-              <a:t>        </a:t>
-            </a:r>
-            <a:r>
-              <a:rPr lang="fr-FR" sz="1000">
-                <a:latin typeface="Courier New"/>
-                <a:cs typeface="Courier New"/>
-              </a:rPr>
-              <a:t>self.pin_echo</a:t>
-            </a:r>
-            <a:r>
-              <a:rPr lang="fr-FR" sz="1000">
-                <a:latin typeface="Courier New"/>
-                <a:cs typeface="Courier New"/>
-              </a:rPr>
-              <a:t> = </a:t>
-            </a:r>
-            <a:r>
-              <a:rPr lang="fr-FR" sz="1000">
-                <a:latin typeface="Courier New"/>
-                <a:cs typeface="Courier New"/>
-              </a:rPr>
-              <a:t>pin_echo</a:t>
-            </a:r>
-            <a:endParaRPr lang="fr-FR" sz="1000">
-              <a:latin typeface="Courier New"/>
-              <a:cs typeface="Courier New"/>
-            </a:endParaRPr>
-          </a:p>
-          <a:p>
-            <a:pPr>
-              <a:defRPr/>
-            </a:pPr>
-            <a:r>
-              <a:rPr lang="fr-FR" sz="1000">
-                <a:latin typeface="Courier New"/>
-                <a:cs typeface="Courier New"/>
-              </a:rPr>
-              <a:t>        </a:t>
-            </a:r>
-            <a:r>
-              <a:rPr lang="fr-FR" sz="1000">
-                <a:latin typeface="Courier New"/>
-                <a:cs typeface="Courier New"/>
-              </a:rPr>
-              <a:t>self.pin_trig</a:t>
-            </a:r>
-            <a:r>
-              <a:rPr lang="fr-FR" sz="1000">
-                <a:latin typeface="Courier New"/>
-                <a:cs typeface="Courier New"/>
-              </a:rPr>
-              <a:t> = Pin(</a:t>
-            </a:r>
-            <a:r>
-              <a:rPr lang="fr-FR" sz="1000">
-                <a:latin typeface="Courier New"/>
-                <a:cs typeface="Courier New"/>
-              </a:rPr>
-              <a:t>pin_trig</a:t>
-            </a:r>
-            <a:r>
-              <a:rPr lang="fr-FR" sz="1000">
-                <a:latin typeface="Courier New"/>
-                <a:cs typeface="Courier New"/>
-              </a:rPr>
-              <a:t>, </a:t>
-            </a:r>
-            <a:r>
-              <a:rPr lang="fr-FR" sz="1000">
-                <a:latin typeface="Courier New"/>
-                <a:cs typeface="Courier New"/>
-              </a:rPr>
-              <a:t>Pin.OUT</a:t>
-            </a:r>
-            <a:r>
-              <a:rPr lang="fr-FR" sz="1000">
-                <a:latin typeface="Courier New"/>
-                <a:cs typeface="Courier New"/>
-              </a:rPr>
-              <a:t>)  # </a:t>
-            </a:r>
-            <a:r>
-              <a:rPr lang="fr-FR" sz="1000">
-                <a:latin typeface="Courier New"/>
-                <a:cs typeface="Courier New"/>
-              </a:rPr>
-              <a:t>definit</a:t>
-            </a:r>
-            <a:r>
-              <a:rPr lang="fr-FR" sz="1000">
-                <a:latin typeface="Courier New"/>
-                <a:cs typeface="Courier New"/>
-              </a:rPr>
-              <a:t> la broche TRIGGER en sortie</a:t>
-            </a:r>
-            <a:endParaRPr/>
-          </a:p>
-          <a:p>
-            <a:pPr>
-              <a:defRPr/>
-            </a:pPr>
-            <a:r>
-              <a:rPr lang="fr-FR" sz="1000">
-                <a:latin typeface="Courier New"/>
-                <a:cs typeface="Courier New"/>
-              </a:rPr>
-              <a:t>        </a:t>
-            </a:r>
-            <a:r>
-              <a:rPr lang="fr-FR" sz="1000">
-                <a:latin typeface="Courier New"/>
-                <a:cs typeface="Courier New"/>
-              </a:rPr>
-              <a:t>self.pin_echo</a:t>
-            </a:r>
-            <a:r>
-              <a:rPr lang="fr-FR" sz="1000">
-                <a:latin typeface="Courier New"/>
-                <a:cs typeface="Courier New"/>
-              </a:rPr>
-              <a:t> = Pin(</a:t>
-            </a:r>
-            <a:r>
-              <a:rPr lang="fr-FR" sz="1000">
-                <a:latin typeface="Courier New"/>
-                <a:cs typeface="Courier New"/>
-              </a:rPr>
-              <a:t>pin_echo</a:t>
-            </a:r>
-            <a:r>
-              <a:rPr lang="fr-FR" sz="1000">
-                <a:latin typeface="Courier New"/>
-                <a:cs typeface="Courier New"/>
-              </a:rPr>
-              <a:t>, Pin.IN)  # </a:t>
-            </a:r>
-            <a:r>
-              <a:rPr lang="fr-FR" sz="1000">
-                <a:latin typeface="Courier New"/>
-                <a:cs typeface="Courier New"/>
-              </a:rPr>
-              <a:t>definit</a:t>
-            </a:r>
-            <a:r>
-              <a:rPr lang="fr-FR" sz="1000">
-                <a:latin typeface="Courier New"/>
-                <a:cs typeface="Courier New"/>
-              </a:rPr>
-              <a:t> la broche ECHO en </a:t>
-            </a:r>
-            <a:r>
-              <a:rPr lang="fr-FR" sz="1000">
-                <a:latin typeface="Courier New"/>
-                <a:cs typeface="Courier New"/>
-              </a:rPr>
-              <a:t>entree</a:t>
-            </a:r>
-            <a:endParaRPr lang="fr-FR" sz="1000">
-              <a:latin typeface="Courier New"/>
-              <a:cs typeface="Courier New"/>
-            </a:endParaRPr>
-          </a:p>
-          <a:p>
-            <a:pPr>
-              <a:defRPr/>
-            </a:pPr>
-            <a:r>
-              <a:rPr lang="fr-FR" sz="1000">
-                <a:latin typeface="Courier New"/>
-                <a:cs typeface="Courier New"/>
-              </a:rPr>
-              <a:t>        </a:t>
-            </a:r>
-            <a:r>
-              <a:rPr lang="fr-FR" sz="1000">
-                <a:latin typeface="Courier New"/>
-                <a:cs typeface="Courier New"/>
-              </a:rPr>
-              <a:t>self.pin_trig.off</a:t>
-            </a:r>
-            <a:r>
-              <a:rPr lang="fr-FR" sz="1000">
-                <a:latin typeface="Courier New"/>
-                <a:cs typeface="Courier New"/>
-              </a:rPr>
-              <a:t>()  # broche TRIGGER niveau bas au repos</a:t>
-            </a:r>
-            <a:endParaRPr/>
-          </a:p>
-          <a:p>
-            <a:pPr>
-              <a:defRPr/>
-            </a:pPr>
-            <a:r>
-              <a:rPr lang="fr-FR" sz="1000">
-                <a:latin typeface="Courier New"/>
-                <a:cs typeface="Courier New"/>
-              </a:rPr>
-              <a:t>        # on </a:t>
-            </a:r>
-            <a:r>
-              <a:rPr lang="fr-FR" sz="1000">
-                <a:latin typeface="Courier New"/>
-                <a:cs typeface="Courier New"/>
-              </a:rPr>
-              <a:t>definit</a:t>
-            </a:r>
-            <a:r>
-              <a:rPr lang="fr-FR" sz="1000">
-                <a:latin typeface="Courier New"/>
-                <a:cs typeface="Courier New"/>
-              </a:rPr>
-              <a:t> un Timeout si le retour </a:t>
-            </a:r>
-            <a:r>
-              <a:rPr lang="fr-FR" sz="1000">
-                <a:latin typeface="Courier New"/>
-                <a:cs typeface="Courier New"/>
-              </a:rPr>
-              <a:t>echo</a:t>
-            </a:r>
-            <a:r>
-              <a:rPr lang="fr-FR" sz="1000">
-                <a:latin typeface="Courier New"/>
-                <a:cs typeface="Courier New"/>
-              </a:rPr>
-              <a:t> </a:t>
-            </a:r>
-            <a:r>
-              <a:rPr lang="fr-FR" sz="1000">
-                <a:latin typeface="Courier New"/>
-                <a:cs typeface="Courier New"/>
-              </a:rPr>
-              <a:t>depasse</a:t>
-            </a:r>
-            <a:r>
-              <a:rPr lang="fr-FR" sz="1000">
-                <a:latin typeface="Courier New"/>
-                <a:cs typeface="Courier New"/>
-              </a:rPr>
-              <a:t> 23.8 ms</a:t>
-            </a:r>
-            <a:endParaRPr/>
-          </a:p>
-          <a:p>
-            <a:pPr>
-              <a:defRPr/>
-            </a:pPr>
-            <a:r>
-              <a:rPr lang="fr-FR" sz="1000">
-                <a:latin typeface="Courier New"/>
-                <a:cs typeface="Courier New"/>
-              </a:rPr>
-              <a:t>        # 410 cm  * 2 (aller/retour) * 29.1 (vitesse du son 1cm = 29.1us)</a:t>
-            </a:r>
-            <a:endParaRPr/>
-          </a:p>
-          <a:p>
-            <a:pPr>
-              <a:defRPr/>
-            </a:pPr>
-            <a:r>
-              <a:rPr lang="fr-FR" sz="1000">
-                <a:latin typeface="Courier New"/>
-                <a:cs typeface="Courier New"/>
-              </a:rPr>
-              <a:t>        </a:t>
-            </a:r>
-            <a:r>
-              <a:rPr lang="fr-FR" sz="1000">
-                <a:latin typeface="Courier New"/>
-                <a:cs typeface="Courier New"/>
-              </a:rPr>
-              <a:t>tmo</a:t>
-            </a:r>
-            <a:r>
-              <a:rPr lang="fr-FR" sz="1000">
-                <a:latin typeface="Courier New"/>
-                <a:cs typeface="Courier New"/>
-              </a:rPr>
-              <a:t> = </a:t>
-            </a:r>
-            <a:r>
-              <a:rPr lang="fr-FR" sz="1000">
-                <a:latin typeface="Courier New"/>
-                <a:cs typeface="Courier New"/>
-              </a:rPr>
-              <a:t>int</a:t>
-            </a:r>
-            <a:r>
-              <a:rPr lang="fr-FR" sz="1000">
-                <a:latin typeface="Courier New"/>
-                <a:cs typeface="Courier New"/>
-              </a:rPr>
-              <a:t>(410 * 2 * 29.1)</a:t>
-            </a:r>
-            <a:endParaRPr/>
-          </a:p>
-          <a:p>
-            <a:pPr>
-              <a:defRPr/>
-            </a:pPr>
-            <a:r>
-              <a:rPr lang="fr-FR" sz="1000">
-                <a:latin typeface="Courier New"/>
-                <a:cs typeface="Courier New"/>
-              </a:rPr>
-              <a:t>        </a:t>
-            </a:r>
-            <a:r>
-              <a:rPr lang="fr-FR" sz="1000">
-                <a:latin typeface="Courier New"/>
-                <a:cs typeface="Courier New"/>
-              </a:rPr>
-              <a:t>self.tmo</a:t>
-            </a:r>
-            <a:r>
-              <a:rPr lang="fr-FR" sz="1000">
-                <a:latin typeface="Courier New"/>
-                <a:cs typeface="Courier New"/>
-              </a:rPr>
-              <a:t> = </a:t>
-            </a:r>
-            <a:r>
-              <a:rPr lang="fr-FR" sz="1000">
-                <a:latin typeface="Courier New"/>
-                <a:cs typeface="Courier New"/>
-              </a:rPr>
-              <a:t>tmo</a:t>
-            </a:r>
-            <a:endParaRPr lang="fr-FR" sz="1000">
-              <a:latin typeface="Courier New"/>
-              <a:cs typeface="Courier New"/>
-            </a:endParaRPr>
-          </a:p>
-          <a:p>
-            <a:pPr>
-              <a:defRPr/>
-            </a:pPr>
-            <a:endParaRPr lang="fr-FR" sz="1000">
-              <a:latin typeface="Courier New"/>
-              <a:cs typeface="Courier New"/>
-            </a:endParaRPr>
-          </a:p>
-          <a:p>
-            <a:pPr>
-              <a:defRPr/>
-            </a:pPr>
-            <a:r>
-              <a:rPr lang="fr-FR" sz="1000">
-                <a:latin typeface="Courier New"/>
-                <a:cs typeface="Courier New"/>
-              </a:rPr>
-              <a:t>    </a:t>
-            </a:r>
-            <a:r>
-              <a:rPr lang="fr-FR" sz="1000">
-                <a:latin typeface="Courier New"/>
-                <a:cs typeface="Courier New"/>
-              </a:rPr>
-              <a:t>def</a:t>
-            </a:r>
-            <a:r>
-              <a:rPr lang="fr-FR" sz="1000">
-                <a:latin typeface="Courier New"/>
-                <a:cs typeface="Courier New"/>
-              </a:rPr>
-              <a:t> </a:t>
-            </a:r>
-            <a:r>
-              <a:rPr lang="fr-FR" sz="1000">
-                <a:latin typeface="Courier New"/>
-                <a:cs typeface="Courier New"/>
-              </a:rPr>
-              <a:t>lecture_distance</a:t>
-            </a:r>
-            <a:r>
-              <a:rPr lang="fr-FR" sz="1000">
-                <a:latin typeface="Courier New"/>
-                <a:cs typeface="Courier New"/>
-              </a:rPr>
-              <a:t>(self):</a:t>
-            </a:r>
-            <a:endParaRPr/>
-          </a:p>
-          <a:p>
-            <a:pPr>
-              <a:defRPr/>
-            </a:pPr>
-            <a:r>
-              <a:rPr lang="fr-FR" sz="1000">
-                <a:latin typeface="Courier New"/>
-                <a:cs typeface="Courier New"/>
-              </a:rPr>
-              <a:t>        </a:t>
-            </a:r>
-            <a:r>
-              <a:rPr lang="fr-FR" sz="1000">
-                <a:latin typeface="Courier New"/>
-                <a:cs typeface="Courier New"/>
-              </a:rPr>
-              <a:t>self.pin_trig.off</a:t>
-            </a:r>
-            <a:r>
-              <a:rPr lang="fr-FR" sz="1000">
-                <a:latin typeface="Courier New"/>
-                <a:cs typeface="Courier New"/>
-              </a:rPr>
-              <a:t>()  # broche TRIGGER niveau bas au repos</a:t>
-            </a:r>
-            <a:endParaRPr/>
-          </a:p>
-          <a:p>
-            <a:pPr>
-              <a:defRPr/>
-            </a:pPr>
-            <a:r>
-              <a:rPr lang="fr-FR" sz="1000">
-                <a:latin typeface="Courier New"/>
-                <a:cs typeface="Courier New"/>
-              </a:rPr>
-              <a:t>        </a:t>
-            </a:r>
-            <a:r>
-              <a:rPr lang="fr-FR" sz="1000">
-                <a:latin typeface="Courier New"/>
-                <a:cs typeface="Courier New"/>
-              </a:rPr>
-              <a:t>time.sleep_us</a:t>
-            </a:r>
-            <a:r>
-              <a:rPr lang="fr-FR" sz="1000">
-                <a:latin typeface="Courier New"/>
-                <a:cs typeface="Courier New"/>
-              </a:rPr>
-              <a:t>(2)  # on attend 20us</a:t>
-            </a:r>
-            <a:endParaRPr/>
-          </a:p>
-          <a:p>
-            <a:pPr>
-              <a:defRPr/>
-            </a:pPr>
-            <a:r>
-              <a:rPr lang="fr-FR" sz="1000">
-                <a:latin typeface="Courier New"/>
-                <a:cs typeface="Courier New"/>
-              </a:rPr>
-              <a:t>        </a:t>
-            </a:r>
-            <a:r>
-              <a:rPr lang="fr-FR" sz="1000">
-                <a:latin typeface="Courier New"/>
-                <a:cs typeface="Courier New"/>
-              </a:rPr>
-              <a:t>self.pin_trig.on</a:t>
-            </a:r>
-            <a:r>
-              <a:rPr lang="fr-FR" sz="1000">
-                <a:latin typeface="Courier New"/>
-                <a:cs typeface="Courier New"/>
-              </a:rPr>
-              <a:t>()  # broche TRIGGER niveau haut</a:t>
-            </a:r>
-            <a:endParaRPr/>
-          </a:p>
-          <a:p>
-            <a:pPr>
-              <a:defRPr/>
-            </a:pPr>
-            <a:r>
-              <a:rPr lang="fr-FR" sz="1000">
-                <a:latin typeface="Courier New"/>
-                <a:cs typeface="Courier New"/>
-              </a:rPr>
-              <a:t>        </a:t>
-            </a:r>
-            <a:r>
-              <a:rPr lang="fr-FR" sz="1000">
-                <a:latin typeface="Courier New"/>
-                <a:cs typeface="Courier New"/>
-              </a:rPr>
-              <a:t>time.sleep_us</a:t>
-            </a:r>
-            <a:r>
-              <a:rPr lang="fr-FR" sz="1000">
-                <a:latin typeface="Courier New"/>
-                <a:cs typeface="Courier New"/>
-              </a:rPr>
-              <a:t>(10)  # pendant 10us</a:t>
-            </a:r>
-            <a:endParaRPr/>
-          </a:p>
-          <a:p>
-            <a:pPr>
-              <a:defRPr/>
-            </a:pPr>
-            <a:r>
-              <a:rPr lang="fr-FR" sz="1000">
-                <a:latin typeface="Courier New"/>
-                <a:cs typeface="Courier New"/>
-              </a:rPr>
-              <a:t>        </a:t>
-            </a:r>
-            <a:r>
-              <a:rPr lang="fr-FR" sz="1000">
-                <a:latin typeface="Courier New"/>
-                <a:cs typeface="Courier New"/>
-              </a:rPr>
-              <a:t>self.pin_trig.off</a:t>
-            </a:r>
-            <a:r>
-              <a:rPr lang="fr-FR" sz="1000">
-                <a:latin typeface="Courier New"/>
-                <a:cs typeface="Courier New"/>
-              </a:rPr>
-              <a:t>()</a:t>
-            </a:r>
-            <a:endParaRPr/>
-          </a:p>
-          <a:p>
-            <a:pPr>
-              <a:defRPr/>
-            </a:pPr>
-            <a:r>
-              <a:rPr lang="fr-FR" sz="1000">
-                <a:latin typeface="Courier New"/>
-                <a:cs typeface="Courier New"/>
-              </a:rPr>
-              <a:t>        </a:t>
-            </a:r>
-            <a:r>
-              <a:rPr lang="fr-FR" sz="1000">
-                <a:latin typeface="Courier New"/>
-                <a:cs typeface="Courier New"/>
-              </a:rPr>
-              <a:t>self.temps_distance</a:t>
-            </a:r>
-            <a:r>
-              <a:rPr lang="fr-FR" sz="1000">
-                <a:latin typeface="Courier New"/>
-                <a:cs typeface="Courier New"/>
-              </a:rPr>
-              <a:t> = </a:t>
-            </a:r>
-            <a:r>
-              <a:rPr lang="fr-FR" sz="1000">
-                <a:latin typeface="Courier New"/>
-                <a:cs typeface="Courier New"/>
-              </a:rPr>
-              <a:t>machine.time_pulse_us</a:t>
-            </a:r>
-            <a:r>
-              <a:rPr lang="fr-FR" sz="1000">
-                <a:latin typeface="Courier New"/>
-                <a:cs typeface="Courier New"/>
-              </a:rPr>
-              <a:t>(</a:t>
-            </a:r>
-            <a:r>
-              <a:rPr lang="fr-FR" sz="1000">
-                <a:latin typeface="Courier New"/>
-                <a:cs typeface="Courier New"/>
-              </a:rPr>
-              <a:t>self.pin_echo</a:t>
-            </a:r>
-            <a:r>
-              <a:rPr lang="fr-FR" sz="1000">
-                <a:latin typeface="Courier New"/>
-                <a:cs typeface="Courier New"/>
-              </a:rPr>
-              <a:t>, 1, </a:t>
-            </a:r>
-            <a:r>
-              <a:rPr lang="fr-FR" sz="1000">
-                <a:latin typeface="Courier New"/>
-                <a:cs typeface="Courier New"/>
-              </a:rPr>
-              <a:t>self.tmo</a:t>
-            </a:r>
-            <a:r>
-              <a:rPr lang="fr-FR" sz="1000">
-                <a:latin typeface="Courier New"/>
-                <a:cs typeface="Courier New"/>
-              </a:rPr>
-              <a:t>)</a:t>
-            </a:r>
-            <a:endParaRPr/>
-          </a:p>
-          <a:p>
-            <a:pPr>
-              <a:defRPr/>
-            </a:pPr>
-            <a:r>
-              <a:rPr lang="fr-FR" sz="1000">
-                <a:latin typeface="Courier New"/>
-                <a:cs typeface="Courier New"/>
-              </a:rPr>
-              <a:t>        # </a:t>
-            </a:r>
-            <a:r>
-              <a:rPr lang="fr-FR" sz="1000">
-                <a:latin typeface="Courier New"/>
-                <a:cs typeface="Courier New"/>
-              </a:rPr>
-              <a:t>print</a:t>
-            </a:r>
-            <a:r>
-              <a:rPr lang="fr-FR" sz="1000">
-                <a:latin typeface="Courier New"/>
-                <a:cs typeface="Courier New"/>
-              </a:rPr>
-              <a:t>("</a:t>
-            </a:r>
-            <a:r>
-              <a:rPr lang="fr-FR" sz="1000">
-                <a:latin typeface="Courier New"/>
-                <a:cs typeface="Courier New"/>
-              </a:rPr>
-              <a:t>temps_distance</a:t>
-            </a:r>
-            <a:r>
-              <a:rPr lang="fr-FR" sz="1000">
-                <a:latin typeface="Courier New"/>
-                <a:cs typeface="Courier New"/>
-              </a:rPr>
-              <a:t>", </a:t>
-            </a:r>
-            <a:r>
-              <a:rPr lang="fr-FR" sz="1000">
-                <a:latin typeface="Courier New"/>
-                <a:cs typeface="Courier New"/>
-              </a:rPr>
-              <a:t>self.temps_distance</a:t>
-            </a:r>
-            <a:r>
-              <a:rPr lang="fr-FR" sz="1000">
-                <a:latin typeface="Courier New"/>
-                <a:cs typeface="Courier New"/>
-              </a:rPr>
-              <a:t>)</a:t>
-            </a:r>
-            <a:endParaRPr/>
-          </a:p>
-          <a:p>
-            <a:pPr>
-              <a:defRPr/>
-            </a:pPr>
-            <a:r>
-              <a:rPr lang="fr-FR" sz="1000">
-                <a:latin typeface="Courier New"/>
-                <a:cs typeface="Courier New"/>
-              </a:rPr>
-              <a:t>        if (</a:t>
-            </a:r>
-            <a:r>
-              <a:rPr lang="fr-FR" sz="1000">
-                <a:latin typeface="Courier New"/>
-                <a:cs typeface="Courier New"/>
-              </a:rPr>
-              <a:t>self.temps_distance</a:t>
-            </a:r>
-            <a:r>
-              <a:rPr lang="fr-FR" sz="1000">
-                <a:latin typeface="Courier New"/>
-                <a:cs typeface="Courier New"/>
-              </a:rPr>
-              <a:t> == -1):</a:t>
-            </a:r>
-            <a:endParaRPr/>
-          </a:p>
-          <a:p>
-            <a:pPr>
-              <a:defRPr/>
-            </a:pPr>
-            <a:r>
-              <a:rPr lang="fr-FR" sz="1000">
-                <a:latin typeface="Courier New"/>
-                <a:cs typeface="Courier New"/>
-              </a:rPr>
-              <a:t>            # Timeout, mesure distance &gt; 4m</a:t>
-            </a:r>
-            <a:endParaRPr/>
-          </a:p>
-          <a:p>
-            <a:pPr>
-              <a:defRPr/>
-            </a:pPr>
-            <a:r>
-              <a:rPr lang="fr-FR" sz="1000">
-                <a:latin typeface="Courier New"/>
-                <a:cs typeface="Courier New"/>
-              </a:rPr>
-              <a:t>            </a:t>
-            </a:r>
-            <a:r>
-              <a:rPr lang="fr-FR" sz="1000">
-                <a:latin typeface="Courier New"/>
-                <a:cs typeface="Courier New"/>
-              </a:rPr>
-              <a:t>self.calcul_distance_cm</a:t>
-            </a:r>
-            <a:r>
-              <a:rPr lang="fr-FR" sz="1000">
-                <a:latin typeface="Courier New"/>
-                <a:cs typeface="Courier New"/>
-              </a:rPr>
-              <a:t> = -1</a:t>
-            </a:r>
-            <a:endParaRPr/>
-          </a:p>
-          <a:p>
-            <a:pPr>
-              <a:defRPr/>
-            </a:pPr>
-            <a:r>
-              <a:rPr lang="fr-FR" sz="1000">
-                <a:latin typeface="Courier New"/>
-                <a:cs typeface="Courier New"/>
-              </a:rPr>
-              <a:t>        </a:t>
-            </a:r>
-            <a:r>
-              <a:rPr lang="fr-FR" sz="1000">
-                <a:latin typeface="Courier New"/>
-                <a:cs typeface="Courier New"/>
-              </a:rPr>
-              <a:t>else</a:t>
-            </a:r>
-            <a:r>
-              <a:rPr lang="fr-FR" sz="1000">
-                <a:latin typeface="Courier New"/>
-                <a:cs typeface="Courier New"/>
-              </a:rPr>
-              <a:t>:</a:t>
-            </a:r>
-            <a:endParaRPr/>
-          </a:p>
-          <a:p>
-            <a:pPr>
-              <a:defRPr/>
-            </a:pPr>
-            <a:r>
-              <a:rPr lang="fr-FR" sz="1000">
-                <a:latin typeface="Courier New"/>
-                <a:cs typeface="Courier New"/>
-              </a:rPr>
-              <a:t>            # le temps que met l’</a:t>
-            </a:r>
-            <a:r>
-              <a:rPr lang="fr-FR" sz="1000">
-                <a:latin typeface="Courier New"/>
-                <a:cs typeface="Courier New"/>
-              </a:rPr>
-              <a:t>echo</a:t>
-            </a:r>
-            <a:r>
-              <a:rPr lang="fr-FR" sz="1000">
-                <a:latin typeface="Courier New"/>
-                <a:cs typeface="Courier New"/>
-              </a:rPr>
-              <a:t> est a diviser par 2 (aller-retour)</a:t>
-            </a:r>
-            <a:endParaRPr/>
-          </a:p>
-          <a:p>
-            <a:pPr>
-              <a:defRPr/>
-            </a:pPr>
-            <a:r>
-              <a:rPr lang="fr-FR" sz="1000">
-                <a:latin typeface="Courier New"/>
-                <a:cs typeface="Courier New"/>
-              </a:rPr>
-              <a:t>            # la vitesse du son est de 0.034320 cm/us (343.2 m/s)</a:t>
-            </a:r>
-            <a:endParaRPr/>
-          </a:p>
-          <a:p>
-            <a:pPr>
-              <a:defRPr/>
-            </a:pPr>
-            <a:r>
-              <a:rPr lang="fr-FR" sz="1000">
-                <a:latin typeface="Courier New"/>
-                <a:cs typeface="Courier New"/>
-              </a:rPr>
-              <a:t>            # pour 1 cm donc on obtient 29.1 us</a:t>
-            </a:r>
-            <a:endParaRPr/>
-          </a:p>
-          <a:p>
-            <a:pPr>
-              <a:defRPr/>
-            </a:pPr>
-            <a:r>
-              <a:rPr lang="fr-FR" sz="1000">
-                <a:latin typeface="Courier New"/>
-                <a:cs typeface="Courier New"/>
-              </a:rPr>
-              <a:t>            </a:t>
-            </a:r>
-            <a:r>
-              <a:rPr lang="fr-FR" sz="1000">
-                <a:latin typeface="Courier New"/>
-                <a:cs typeface="Courier New"/>
-              </a:rPr>
-              <a:t>self.calcul_distance_cm</a:t>
-            </a:r>
-            <a:r>
-              <a:rPr lang="fr-FR" sz="1000">
-                <a:latin typeface="Courier New"/>
-                <a:cs typeface="Courier New"/>
-              </a:rPr>
-              <a:t> = (</a:t>
-            </a:r>
-            <a:r>
-              <a:rPr lang="fr-FR" sz="1000">
-                <a:latin typeface="Courier New"/>
-                <a:cs typeface="Courier New"/>
-              </a:rPr>
-              <a:t>self.temps_distance</a:t>
-            </a:r>
-            <a:r>
-              <a:rPr lang="fr-FR" sz="1000">
-                <a:latin typeface="Courier New"/>
-                <a:cs typeface="Courier New"/>
-              </a:rPr>
-              <a:t> / 2) / 29.1</a:t>
-            </a:r>
-            <a:endParaRPr/>
-          </a:p>
-          <a:p>
-            <a:pPr>
-              <a:defRPr/>
-            </a:pPr>
-            <a:r>
-              <a:rPr lang="fr-FR" sz="1000">
-                <a:latin typeface="Courier New"/>
-                <a:cs typeface="Courier New"/>
-              </a:rPr>
-              <a:t>        return(</a:t>
-            </a:r>
-            <a:r>
-              <a:rPr lang="fr-FR" sz="1000">
-                <a:latin typeface="Courier New"/>
-                <a:cs typeface="Courier New"/>
-              </a:rPr>
-              <a:t>self.calcul_distance_cm</a:t>
-            </a:r>
-            <a:r>
-              <a:rPr lang="fr-FR" sz="1000">
-                <a:latin typeface="Courier New"/>
-                <a:cs typeface="Courier New"/>
-              </a:rPr>
-              <a:t>)</a:t>
-            </a:r>
-            <a:endParaRPr lang="fr-FR" sz="1000">
-              <a:latin typeface="Courier New"/>
-              <a:cs typeface="Courier New"/>
-            </a:endParaRPr>
-          </a:p>
-        </p:txBody>
-      </p:sp>
-      <p:sp>
-        <p:nvSpPr>
-          <p:cNvPr id="5" name="ZoneTexte 4" hidden="0"/>
-          <p:cNvSpPr txBox="1"/>
-          <p:nvPr isPhoto="0" userDrawn="0"/>
-        </p:nvSpPr>
-        <p:spPr bwMode="auto">
-          <a:xfrm>
-            <a:off x="7325773" y="3369663"/>
-            <a:ext cx="4116361" cy="2246769"/>
-          </a:xfrm>
-          <a:prstGeom prst="rect">
-            <a:avLst/>
-          </a:prstGeom>
-          <a:solidFill>
-            <a:schemeClr val="bg1">
-              <a:lumMod val="95000"/>
-            </a:schemeClr>
-          </a:solidFill>
-          <a:ln w="12700">
-            <a:solidFill>
-              <a:srgbClr val="FF0000"/>
-            </a:solidFill>
-          </a:ln>
-        </p:spPr>
-        <p:txBody>
-          <a:bodyPr wrap="square" rtlCol="0">
-            <a:spAutoFit/>
-          </a:bodyPr>
-          <a:lstStyle/>
-          <a:p>
-            <a:pPr>
-              <a:defRPr/>
-            </a:pPr>
-            <a:r>
-              <a:rPr lang="fr-FR" sz="1000">
-                <a:latin typeface="Courier New"/>
-                <a:cs typeface="Courier New"/>
-              </a:rPr>
-              <a:t>...</a:t>
-            </a:r>
-            <a:endParaRPr/>
-          </a:p>
-          <a:p>
-            <a:pPr>
-              <a:defRPr/>
-            </a:pPr>
-            <a:r>
-              <a:rPr lang="fr-FR" sz="1000">
-                <a:latin typeface="Courier New"/>
-                <a:cs typeface="Courier New"/>
-              </a:rPr>
-              <a:t>pin_echo</a:t>
-            </a:r>
-            <a:r>
-              <a:rPr lang="fr-FR" sz="1000">
-                <a:latin typeface="Courier New"/>
-                <a:cs typeface="Courier New"/>
-              </a:rPr>
-              <a:t> = 4  # sortie D2 –&gt; GPIO04</a:t>
-            </a:r>
-            <a:endParaRPr/>
-          </a:p>
-          <a:p>
-            <a:pPr>
-              <a:defRPr/>
-            </a:pPr>
-            <a:r>
-              <a:rPr lang="fr-FR" sz="1000">
-                <a:latin typeface="Courier New"/>
-                <a:cs typeface="Courier New"/>
-              </a:rPr>
-              <a:t>pin_trigger</a:t>
-            </a:r>
-            <a:r>
-              <a:rPr lang="fr-FR" sz="1000">
-                <a:latin typeface="Courier New"/>
-                <a:cs typeface="Courier New"/>
-              </a:rPr>
-              <a:t> = 5  # sortie D1 –&gt; GPIO05</a:t>
-            </a:r>
-            <a:endParaRPr/>
-          </a:p>
-          <a:p>
-            <a:pPr>
-              <a:defRPr/>
-            </a:pPr>
-            <a:endParaRPr lang="fr-FR" sz="1000">
-              <a:latin typeface="Courier New"/>
-              <a:cs typeface="Courier New"/>
-            </a:endParaRPr>
-          </a:p>
-          <a:p>
-            <a:pPr>
-              <a:defRPr/>
-            </a:pPr>
-            <a:r>
-              <a:rPr lang="fr-FR" sz="1000">
-                <a:latin typeface="Courier New"/>
-                <a:cs typeface="Courier New"/>
-              </a:rPr>
-              <a:t>hc_sr04 = HCSR04(</a:t>
-            </a:r>
-            <a:r>
-              <a:rPr lang="fr-FR" sz="1000">
-                <a:latin typeface="Courier New"/>
-                <a:cs typeface="Courier New"/>
-              </a:rPr>
-              <a:t>pin_echo</a:t>
-            </a:r>
-            <a:r>
-              <a:rPr lang="fr-FR" sz="1000">
-                <a:latin typeface="Courier New"/>
-                <a:cs typeface="Courier New"/>
-              </a:rPr>
-              <a:t>, </a:t>
-            </a:r>
-            <a:r>
-              <a:rPr lang="fr-FR" sz="1000">
-                <a:latin typeface="Courier New"/>
-                <a:cs typeface="Courier New"/>
-              </a:rPr>
-              <a:t>pin_trigger</a:t>
-            </a:r>
-            <a:r>
-              <a:rPr lang="fr-FR" sz="1000">
-                <a:latin typeface="Courier New"/>
-                <a:cs typeface="Courier New"/>
-              </a:rPr>
-              <a:t>)</a:t>
-            </a:r>
-            <a:endParaRPr/>
-          </a:p>
-          <a:p>
-            <a:pPr>
-              <a:defRPr/>
-            </a:pPr>
-            <a:endParaRPr lang="fr-FR" sz="1000">
-              <a:latin typeface="Courier New"/>
-              <a:cs typeface="Courier New"/>
-            </a:endParaRPr>
-          </a:p>
-          <a:p>
-            <a:pPr>
-              <a:defRPr/>
-            </a:pPr>
-            <a:r>
-              <a:rPr lang="fr-FR" sz="1000">
-                <a:latin typeface="Courier New"/>
-                <a:cs typeface="Courier New"/>
-              </a:rPr>
-              <a:t>while</a:t>
-            </a:r>
-            <a:r>
-              <a:rPr lang="fr-FR" sz="1000">
-                <a:latin typeface="Courier New"/>
-                <a:cs typeface="Courier New"/>
-              </a:rPr>
-              <a:t> </a:t>
-            </a:r>
-            <a:r>
-              <a:rPr lang="fr-FR" sz="1000">
-                <a:latin typeface="Courier New"/>
-                <a:cs typeface="Courier New"/>
-              </a:rPr>
-              <a:t>True</a:t>
-            </a:r>
-            <a:r>
-              <a:rPr lang="fr-FR" sz="1000">
-                <a:latin typeface="Courier New"/>
-                <a:cs typeface="Courier New"/>
-              </a:rPr>
-              <a:t>:</a:t>
-            </a:r>
-            <a:endParaRPr/>
-          </a:p>
-          <a:p>
-            <a:pPr>
-              <a:defRPr/>
-            </a:pPr>
-            <a:r>
-              <a:rPr lang="fr-FR" sz="1000">
-                <a:latin typeface="Courier New"/>
-                <a:cs typeface="Courier New"/>
-              </a:rPr>
-              <a:t>    distance = hc_sr04.lecture_distance()</a:t>
-            </a:r>
-            <a:endParaRPr/>
-          </a:p>
-          <a:p>
-            <a:pPr>
-              <a:defRPr/>
-            </a:pPr>
-            <a:r>
-              <a:rPr lang="fr-FR" sz="1000">
-                <a:latin typeface="Courier New"/>
-                <a:cs typeface="Courier New"/>
-              </a:rPr>
-              <a:t>    if (distance == -1):</a:t>
-            </a:r>
-            <a:endParaRPr/>
-          </a:p>
-          <a:p>
-            <a:pPr>
-              <a:defRPr/>
-            </a:pPr>
-            <a:r>
-              <a:rPr lang="fr-FR" sz="1000">
-                <a:latin typeface="Courier New"/>
-                <a:cs typeface="Courier New"/>
-              </a:rPr>
-              <a:t>        </a:t>
-            </a:r>
-            <a:r>
-              <a:rPr lang="fr-FR" sz="1000">
-                <a:latin typeface="Courier New"/>
-                <a:cs typeface="Courier New"/>
-              </a:rPr>
-              <a:t>print</a:t>
-            </a:r>
-            <a:r>
-              <a:rPr lang="fr-FR" sz="1000">
-                <a:latin typeface="Courier New"/>
-                <a:cs typeface="Courier New"/>
-              </a:rPr>
-              <a:t> ("Mesure supérieure à 4 mètres")</a:t>
-            </a:r>
-            <a:endParaRPr/>
-          </a:p>
-          <a:p>
-            <a:pPr>
-              <a:defRPr/>
-            </a:pPr>
-            <a:r>
-              <a:rPr lang="fr-FR" sz="1000">
-                <a:latin typeface="Courier New"/>
-                <a:cs typeface="Courier New"/>
-              </a:rPr>
-              <a:t>    </a:t>
-            </a:r>
-            <a:r>
-              <a:rPr lang="fr-FR" sz="1000">
-                <a:latin typeface="Courier New"/>
-                <a:cs typeface="Courier New"/>
-              </a:rPr>
-              <a:t>else</a:t>
-            </a:r>
-            <a:r>
-              <a:rPr lang="fr-FR" sz="1000">
-                <a:latin typeface="Courier New"/>
-                <a:cs typeface="Courier New"/>
-              </a:rPr>
-              <a:t>:</a:t>
-            </a:r>
-            <a:endParaRPr/>
-          </a:p>
-          <a:p>
-            <a:pPr>
-              <a:defRPr/>
-            </a:pPr>
-            <a:r>
-              <a:rPr lang="fr-FR" sz="1000">
-                <a:latin typeface="Courier New"/>
-                <a:cs typeface="Courier New"/>
-              </a:rPr>
-              <a:t>        </a:t>
-            </a:r>
-            <a:r>
-              <a:rPr lang="fr-FR" sz="1000">
-                <a:latin typeface="Courier New"/>
-                <a:cs typeface="Courier New"/>
-              </a:rPr>
-              <a:t>print</a:t>
-            </a:r>
-            <a:r>
-              <a:rPr lang="fr-FR" sz="1000">
-                <a:latin typeface="Courier New"/>
-                <a:cs typeface="Courier New"/>
-              </a:rPr>
-              <a:t> ((distance), "cm")</a:t>
-            </a:r>
-            <a:endParaRPr/>
-          </a:p>
-          <a:p>
-            <a:pPr>
-              <a:defRPr/>
-            </a:pPr>
-            <a:r>
-              <a:rPr lang="fr-FR" sz="1000">
-                <a:latin typeface="Courier New"/>
-                <a:cs typeface="Courier New"/>
-              </a:rPr>
-              <a:t>    </a:t>
-            </a:r>
-            <a:r>
-              <a:rPr lang="fr-FR" sz="1000">
-                <a:latin typeface="Courier New"/>
-                <a:cs typeface="Courier New"/>
-              </a:rPr>
-              <a:t>time.sleep</a:t>
-            </a:r>
-            <a:r>
-              <a:rPr lang="fr-FR" sz="1000">
-                <a:latin typeface="Courier New"/>
-                <a:cs typeface="Courier New"/>
-              </a:rPr>
-              <a:t>(0.1)</a:t>
-            </a:r>
-            <a:endParaRPr/>
-          </a:p>
-          <a:p>
-            <a:pPr>
-              <a:defRPr/>
-            </a:pPr>
-            <a:endParaRPr lang="fr-FR" sz="1000">
-              <a:latin typeface="Courier New"/>
-              <a:cs typeface="Courier New"/>
-            </a:endParaRPr>
-          </a:p>
-        </p:txBody>
-      </p:sp>
-      <p:sp>
-        <p:nvSpPr>
-          <p:cNvPr id="7" name="Rectangle 6" hidden="0"/>
-          <p:cNvSpPr/>
-          <p:nvPr isPhoto="0" userDrawn="0"/>
-        </p:nvSpPr>
-        <p:spPr bwMode="auto">
-          <a:xfrm>
-            <a:off x="7746721" y="663070"/>
-            <a:ext cx="4202123" cy="1027618"/>
-          </a:xfrm>
-          <a:prstGeom prst="wedgeRectCallout">
-            <a:avLst>
-              <a:gd name="adj1" fmla="val -144285"/>
-              <a:gd name="adj2" fmla="val 85387"/>
-            </a:avLst>
-          </a:prstGeom>
-          <a:ln w="12700"/>
-        </p:spPr>
-        <p:style>
-          <a:lnRef idx="1">
-            <a:schemeClr val="accent4"/>
-          </a:lnRef>
-          <a:fillRef idx="2">
-            <a:schemeClr val="accent4"/>
-          </a:fillRef>
-          <a:effectRef idx="1">
-            <a:schemeClr val="accent4"/>
-          </a:effectRef>
-          <a:fontRef idx="minor">
-            <a:schemeClr val="dk1"/>
-          </a:fontRef>
-        </p:style>
-        <p:txBody>
-          <a:bodyPr rtlCol="0" anchor="ctr"/>
-          <a:lstStyle/>
-          <a:p>
-            <a:pPr algn="ctr">
-              <a:defRPr/>
-            </a:pPr>
-            <a:r>
-              <a:rPr lang="fr-FR"/>
-              <a:t>On définit les caractéristiques structurelles et fonctionnelles de notre module (ici le HCSR04) dans une classe</a:t>
-            </a:r>
-            <a:endParaRPr lang="fr-FR"/>
-          </a:p>
-        </p:txBody>
-      </p:sp>
-      <p:sp>
-        <p:nvSpPr>
-          <p:cNvPr id="8" name="Rectangle 7" hidden="0"/>
-          <p:cNvSpPr/>
-          <p:nvPr isPhoto="0" userDrawn="0"/>
-        </p:nvSpPr>
-        <p:spPr bwMode="auto">
-          <a:xfrm>
-            <a:off x="10066969" y="5327007"/>
-            <a:ext cx="1419540" cy="683375"/>
-          </a:xfrm>
-          <a:prstGeom prst="wedgeRectCallout">
-            <a:avLst>
-              <a:gd name="adj1" fmla="val -97625"/>
-              <a:gd name="adj2" fmla="val -47011"/>
-            </a:avLst>
-          </a:prstGeom>
-          <a:ln w="12700"/>
-        </p:spPr>
-        <p:style>
-          <a:lnRef idx="1">
-            <a:schemeClr val="accent4"/>
-          </a:lnRef>
-          <a:fillRef idx="2">
-            <a:schemeClr val="accent4"/>
-          </a:fillRef>
-          <a:effectRef idx="1">
-            <a:schemeClr val="accent4"/>
-          </a:effectRef>
-          <a:fontRef idx="minor">
-            <a:schemeClr val="dk1"/>
-          </a:fontRef>
-        </p:style>
-        <p:txBody>
-          <a:bodyPr rtlCol="0" anchor="ctr"/>
-          <a:lstStyle/>
-          <a:p>
-            <a:pPr algn="ctr">
-              <a:defRPr/>
-            </a:pPr>
-            <a:r>
-              <a:rPr lang="fr-FR"/>
-              <a:t>Programme principal</a:t>
             </a:r>
             <a:endParaRPr lang="fr-FR"/>
           </a:p>

--- a/microPython-2.pptx
+++ b/microPython-2.pptx
@@ -9780,6 +9780,36 @@
             </a:pPr>
             <a:endParaRPr lang="fr-FR"/>
           </a:p>
+          <a:p>
+            <a:pPr>
+              <a:defRPr/>
+            </a:pPr>
+            <a:endParaRPr lang="fr-FR"/>
+          </a:p>
+          <a:p>
+            <a:pPr>
+              <a:defRPr/>
+            </a:pPr>
+            <a:r>
+              <a:rPr lang="fr-FR" sz="2800" b="0" i="0" u="none" strike="noStrike" cap="none" spc="0">
+                <a:solidFill>
+                  <a:schemeClr val="tx1"/>
+                </a:solidFill>
+                <a:latin typeface="+mn-lt"/>
+                <a:ea typeface="+mn-ea"/>
+                <a:cs typeface="+mn-cs"/>
+              </a:rPr>
+              <a:t>Ou avec Thonny </a:t>
+            </a:r>
+            <a:endParaRPr lang="fr-FR" sz="2800" b="0" i="0" u="none" strike="noStrike" cap="none" spc="0">
+              <a:solidFill>
+                <a:schemeClr val="tx1"/>
+              </a:solidFill>
+              <a:latin typeface="Calibri"/>
+              <a:ea typeface="Arial"/>
+              <a:cs typeface="Arial"/>
+            </a:endParaRPr>
+          </a:p>
         </p:txBody>
       </p:sp>
       <p:sp>
@@ -10805,32 +10835,6 @@
       </p:grpSpPr>
       <p:sp>
         <p:nvSpPr>
-          <p:cNvPr id="278168092" name="Espace réservé du contenu 2" hidden="0"/>
-          <p:cNvSpPr>
-            <a:spLocks noGrp="1"/>
-          </p:cNvSpPr>
-          <p:nvPr isPhoto="0" userDrawn="0">
-            <p:ph idx="1" hasCustomPrompt="0"/>
-          </p:nvPr>
-        </p:nvSpPr>
-        <p:spPr bwMode="auto"/>
-        <p:txBody>
-          <a:bodyPr/>
-          <a:lstStyle/>
-          <a:p>
-            <a:pPr>
-              <a:defRPr/>
-            </a:pPr>
-            <a:r>
-              <a:rPr/>
-              <a:t>Autre solution avec Thonny</a:t>
-            </a:r>
-            <a:endParaRPr/>
-          </a:p>
-        </p:txBody>
-      </p:sp>
-      <p:sp>
-        <p:nvSpPr>
           <p:cNvPr id="1054228436" name="" hidden="0"/>
           <p:cNvSpPr/>
           <p:nvPr isPhoto="0" userDrawn="0"/>
@@ -11017,6 +11021,58 @@
               <a:rPr lang="fr-FR"/>
               <a:t>Choix de la cible</a:t>
             </a:r>
+            <a:r>
+              <a:rPr lang="fr-FR"/>
+              <a:t> ESP</a:t>
+            </a:r>
+            <a:endParaRPr lang="fr-FR"/>
+          </a:p>
+        </p:txBody>
+      </p:sp>
+      <p:sp>
+        <p:nvSpPr>
+          <p:cNvPr id="435097066" name="Rectangle 4" hidden="0"/>
+          <p:cNvSpPr/>
+          <p:nvPr isPhoto="0" userDrawn="0"/>
+        </p:nvSpPr>
+        <p:spPr bwMode="auto">
+          <a:xfrm>
+            <a:off x="1497443" y="5581646"/>
+            <a:ext cx="2157572" cy="424228"/>
+          </a:xfrm>
+          <a:prstGeom prst="wedgeRectCallout">
+            <a:avLst>
+              <a:gd name="adj1" fmla="val 166656"/>
+              <a:gd name="adj2" fmla="val 20482"/>
+            </a:avLst>
+          </a:prstGeom>
+          <a:ln w="12700"/>
+        </p:spPr>
+        <p:style>
+          <a:lnRef idx="1">
+            <a:schemeClr val="accent4"/>
+          </a:lnRef>
+          <a:fillRef idx="2">
+            <a:schemeClr val="accent4"/>
+          </a:fillRef>
+          <a:effectRef idx="1">
+            <a:schemeClr val="accent4"/>
+          </a:effectRef>
+          <a:fontRef idx="minor">
+            <a:schemeClr val="dk1"/>
+          </a:fontRef>
+        </p:style>
+        <p:txBody>
+          <a:bodyPr rtlCol="0" anchor="ctr"/>
+          <a:lstStyle/>
+          <a:p>
+            <a:pPr algn="ctr">
+              <a:defRPr/>
+            </a:pPr>
+            <a:r>
+              <a:rPr lang="fr-FR"/>
+              <a:t>Vérifier le port USB</a:t>
+            </a:r>
             <a:endParaRPr lang="fr-FR"/>
           </a:p>
         </p:txBody>
@@ -11235,7 +11291,7 @@
         </p:nvSpPr>
         <p:spPr bwMode="auto">
           <a:xfrm>
-            <a:off x="838199" y="1825624"/>
+            <a:off x="838198" y="1825624"/>
             <a:ext cx="10515600" cy="4351338"/>
           </a:xfrm>
         </p:spPr>
